--- a/docs/documentation.pptx
+++ b/docs/documentation.pptx
@@ -5,7 +5,7 @@
     <p:sldMasterId id="2147483648" r:id="rId1"/>
   </p:sldMasterIdLst>
   <p:notesMasterIdLst>
-    <p:notesMasterId r:id="rId23"/>
+    <p:notesMasterId r:id="rId22"/>
   </p:notesMasterIdLst>
   <p:sldIdLst>
     <p:sldId id="256" r:id="rId4"/>
@@ -26,7 +26,6 @@
     <p:sldId id="271" r:id="rId19"/>
     <p:sldId id="272" r:id="rId20"/>
     <p:sldId id="273" r:id="rId21"/>
-    <p:sldId id="274" r:id="rId22"/>
   </p:sldIdLst>
   <p:sldSz cx="12192000" cy="6858000"/>
   <p:notesSz cx="6858000" cy="9144000"/>
@@ -152,7 +151,7 @@
       </p:grpSpPr>
       <p:sp>
         <p:nvSpPr>
-          <p:cNvPr id="1209964633" name="Header Placeholder 1"/>
+          <p:cNvPr id="637548177" name="Header Placeholder 1"/>
           <p:cNvSpPr>
             <a:spLocks noGrp="1"/>
           </p:cNvSpPr>
@@ -186,7 +185,7 @@
       </p:sp>
       <p:sp>
         <p:nvSpPr>
-          <p:cNvPr id="1614869424" name="Date Placeholder 2"/>
+          <p:cNvPr id="824243971" name="Date Placeholder 2"/>
           <p:cNvSpPr>
             <a:spLocks noGrp="1"/>
           </p:cNvSpPr>
@@ -224,7 +223,7 @@
       </p:sp>
       <p:sp>
         <p:nvSpPr>
-          <p:cNvPr id="1426111547" name="Slide Image Placeholder 3"/>
+          <p:cNvPr id="778280908" name="Slide Image Placeholder 3"/>
           <p:cNvSpPr>
             <a:spLocks noChangeAspect="1" noGrp="1" noRot="1"/>
           </p:cNvSpPr>
@@ -260,7 +259,7 @@
       </p:sp>
       <p:sp>
         <p:nvSpPr>
-          <p:cNvPr id="927669220" name="Notes Placeholder 4"/>
+          <p:cNvPr id="186873515" name="Notes Placeholder 4"/>
           <p:cNvSpPr>
             <a:spLocks noGrp="1"/>
           </p:cNvSpPr>
@@ -334,7 +333,7 @@
       </p:sp>
       <p:sp>
         <p:nvSpPr>
-          <p:cNvPr id="1668787306" name="Footer Placeholder 5"/>
+          <p:cNvPr id="2139987442" name="Footer Placeholder 5"/>
           <p:cNvSpPr>
             <a:spLocks noGrp="1"/>
           </p:cNvSpPr>
@@ -368,7 +367,7 @@
       </p:sp>
       <p:sp>
         <p:nvSpPr>
-          <p:cNvPr id="1425478456" name="Slide Number Placeholder 6"/>
+          <p:cNvPr id="685219155" name="Slide Number Placeholder 6"/>
           <p:cNvSpPr>
             <a:spLocks noGrp="1"/>
           </p:cNvSpPr>
@@ -521,7 +520,7 @@
       </p:grpSpPr>
       <p:sp>
         <p:nvSpPr>
-          <p:cNvPr id="179733453" name="Slide Image Placeholder 1"/>
+          <p:cNvPr id="1696022824" name="Slide Image Placeholder 1"/>
           <p:cNvSpPr>
             <a:spLocks noChangeAspect="1" noGrp="1" noRot="1"/>
           </p:cNvSpPr>
@@ -538,7 +537,7 @@
       </p:sp>
       <p:sp>
         <p:nvSpPr>
-          <p:cNvPr id="1588333397" name="Notes Placeholder 2"/>
+          <p:cNvPr id="1306232703" name="Notes Placeholder 2"/>
           <p:cNvSpPr>
             <a:spLocks noGrp="1"/>
           </p:cNvSpPr>
@@ -563,7 +562,7 @@
       </p:sp>
       <p:sp>
         <p:nvSpPr>
-          <p:cNvPr id="487426284" name="Slide Number Placeholder 3"/>
+          <p:cNvPr id="1384902526" name="Slide Number Placeholder 3"/>
           <p:cNvSpPr>
             <a:spLocks noGrp="1"/>
           </p:cNvSpPr>
@@ -611,7 +610,7 @@
       </p:grpSpPr>
       <p:sp>
         <p:nvSpPr>
-          <p:cNvPr id="2" name="Slide Image Placeholder 1"/>
+          <p:cNvPr id="1973394822" name="Slide Image Placeholder 1"/>
           <p:cNvSpPr>
             <a:spLocks noChangeAspect="1" noGrp="1" noRot="1"/>
           </p:cNvSpPr>
@@ -623,7 +622,7 @@
       </p:sp>
       <p:sp>
         <p:nvSpPr>
-          <p:cNvPr id="3" name="Notes Placeholder 2"/>
+          <p:cNvPr id="1761680521" name="Notes Placeholder 2"/>
           <p:cNvSpPr>
             <a:spLocks noGrp="1"/>
           </p:cNvSpPr>
@@ -645,7 +644,7 @@
       </p:sp>
       <p:sp>
         <p:nvSpPr>
-          <p:cNvPr id="4" name="Slide Number Placeholder 3"/>
+          <p:cNvPr id="32383451" name="Slide Number Placeholder 3"/>
           <p:cNvSpPr>
             <a:spLocks noGrp="1"/>
           </p:cNvSpPr>
@@ -661,7 +660,7 @@
             <a:pPr>
               <a:defRPr/>
             </a:pPr>
-            <a:fld id="{2F8A6309-18E5-565F-6DB9-6BBC5E5C72A7}" type="slidenum">
+            <a:fld id="{D903BF56-A6F9-F503-3B0B-D49EBE81BF15}" type="slidenum">
               <a:rPr/>
               <a:t/>
             </a:fld>
@@ -693,7 +692,7 @@
       </p:grpSpPr>
       <p:sp>
         <p:nvSpPr>
-          <p:cNvPr id="2" name="Slide Image Placeholder 1"/>
+          <p:cNvPr id="594243386" name="Slide Image Placeholder 1"/>
           <p:cNvSpPr>
             <a:spLocks noChangeAspect="1" noGrp="1" noRot="1"/>
           </p:cNvSpPr>
@@ -705,7 +704,7 @@
       </p:sp>
       <p:sp>
         <p:nvSpPr>
-          <p:cNvPr id="3" name="Notes Placeholder 2"/>
+          <p:cNvPr id="130917418" name="Notes Placeholder 2"/>
           <p:cNvSpPr>
             <a:spLocks noGrp="1"/>
           </p:cNvSpPr>
@@ -727,7 +726,7 @@
       </p:sp>
       <p:sp>
         <p:nvSpPr>
-          <p:cNvPr id="4" name="Slide Number Placeholder 3"/>
+          <p:cNvPr id="1682561845" name="Slide Number Placeholder 3"/>
           <p:cNvSpPr>
             <a:spLocks noGrp="1"/>
           </p:cNvSpPr>
@@ -743,7 +742,7 @@
             <a:pPr>
               <a:defRPr/>
             </a:pPr>
-            <a:fld id="{D903BF56-A6F9-F503-3B0B-D49EBE81BF15}" type="slidenum">
+            <a:fld id="{DE4C1E52-96DD-17FC-0244-7213015ADB51}" type="slidenum">
               <a:rPr/>
               <a:t/>
             </a:fld>
@@ -775,7 +774,7 @@
       </p:grpSpPr>
       <p:sp>
         <p:nvSpPr>
-          <p:cNvPr id="2" name="Slide Image Placeholder 1"/>
+          <p:cNvPr id="1881564457" name="Slide Image Placeholder 1"/>
           <p:cNvSpPr>
             <a:spLocks noChangeAspect="1" noGrp="1" noRot="1"/>
           </p:cNvSpPr>
@@ -787,7 +786,7 @@
       </p:sp>
       <p:sp>
         <p:nvSpPr>
-          <p:cNvPr id="3" name="Notes Placeholder 2"/>
+          <p:cNvPr id="1909604301" name="Notes Placeholder 2"/>
           <p:cNvSpPr>
             <a:spLocks noGrp="1"/>
           </p:cNvSpPr>
@@ -809,7 +808,7 @@
       </p:sp>
       <p:sp>
         <p:nvSpPr>
-          <p:cNvPr id="4" name="Slide Number Placeholder 3"/>
+          <p:cNvPr id="963149210" name="Slide Number Placeholder 3"/>
           <p:cNvSpPr>
             <a:spLocks noGrp="1"/>
           </p:cNvSpPr>
@@ -825,7 +824,7 @@
             <a:pPr>
               <a:defRPr/>
             </a:pPr>
-            <a:fld id="{DE4C1E52-96DD-17FC-0244-7213015ADB51}" type="slidenum">
+            <a:fld id="{D29A982D-4FF6-ADBB-41D5-6044D4C515FE}" type="slidenum">
               <a:rPr/>
               <a:t/>
             </a:fld>
@@ -857,7 +856,7 @@
       </p:grpSpPr>
       <p:sp>
         <p:nvSpPr>
-          <p:cNvPr id="1939038288" name="Slide Image Placeholder 1"/>
+          <p:cNvPr id="191390574" name="Slide Image Placeholder 1"/>
           <p:cNvSpPr>
             <a:spLocks noChangeAspect="1" noGrp="1" noRot="1"/>
           </p:cNvSpPr>
@@ -869,7 +868,7 @@
       </p:sp>
       <p:sp>
         <p:nvSpPr>
-          <p:cNvPr id="1626557085" name="Notes Placeholder 2"/>
+          <p:cNvPr id="1906438756" name="Notes Placeholder 2"/>
           <p:cNvSpPr>
             <a:spLocks noGrp="1"/>
           </p:cNvSpPr>
@@ -891,7 +890,7 @@
       </p:sp>
       <p:sp>
         <p:nvSpPr>
-          <p:cNvPr id="1060157571" name="Slide Number Placeholder 3"/>
+          <p:cNvPr id="729256653" name="Slide Number Placeholder 3"/>
           <p:cNvSpPr>
             <a:spLocks noGrp="1"/>
           </p:cNvSpPr>
@@ -907,7 +906,7 @@
             <a:pPr>
               <a:defRPr/>
             </a:pPr>
-            <a:fld id="{D29A982D-4FF6-ADBB-41D5-6044D4C515FE}" type="slidenum">
+            <a:fld id="{DEA49EEE-FDB6-8E06-A2DE-626A5AFB56DA}" type="slidenum">
               <a:rPr/>
               <a:t/>
             </a:fld>
@@ -939,7 +938,7 @@
       </p:grpSpPr>
       <p:sp>
         <p:nvSpPr>
-          <p:cNvPr id="2" name="Slide Image Placeholder 1"/>
+          <p:cNvPr id="210747736" name="Slide Image Placeholder 1"/>
           <p:cNvSpPr>
             <a:spLocks noChangeAspect="1" noGrp="1" noRot="1"/>
           </p:cNvSpPr>
@@ -951,7 +950,7 @@
       </p:sp>
       <p:sp>
         <p:nvSpPr>
-          <p:cNvPr id="3" name="Notes Placeholder 2"/>
+          <p:cNvPr id="1930555977" name="Notes Placeholder 2"/>
           <p:cNvSpPr>
             <a:spLocks noGrp="1"/>
           </p:cNvSpPr>
@@ -973,7 +972,7 @@
       </p:sp>
       <p:sp>
         <p:nvSpPr>
-          <p:cNvPr id="4" name="Slide Number Placeholder 3"/>
+          <p:cNvPr id="204640760" name="Slide Number Placeholder 3"/>
           <p:cNvSpPr>
             <a:spLocks noGrp="1"/>
           </p:cNvSpPr>
@@ -989,7 +988,7 @@
             <a:pPr>
               <a:defRPr/>
             </a:pPr>
-            <a:fld id="{DEA49EEE-FDB6-8E06-A2DE-626A5AFB56DA}" type="slidenum">
+            <a:fld id="{99869C42-D9E3-2EC9-859A-85A0E087BB9F}" type="slidenum">
               <a:rPr/>
               <a:t/>
             </a:fld>
@@ -1021,7 +1020,7 @@
       </p:grpSpPr>
       <p:sp>
         <p:nvSpPr>
-          <p:cNvPr id="2" name="Slide Image Placeholder 1"/>
+          <p:cNvPr id="1778734026" name="Slide Image Placeholder 1"/>
           <p:cNvSpPr>
             <a:spLocks noChangeAspect="1" noGrp="1" noRot="1"/>
           </p:cNvSpPr>
@@ -1033,7 +1032,7 @@
       </p:sp>
       <p:sp>
         <p:nvSpPr>
-          <p:cNvPr id="3" name="Notes Placeholder 2"/>
+          <p:cNvPr id="57172689" name="Notes Placeholder 2"/>
           <p:cNvSpPr>
             <a:spLocks noGrp="1"/>
           </p:cNvSpPr>
@@ -1055,7 +1054,7 @@
       </p:sp>
       <p:sp>
         <p:nvSpPr>
-          <p:cNvPr id="4" name="Slide Number Placeholder 3"/>
+          <p:cNvPr id="1249024817" name="Slide Number Placeholder 3"/>
           <p:cNvSpPr>
             <a:spLocks noGrp="1"/>
           </p:cNvSpPr>
@@ -1071,7 +1070,7 @@
             <a:pPr>
               <a:defRPr/>
             </a:pPr>
-            <a:fld id="{99869C42-D9E3-2EC9-859A-85A0E087BB9F}" type="slidenum">
+            <a:fld id="{A069E4D6-12CA-BA76-D2DE-05EF0E1C4A95}" type="slidenum">
               <a:rPr/>
               <a:t/>
             </a:fld>
@@ -1103,7 +1102,7 @@
       </p:grpSpPr>
       <p:sp>
         <p:nvSpPr>
-          <p:cNvPr id="2" name="Slide Image Placeholder 1"/>
+          <p:cNvPr id="983858976" name="Slide Image Placeholder 1"/>
           <p:cNvSpPr>
             <a:spLocks noChangeAspect="1" noGrp="1" noRot="1"/>
           </p:cNvSpPr>
@@ -1115,7 +1114,7 @@
       </p:sp>
       <p:sp>
         <p:nvSpPr>
-          <p:cNvPr id="3" name="Notes Placeholder 2"/>
+          <p:cNvPr id="1443162313" name="Notes Placeholder 2"/>
           <p:cNvSpPr>
             <a:spLocks noGrp="1"/>
           </p:cNvSpPr>
@@ -1137,7 +1136,7 @@
       </p:sp>
       <p:sp>
         <p:nvSpPr>
-          <p:cNvPr id="4" name="Slide Number Placeholder 3"/>
+          <p:cNvPr id="2115641694" name="Slide Number Placeholder 3"/>
           <p:cNvSpPr>
             <a:spLocks noGrp="1"/>
           </p:cNvSpPr>
@@ -1153,7 +1152,7 @@
             <a:pPr>
               <a:defRPr/>
             </a:pPr>
-            <a:fld id="{A069E4D6-12CA-BA76-D2DE-05EF0E1C4A95}" type="slidenum">
+            <a:fld id="{569E394D-8CBE-80EE-830A-BAF4A9601047}" type="slidenum">
               <a:rPr/>
               <a:t/>
             </a:fld>
@@ -1185,7 +1184,7 @@
       </p:grpSpPr>
       <p:sp>
         <p:nvSpPr>
-          <p:cNvPr id="2" name="Slide Image Placeholder 1"/>
+          <p:cNvPr id="38806441" name="Slide Image Placeholder 1"/>
           <p:cNvSpPr>
             <a:spLocks noChangeAspect="1" noGrp="1" noRot="1"/>
           </p:cNvSpPr>
@@ -1197,7 +1196,7 @@
       </p:sp>
       <p:sp>
         <p:nvSpPr>
-          <p:cNvPr id="3" name="Notes Placeholder 2"/>
+          <p:cNvPr id="1724646037" name="Notes Placeholder 2"/>
           <p:cNvSpPr>
             <a:spLocks noGrp="1"/>
           </p:cNvSpPr>
@@ -1219,7 +1218,7 @@
       </p:sp>
       <p:sp>
         <p:nvSpPr>
-          <p:cNvPr id="4" name="Slide Number Placeholder 3"/>
+          <p:cNvPr id="109477084" name="Slide Number Placeholder 3"/>
           <p:cNvSpPr>
             <a:spLocks noGrp="1"/>
           </p:cNvSpPr>
@@ -1235,7 +1234,7 @@
             <a:pPr>
               <a:defRPr/>
             </a:pPr>
-            <a:fld id="{569E394D-8CBE-80EE-830A-BAF4A9601047}" type="slidenum">
+            <a:fld id="{BF6D5127-0342-FDFF-738C-B6E7C4ECF01E}" type="slidenum">
               <a:rPr/>
               <a:t/>
             </a:fld>
@@ -1267,7 +1266,7 @@
       </p:grpSpPr>
       <p:sp>
         <p:nvSpPr>
-          <p:cNvPr id="1857178478" name="Slide Image Placeholder 1"/>
+          <p:cNvPr id="1703289979" name="Slide Image Placeholder 1"/>
           <p:cNvSpPr>
             <a:spLocks noChangeAspect="1" noGrp="1" noRot="1"/>
           </p:cNvSpPr>
@@ -1279,7 +1278,7 @@
       </p:sp>
       <p:sp>
         <p:nvSpPr>
-          <p:cNvPr id="696724084" name="Notes Placeholder 2"/>
+          <p:cNvPr id="756789963" name="Notes Placeholder 2"/>
           <p:cNvSpPr>
             <a:spLocks noGrp="1"/>
           </p:cNvSpPr>
@@ -1301,89 +1300,7 @@
       </p:sp>
       <p:sp>
         <p:nvSpPr>
-          <p:cNvPr id="572496083" name="Slide Number Placeholder 3"/>
-          <p:cNvSpPr>
-            <a:spLocks noGrp="1"/>
-          </p:cNvSpPr>
-          <p:nvPr>
-            <p:ph type="sldNum" sz="quarter" idx="10"/>
-          </p:nvPr>
-        </p:nvSpPr>
-        <p:spPr bwMode="auto"/>
-        <p:txBody>
-          <a:bodyPr/>
-          <a:lstStyle/>
-          <a:p>
-            <a:pPr>
-              <a:defRPr/>
-            </a:pPr>
-            <a:fld id="{BF6D5127-0342-FDFF-738C-B6E7C4ECF01E}" type="slidenum">
-              <a:rPr/>
-              <a:t/>
-            </a:fld>
-            <a:endParaRPr/>
-          </a:p>
-        </p:txBody>
-      </p:sp>
-    </p:spTree>
-  </p:cSld>
-</p:notes>
-</file>
-
-<file path=ppt/notesSlides/notesSlide19.xml><?xml version="1.0" encoding="utf-8"?>
-<p:notes xmlns:a="http://schemas.openxmlformats.org/drawingml/2006/main" xmlns:r="http://schemas.openxmlformats.org/officeDocument/2006/relationships" xmlns:p="http://schemas.openxmlformats.org/presentationml/2006/main" xmlns:m="http://schemas.openxmlformats.org/officeDocument/2006/math" xmlns:w="http://schemas.openxmlformats.org/wordprocessingml/2006/main">
-  <p:cSld name="">
-    <p:spTree>
-      <p:nvGrpSpPr>
-        <p:cNvPr id="1" name=""/>
-        <p:cNvGrpSpPr/>
-        <p:nvPr/>
-      </p:nvGrpSpPr>
-      <p:grpSpPr bwMode="auto">
-        <a:xfrm>
-          <a:off x="0" y="0"/>
-          <a:ext cx="0" cy="0"/>
-          <a:chOff x="0" y="0"/>
-          <a:chExt cx="0" cy="0"/>
-        </a:xfrm>
-      </p:grpSpPr>
-      <p:sp>
-        <p:nvSpPr>
-          <p:cNvPr id="2" name="Slide Image Placeholder 1"/>
-          <p:cNvSpPr>
-            <a:spLocks noChangeAspect="1" noGrp="1" noRot="1"/>
-          </p:cNvSpPr>
-          <p:nvPr>
-            <p:ph type="sldImg"/>
-          </p:nvPr>
-        </p:nvSpPr>
-        <p:spPr bwMode="auto"/>
-      </p:sp>
-      <p:sp>
-        <p:nvSpPr>
-          <p:cNvPr id="3" name="Notes Placeholder 2"/>
-          <p:cNvSpPr>
-            <a:spLocks noGrp="1"/>
-          </p:cNvSpPr>
-          <p:nvPr>
-            <p:ph type="body" idx="1"/>
-          </p:nvPr>
-        </p:nvSpPr>
-        <p:spPr bwMode="auto"/>
-        <p:txBody>
-          <a:bodyPr/>
-          <a:lstStyle/>
-          <a:p>
-            <a:pPr>
-              <a:defRPr/>
-            </a:pPr>
-            <a:endParaRPr/>
-          </a:p>
-        </p:txBody>
-      </p:sp>
-      <p:sp>
-        <p:nvSpPr>
-          <p:cNvPr id="4" name="Slide Number Placeholder 3"/>
+          <p:cNvPr id="1564721599" name="Slide Number Placeholder 3"/>
           <p:cNvSpPr>
             <a:spLocks noGrp="1"/>
           </p:cNvSpPr>
@@ -1431,7 +1348,7 @@
       </p:grpSpPr>
       <p:sp>
         <p:nvSpPr>
-          <p:cNvPr id="2" name="Slide Image Placeholder 1"/>
+          <p:cNvPr id="1928808391" name="Slide Image Placeholder 1"/>
           <p:cNvSpPr>
             <a:spLocks noChangeAspect="1" noGrp="1" noRot="1"/>
           </p:cNvSpPr>
@@ -1443,7 +1360,7 @@
       </p:sp>
       <p:sp>
         <p:nvSpPr>
-          <p:cNvPr id="3" name="Notes Placeholder 2"/>
+          <p:cNvPr id="1359590452" name="Notes Placeholder 2"/>
           <p:cNvSpPr>
             <a:spLocks noGrp="1"/>
           </p:cNvSpPr>
@@ -1465,7 +1382,7 @@
       </p:sp>
       <p:sp>
         <p:nvSpPr>
-          <p:cNvPr id="4" name="Slide Number Placeholder 3"/>
+          <p:cNvPr id="668675614" name="Slide Number Placeholder 3"/>
           <p:cNvSpPr>
             <a:spLocks noGrp="1"/>
           </p:cNvSpPr>
@@ -1513,7 +1430,7 @@
       </p:grpSpPr>
       <p:sp>
         <p:nvSpPr>
-          <p:cNvPr id="2" name="Slide Image Placeholder 1"/>
+          <p:cNvPr id="1164675984" name="Slide Image Placeholder 1"/>
           <p:cNvSpPr>
             <a:spLocks noChangeAspect="1" noGrp="1" noRot="1"/>
           </p:cNvSpPr>
@@ -1525,7 +1442,7 @@
       </p:sp>
       <p:sp>
         <p:nvSpPr>
-          <p:cNvPr id="3" name="Notes Placeholder 2"/>
+          <p:cNvPr id="1687452684" name="Notes Placeholder 2"/>
           <p:cNvSpPr>
             <a:spLocks noGrp="1"/>
           </p:cNvSpPr>
@@ -1547,7 +1464,7 @@
       </p:sp>
       <p:sp>
         <p:nvSpPr>
-          <p:cNvPr id="4" name="Slide Number Placeholder 3"/>
+          <p:cNvPr id="1120919357" name="Slide Number Placeholder 3"/>
           <p:cNvSpPr>
             <a:spLocks noGrp="1"/>
           </p:cNvSpPr>
@@ -1595,7 +1512,7 @@
       </p:grpSpPr>
       <p:sp>
         <p:nvSpPr>
-          <p:cNvPr id="2" name="Slide Image Placeholder 1"/>
+          <p:cNvPr id="77778349" name="Slide Image Placeholder 1"/>
           <p:cNvSpPr>
             <a:spLocks noChangeAspect="1" noGrp="1" noRot="1"/>
           </p:cNvSpPr>
@@ -1607,7 +1524,7 @@
       </p:sp>
       <p:sp>
         <p:nvSpPr>
-          <p:cNvPr id="3" name="Notes Placeholder 2"/>
+          <p:cNvPr id="325470742" name="Notes Placeholder 2"/>
           <p:cNvSpPr>
             <a:spLocks noGrp="1"/>
           </p:cNvSpPr>
@@ -1629,7 +1546,7 @@
       </p:sp>
       <p:sp>
         <p:nvSpPr>
-          <p:cNvPr id="4" name="Slide Number Placeholder 3"/>
+          <p:cNvPr id="1033999785" name="Slide Number Placeholder 3"/>
           <p:cNvSpPr>
             <a:spLocks noGrp="1"/>
           </p:cNvSpPr>
@@ -1677,7 +1594,7 @@
       </p:grpSpPr>
       <p:sp>
         <p:nvSpPr>
-          <p:cNvPr id="2" name="Slide Image Placeholder 1"/>
+          <p:cNvPr id="1983258288" name="Slide Image Placeholder 1"/>
           <p:cNvSpPr>
             <a:spLocks noChangeAspect="1" noGrp="1" noRot="1"/>
           </p:cNvSpPr>
@@ -1689,7 +1606,7 @@
       </p:sp>
       <p:sp>
         <p:nvSpPr>
-          <p:cNvPr id="3" name="Notes Placeholder 2"/>
+          <p:cNvPr id="797954011" name="Notes Placeholder 2"/>
           <p:cNvSpPr>
             <a:spLocks noGrp="1"/>
           </p:cNvSpPr>
@@ -1711,7 +1628,7 @@
       </p:sp>
       <p:sp>
         <p:nvSpPr>
-          <p:cNvPr id="4" name="Slide Number Placeholder 3"/>
+          <p:cNvPr id="855786315" name="Slide Number Placeholder 3"/>
           <p:cNvSpPr>
             <a:spLocks noGrp="1"/>
           </p:cNvSpPr>
@@ -1759,7 +1676,7 @@
       </p:grpSpPr>
       <p:sp>
         <p:nvSpPr>
-          <p:cNvPr id="2" name="Slide Image Placeholder 1"/>
+          <p:cNvPr id="1012242268" name="Slide Image Placeholder 1"/>
           <p:cNvSpPr>
             <a:spLocks noChangeAspect="1" noGrp="1" noRot="1"/>
           </p:cNvSpPr>
@@ -1771,7 +1688,7 @@
       </p:sp>
       <p:sp>
         <p:nvSpPr>
-          <p:cNvPr id="3" name="Notes Placeholder 2"/>
+          <p:cNvPr id="1273136294" name="Notes Placeholder 2"/>
           <p:cNvSpPr>
             <a:spLocks noGrp="1"/>
           </p:cNvSpPr>
@@ -1793,7 +1710,7 @@
       </p:sp>
       <p:sp>
         <p:nvSpPr>
-          <p:cNvPr id="4" name="Slide Number Placeholder 3"/>
+          <p:cNvPr id="43748933" name="Slide Number Placeholder 3"/>
           <p:cNvSpPr>
             <a:spLocks noGrp="1"/>
           </p:cNvSpPr>
@@ -1841,7 +1758,7 @@
       </p:grpSpPr>
       <p:sp>
         <p:nvSpPr>
-          <p:cNvPr id="1445254334" name="Slide Image Placeholder 1"/>
+          <p:cNvPr id="233621172" name="Slide Image Placeholder 1"/>
           <p:cNvSpPr>
             <a:spLocks noChangeAspect="1" noGrp="1" noRot="1"/>
           </p:cNvSpPr>
@@ -1853,7 +1770,7 @@
       </p:sp>
       <p:sp>
         <p:nvSpPr>
-          <p:cNvPr id="1007287944" name="Notes Placeholder 2"/>
+          <p:cNvPr id="2007243780" name="Notes Placeholder 2"/>
           <p:cNvSpPr>
             <a:spLocks noGrp="1"/>
           </p:cNvSpPr>
@@ -1875,7 +1792,7 @@
       </p:sp>
       <p:sp>
         <p:nvSpPr>
-          <p:cNvPr id="772716252" name="Slide Number Placeholder 3"/>
+          <p:cNvPr id="1893053751" name="Slide Number Placeholder 3"/>
           <p:cNvSpPr>
             <a:spLocks noGrp="1"/>
           </p:cNvSpPr>
@@ -1923,7 +1840,7 @@
       </p:grpSpPr>
       <p:sp>
         <p:nvSpPr>
-          <p:cNvPr id="2" name="Slide Image Placeholder 1"/>
+          <p:cNvPr id="709394690" name="Slide Image Placeholder 1"/>
           <p:cNvSpPr>
             <a:spLocks noChangeAspect="1" noGrp="1" noRot="1"/>
           </p:cNvSpPr>
@@ -1935,7 +1852,7 @@
       </p:sp>
       <p:sp>
         <p:nvSpPr>
-          <p:cNvPr id="3" name="Notes Placeholder 2"/>
+          <p:cNvPr id="467018214" name="Notes Placeholder 2"/>
           <p:cNvSpPr>
             <a:spLocks noGrp="1"/>
           </p:cNvSpPr>
@@ -1957,7 +1874,7 @@
       </p:sp>
       <p:sp>
         <p:nvSpPr>
-          <p:cNvPr id="4" name="Slide Number Placeholder 3"/>
+          <p:cNvPr id="2112116182" name="Slide Number Placeholder 3"/>
           <p:cNvSpPr>
             <a:spLocks noGrp="1"/>
           </p:cNvSpPr>
@@ -1973,7 +1890,7 @@
             <a:pPr>
               <a:defRPr/>
             </a:pPr>
-            <a:fld id="{DB7DFF56-BC12-551C-4FF5-21419C173B5D}" type="slidenum">
+            <a:fld id="{470A6FC8-513B-43ED-8A59-992666DF922C}" type="slidenum">
               <a:rPr/>
               <a:t/>
             </a:fld>
@@ -2005,7 +1922,7 @@
       </p:grpSpPr>
       <p:sp>
         <p:nvSpPr>
-          <p:cNvPr id="2" name="Slide Image Placeholder 1"/>
+          <p:cNvPr id="530356113" name="Slide Image Placeholder 1"/>
           <p:cNvSpPr>
             <a:spLocks noChangeAspect="1" noGrp="1" noRot="1"/>
           </p:cNvSpPr>
@@ -2017,7 +1934,7 @@
       </p:sp>
       <p:sp>
         <p:nvSpPr>
-          <p:cNvPr id="3" name="Notes Placeholder 2"/>
+          <p:cNvPr id="420532253" name="Notes Placeholder 2"/>
           <p:cNvSpPr>
             <a:spLocks noGrp="1"/>
           </p:cNvSpPr>
@@ -2039,7 +1956,7 @@
       </p:sp>
       <p:sp>
         <p:nvSpPr>
-          <p:cNvPr id="4" name="Slide Number Placeholder 3"/>
+          <p:cNvPr id="1305996324" name="Slide Number Placeholder 3"/>
           <p:cNvSpPr>
             <a:spLocks noGrp="1"/>
           </p:cNvSpPr>
@@ -2055,7 +1972,7 @@
             <a:pPr>
               <a:defRPr/>
             </a:pPr>
-            <a:fld id="{470A6FC8-513B-43ED-8A59-992666DF922C}" type="slidenum">
+            <a:fld id="{2F8A6309-18E5-565F-6DB9-6BBC5E5C72A7}" type="slidenum">
               <a:rPr/>
               <a:t/>
             </a:fld>
@@ -2087,7 +2004,7 @@
       </p:grpSpPr>
       <p:sp>
         <p:nvSpPr>
-          <p:cNvPr id="407680940" name="Title 1"/>
+          <p:cNvPr id="1023068090" name="Title 1"/>
           <p:cNvSpPr>
             <a:spLocks noGrp="1"/>
           </p:cNvSpPr>
@@ -2122,7 +2039,7 @@
       </p:sp>
       <p:sp>
         <p:nvSpPr>
-          <p:cNvPr id="42576547" name="Subtitle 2"/>
+          <p:cNvPr id="2142330082" name="Subtitle 2"/>
           <p:cNvSpPr>
             <a:spLocks noGrp="1"/>
           </p:cNvSpPr>
@@ -2190,7 +2107,7 @@
       </p:sp>
       <p:sp>
         <p:nvSpPr>
-          <p:cNvPr id="465583288" name="Date Placeholder 3"/>
+          <p:cNvPr id="1851143549" name="Date Placeholder 3"/>
           <p:cNvSpPr>
             <a:spLocks noGrp="1"/>
           </p:cNvSpPr>
@@ -2216,7 +2133,7 @@
       </p:sp>
       <p:sp>
         <p:nvSpPr>
-          <p:cNvPr id="1594031647" name="Footer Placeholder 4"/>
+          <p:cNvPr id="248823954" name="Footer Placeholder 4"/>
           <p:cNvSpPr>
             <a:spLocks noGrp="1"/>
           </p:cNvSpPr>
@@ -2238,7 +2155,7 @@
       </p:sp>
       <p:sp>
         <p:nvSpPr>
-          <p:cNvPr id="1164477439" name="Slide Number Placeholder 5"/>
+          <p:cNvPr id="360682951" name="Slide Number Placeholder 5"/>
           <p:cNvSpPr>
             <a:spLocks noGrp="1"/>
           </p:cNvSpPr>
@@ -2289,7 +2206,7 @@
       </p:grpSpPr>
       <p:sp>
         <p:nvSpPr>
-          <p:cNvPr id="838194515" name="Title 1"/>
+          <p:cNvPr id="69572683" name="Title 1"/>
           <p:cNvSpPr>
             <a:spLocks noGrp="1"/>
           </p:cNvSpPr>
@@ -2315,7 +2232,7 @@
       </p:sp>
       <p:sp>
         <p:nvSpPr>
-          <p:cNvPr id="1428406684" name="Vertical Text Placeholder 2"/>
+          <p:cNvPr id="1341108581" name="Vertical Text Placeholder 2"/>
           <p:cNvSpPr>
             <a:spLocks noGrp="1"/>
           </p:cNvSpPr>
@@ -2381,7 +2298,7 @@
       </p:sp>
       <p:sp>
         <p:nvSpPr>
-          <p:cNvPr id="1600191658" name="Date Placeholder 3"/>
+          <p:cNvPr id="95337340" name="Date Placeholder 3"/>
           <p:cNvSpPr>
             <a:spLocks noGrp="1"/>
           </p:cNvSpPr>
@@ -2407,7 +2324,7 @@
       </p:sp>
       <p:sp>
         <p:nvSpPr>
-          <p:cNvPr id="1947014300" name="Footer Placeholder 4"/>
+          <p:cNvPr id="119713170" name="Footer Placeholder 4"/>
           <p:cNvSpPr>
             <a:spLocks noGrp="1"/>
           </p:cNvSpPr>
@@ -2429,7 +2346,7 @@
       </p:sp>
       <p:sp>
         <p:nvSpPr>
-          <p:cNvPr id="805313824" name="Slide Number Placeholder 5"/>
+          <p:cNvPr id="644199404" name="Slide Number Placeholder 5"/>
           <p:cNvSpPr>
             <a:spLocks noGrp="1"/>
           </p:cNvSpPr>
@@ -2480,7 +2397,7 @@
       </p:grpSpPr>
       <p:sp>
         <p:nvSpPr>
-          <p:cNvPr id="1218653959" name="Vertical Title 1"/>
+          <p:cNvPr id="1392344632" name="Vertical Title 1"/>
           <p:cNvSpPr>
             <a:spLocks noGrp="1"/>
           </p:cNvSpPr>
@@ -2511,7 +2428,7 @@
       </p:sp>
       <p:sp>
         <p:nvSpPr>
-          <p:cNvPr id="2000169536" name="Vertical Text Placeholder 2"/>
+          <p:cNvPr id="295919564" name="Vertical Text Placeholder 2"/>
           <p:cNvSpPr>
             <a:spLocks noGrp="1"/>
           </p:cNvSpPr>
@@ -2521,7 +2438,7 @@
         </p:nvSpPr>
         <p:spPr bwMode="auto">
           <a:xfrm>
-            <a:off x="838199" y="365124"/>
+            <a:off x="838198" y="365124"/>
             <a:ext cx="7734299" cy="5811837"/>
           </a:xfrm>
         </p:spPr>
@@ -2582,7 +2499,7 @@
       </p:sp>
       <p:sp>
         <p:nvSpPr>
-          <p:cNvPr id="837353651" name="Date Placeholder 3"/>
+          <p:cNvPr id="731604552" name="Date Placeholder 3"/>
           <p:cNvSpPr>
             <a:spLocks noGrp="1"/>
           </p:cNvSpPr>
@@ -2608,7 +2525,7 @@
       </p:sp>
       <p:sp>
         <p:nvSpPr>
-          <p:cNvPr id="448789259" name="Footer Placeholder 4"/>
+          <p:cNvPr id="361072926" name="Footer Placeholder 4"/>
           <p:cNvSpPr>
             <a:spLocks noGrp="1"/>
           </p:cNvSpPr>
@@ -2630,7 +2547,7 @@
       </p:sp>
       <p:sp>
         <p:nvSpPr>
-          <p:cNvPr id="39884189" name="Slide Number Placeholder 5"/>
+          <p:cNvPr id="97888307" name="Slide Number Placeholder 5"/>
           <p:cNvSpPr>
             <a:spLocks noGrp="1"/>
           </p:cNvSpPr>
@@ -2681,7 +2598,7 @@
       </p:grpSpPr>
       <p:sp>
         <p:nvSpPr>
-          <p:cNvPr id="139683594" name="Title 1"/>
+          <p:cNvPr id="48028423" name="Title 1"/>
           <p:cNvSpPr>
             <a:spLocks noGrp="1"/>
           </p:cNvSpPr>
@@ -2707,7 +2624,7 @@
       </p:sp>
       <p:sp>
         <p:nvSpPr>
-          <p:cNvPr id="1314464609" name="Content Placeholder 2"/>
+          <p:cNvPr id="1125000765" name="Content Placeholder 2"/>
           <p:cNvSpPr>
             <a:spLocks noGrp="1"/>
           </p:cNvSpPr>
@@ -2773,7 +2690,7 @@
       </p:sp>
       <p:sp>
         <p:nvSpPr>
-          <p:cNvPr id="1125195854" name="Date Placeholder 3"/>
+          <p:cNvPr id="1375260822" name="Date Placeholder 3"/>
           <p:cNvSpPr>
             <a:spLocks noGrp="1"/>
           </p:cNvSpPr>
@@ -2799,7 +2716,7 @@
       </p:sp>
       <p:sp>
         <p:nvSpPr>
-          <p:cNvPr id="994522647" name="Footer Placeholder 4"/>
+          <p:cNvPr id="489110762" name="Footer Placeholder 4"/>
           <p:cNvSpPr>
             <a:spLocks noGrp="1"/>
           </p:cNvSpPr>
@@ -2821,7 +2738,7 @@
       </p:sp>
       <p:sp>
         <p:nvSpPr>
-          <p:cNvPr id="2023886325" name="Slide Number Placeholder 5"/>
+          <p:cNvPr id="651595178" name="Slide Number Placeholder 5"/>
           <p:cNvSpPr>
             <a:spLocks noGrp="1"/>
           </p:cNvSpPr>
@@ -2872,7 +2789,7 @@
       </p:grpSpPr>
       <p:sp>
         <p:nvSpPr>
-          <p:cNvPr id="149583526" name="Title 1"/>
+          <p:cNvPr id="2081667952" name="Title 1"/>
           <p:cNvSpPr>
             <a:spLocks noGrp="1"/>
           </p:cNvSpPr>
@@ -2907,7 +2824,7 @@
       </p:sp>
       <p:sp>
         <p:nvSpPr>
-          <p:cNvPr id="435956079" name="Text Placeholder 2"/>
+          <p:cNvPr id="1850323884" name="Text Placeholder 2"/>
           <p:cNvSpPr>
             <a:spLocks noGrp="1"/>
           </p:cNvSpPr>
@@ -3029,7 +2946,7 @@
       </p:sp>
       <p:sp>
         <p:nvSpPr>
-          <p:cNvPr id="374699515" name="Date Placeholder 3"/>
+          <p:cNvPr id="1525216456" name="Date Placeholder 3"/>
           <p:cNvSpPr>
             <a:spLocks noGrp="1"/>
           </p:cNvSpPr>
@@ -3055,7 +2972,7 @@
       </p:sp>
       <p:sp>
         <p:nvSpPr>
-          <p:cNvPr id="679407854" name="Footer Placeholder 4"/>
+          <p:cNvPr id="1301066275" name="Footer Placeholder 4"/>
           <p:cNvSpPr>
             <a:spLocks noGrp="1"/>
           </p:cNvSpPr>
@@ -3077,7 +2994,7 @@
       </p:sp>
       <p:sp>
         <p:nvSpPr>
-          <p:cNvPr id="830381160" name="Slide Number Placeholder 5"/>
+          <p:cNvPr id="1768196942" name="Slide Number Placeholder 5"/>
           <p:cNvSpPr>
             <a:spLocks noGrp="1"/>
           </p:cNvSpPr>
@@ -3128,7 +3045,7 @@
       </p:grpSpPr>
       <p:sp>
         <p:nvSpPr>
-          <p:cNvPr id="529880852" name="Title 1"/>
+          <p:cNvPr id="58203209" name="Title 1"/>
           <p:cNvSpPr>
             <a:spLocks noGrp="1"/>
           </p:cNvSpPr>
@@ -3154,7 +3071,7 @@
       </p:sp>
       <p:sp>
         <p:nvSpPr>
-          <p:cNvPr id="923812884" name="Content Placeholder 2"/>
+          <p:cNvPr id="463228061" name="Content Placeholder 2"/>
           <p:cNvSpPr>
             <a:spLocks noGrp="1"/>
           </p:cNvSpPr>
@@ -3164,7 +3081,7 @@
         </p:nvSpPr>
         <p:spPr bwMode="auto">
           <a:xfrm>
-            <a:off x="838199" y="1825624"/>
+            <a:off x="838198" y="1825624"/>
             <a:ext cx="5181599" cy="4351338"/>
           </a:xfrm>
         </p:spPr>
@@ -3225,7 +3142,7 @@
       </p:sp>
       <p:sp>
         <p:nvSpPr>
-          <p:cNvPr id="1540073444" name="Content Placeholder 3"/>
+          <p:cNvPr id="1444203635" name="Content Placeholder 3"/>
           <p:cNvSpPr>
             <a:spLocks noGrp="1"/>
           </p:cNvSpPr>
@@ -3296,7 +3213,7 @@
       </p:sp>
       <p:sp>
         <p:nvSpPr>
-          <p:cNvPr id="1288381132" name="Date Placeholder 4"/>
+          <p:cNvPr id="1997673040" name="Date Placeholder 4"/>
           <p:cNvSpPr>
             <a:spLocks noGrp="1"/>
           </p:cNvSpPr>
@@ -3322,7 +3239,7 @@
       </p:sp>
       <p:sp>
         <p:nvSpPr>
-          <p:cNvPr id="847173517" name="Footer Placeholder 5"/>
+          <p:cNvPr id="1853286572" name="Footer Placeholder 5"/>
           <p:cNvSpPr>
             <a:spLocks noGrp="1"/>
           </p:cNvSpPr>
@@ -3344,7 +3261,7 @@
       </p:sp>
       <p:sp>
         <p:nvSpPr>
-          <p:cNvPr id="1064005012" name="Slide Number Placeholder 6"/>
+          <p:cNvPr id="1932994639" name="Slide Number Placeholder 6"/>
           <p:cNvSpPr>
             <a:spLocks noGrp="1"/>
           </p:cNvSpPr>
@@ -3395,7 +3312,7 @@
       </p:grpSpPr>
       <p:sp>
         <p:nvSpPr>
-          <p:cNvPr id="685730851" name="Title 1"/>
+          <p:cNvPr id="724856611" name="Title 1"/>
           <p:cNvSpPr>
             <a:spLocks noGrp="1"/>
           </p:cNvSpPr>
@@ -3426,7 +3343,7 @@
       </p:sp>
       <p:sp>
         <p:nvSpPr>
-          <p:cNvPr id="29323314" name="Text Placeholder 2"/>
+          <p:cNvPr id="473276947" name="Text Placeholder 2"/>
           <p:cNvSpPr>
             <a:spLocks noGrp="1"/>
           </p:cNvSpPr>
@@ -3437,7 +3354,7 @@
         <p:spPr bwMode="auto">
           <a:xfrm>
             <a:off x="839787" y="1681162"/>
-            <a:ext cx="5157786" cy="823911"/>
+            <a:ext cx="5157785" cy="823911"/>
           </a:xfrm>
         </p:spPr>
         <p:txBody>
@@ -3494,7 +3411,7 @@
       </p:sp>
       <p:sp>
         <p:nvSpPr>
-          <p:cNvPr id="906179613" name="Content Placeholder 3"/>
+          <p:cNvPr id="2072718301" name="Content Placeholder 3"/>
           <p:cNvSpPr>
             <a:spLocks noGrp="1"/>
           </p:cNvSpPr>
@@ -3505,7 +3422,7 @@
         <p:spPr bwMode="auto">
           <a:xfrm>
             <a:off x="839787" y="2505074"/>
-            <a:ext cx="5157786" cy="3684587"/>
+            <a:ext cx="5157785" cy="3684587"/>
           </a:xfrm>
         </p:spPr>
         <p:txBody>
@@ -3565,7 +3482,7 @@
       </p:sp>
       <p:sp>
         <p:nvSpPr>
-          <p:cNvPr id="1508772630" name="Text Placeholder 4"/>
+          <p:cNvPr id="891278277" name="Text Placeholder 4"/>
           <p:cNvSpPr>
             <a:spLocks noGrp="1"/>
           </p:cNvSpPr>
@@ -3633,7 +3550,7 @@
       </p:sp>
       <p:sp>
         <p:nvSpPr>
-          <p:cNvPr id="213335257" name="Content Placeholder 5"/>
+          <p:cNvPr id="1518301897" name="Content Placeholder 5"/>
           <p:cNvSpPr>
             <a:spLocks noGrp="1"/>
           </p:cNvSpPr>
@@ -3704,7 +3621,7 @@
       </p:sp>
       <p:sp>
         <p:nvSpPr>
-          <p:cNvPr id="671187800" name="Date Placeholder 6"/>
+          <p:cNvPr id="1648368528" name="Date Placeholder 6"/>
           <p:cNvSpPr>
             <a:spLocks noGrp="1"/>
           </p:cNvSpPr>
@@ -3730,7 +3647,7 @@
       </p:sp>
       <p:sp>
         <p:nvSpPr>
-          <p:cNvPr id="1862233169" name="Footer Placeholder 7"/>
+          <p:cNvPr id="822881222" name="Footer Placeholder 7"/>
           <p:cNvSpPr>
             <a:spLocks noGrp="1"/>
           </p:cNvSpPr>
@@ -3752,7 +3669,7 @@
       </p:sp>
       <p:sp>
         <p:nvSpPr>
-          <p:cNvPr id="446057682" name="Slide Number Placeholder 8"/>
+          <p:cNvPr id="1454443317" name="Slide Number Placeholder 8"/>
           <p:cNvSpPr>
             <a:spLocks noGrp="1"/>
           </p:cNvSpPr>
@@ -3803,7 +3720,7 @@
       </p:grpSpPr>
       <p:sp>
         <p:nvSpPr>
-          <p:cNvPr id="1575045021" name="Title 1"/>
+          <p:cNvPr id="364189786" name="Title 1"/>
           <p:cNvSpPr>
             <a:spLocks noGrp="1"/>
           </p:cNvSpPr>
@@ -3829,7 +3746,7 @@
       </p:sp>
       <p:sp>
         <p:nvSpPr>
-          <p:cNvPr id="487920336" name="Date Placeholder 2"/>
+          <p:cNvPr id="279217588" name="Date Placeholder 2"/>
           <p:cNvSpPr>
             <a:spLocks noGrp="1"/>
           </p:cNvSpPr>
@@ -3855,7 +3772,7 @@
       </p:sp>
       <p:sp>
         <p:nvSpPr>
-          <p:cNvPr id="2142470025" name="Footer Placeholder 3"/>
+          <p:cNvPr id="1857997691" name="Footer Placeholder 3"/>
           <p:cNvSpPr>
             <a:spLocks noGrp="1"/>
           </p:cNvSpPr>
@@ -3877,7 +3794,7 @@
       </p:sp>
       <p:sp>
         <p:nvSpPr>
-          <p:cNvPr id="1898636257" name="Slide Number Placeholder 4"/>
+          <p:cNvPr id="741742467" name="Slide Number Placeholder 4"/>
           <p:cNvSpPr>
             <a:spLocks noGrp="1"/>
           </p:cNvSpPr>
@@ -3928,7 +3845,7 @@
       </p:grpSpPr>
       <p:sp>
         <p:nvSpPr>
-          <p:cNvPr id="1272151485" name="Date Placeholder 1"/>
+          <p:cNvPr id="759040820" name="Date Placeholder 1"/>
           <p:cNvSpPr>
             <a:spLocks noGrp="1"/>
           </p:cNvSpPr>
@@ -3954,7 +3871,7 @@
       </p:sp>
       <p:sp>
         <p:nvSpPr>
-          <p:cNvPr id="370995627" name="Footer Placeholder 2"/>
+          <p:cNvPr id="1520229520" name="Footer Placeholder 2"/>
           <p:cNvSpPr>
             <a:spLocks noGrp="1"/>
           </p:cNvSpPr>
@@ -3976,7 +3893,7 @@
       </p:sp>
       <p:sp>
         <p:nvSpPr>
-          <p:cNvPr id="210809138" name="Slide Number Placeholder 3"/>
+          <p:cNvPr id="1873292726" name="Slide Number Placeholder 3"/>
           <p:cNvSpPr>
             <a:spLocks noGrp="1"/>
           </p:cNvSpPr>
@@ -4027,7 +3944,7 @@
       </p:grpSpPr>
       <p:sp>
         <p:nvSpPr>
-          <p:cNvPr id="1317789497" name="Title 1"/>
+          <p:cNvPr id="657434497" name="Title 1"/>
           <p:cNvSpPr>
             <a:spLocks noGrp="1"/>
           </p:cNvSpPr>
@@ -4062,7 +3979,7 @@
       </p:sp>
       <p:sp>
         <p:nvSpPr>
-          <p:cNvPr id="1907428678" name="Content Placeholder 2"/>
+          <p:cNvPr id="362652052" name="Content Placeholder 2"/>
           <p:cNvSpPr>
             <a:spLocks noGrp="1"/>
           </p:cNvSpPr>
@@ -4161,7 +4078,7 @@
       </p:sp>
       <p:sp>
         <p:nvSpPr>
-          <p:cNvPr id="917444902" name="Text Placeholder 3"/>
+          <p:cNvPr id="1374411225" name="Text Placeholder 3"/>
           <p:cNvSpPr>
             <a:spLocks noGrp="1"/>
           </p:cNvSpPr>
@@ -4229,7 +4146,7 @@
       </p:sp>
       <p:sp>
         <p:nvSpPr>
-          <p:cNvPr id="675828192" name="Date Placeholder 4"/>
+          <p:cNvPr id="128021088" name="Date Placeholder 4"/>
           <p:cNvSpPr>
             <a:spLocks noGrp="1"/>
           </p:cNvSpPr>
@@ -4255,7 +4172,7 @@
       </p:sp>
       <p:sp>
         <p:nvSpPr>
-          <p:cNvPr id="536080837" name="Footer Placeholder 5"/>
+          <p:cNvPr id="1515639265" name="Footer Placeholder 5"/>
           <p:cNvSpPr>
             <a:spLocks noGrp="1"/>
           </p:cNvSpPr>
@@ -4277,7 +4194,7 @@
       </p:sp>
       <p:sp>
         <p:nvSpPr>
-          <p:cNvPr id="1147470920" name="Slide Number Placeholder 6"/>
+          <p:cNvPr id="910954053" name="Slide Number Placeholder 6"/>
           <p:cNvSpPr>
             <a:spLocks noGrp="1"/>
           </p:cNvSpPr>
@@ -4328,7 +4245,7 @@
       </p:grpSpPr>
       <p:sp>
         <p:nvSpPr>
-          <p:cNvPr id="1531749827" name="Title 1"/>
+          <p:cNvPr id="657794671" name="Title 1"/>
           <p:cNvSpPr>
             <a:spLocks noGrp="1"/>
           </p:cNvSpPr>
@@ -4363,7 +4280,7 @@
       </p:sp>
       <p:sp>
         <p:nvSpPr>
-          <p:cNvPr id="805802711" name="Picture Placeholder 2"/>
+          <p:cNvPr id="123990200" name="Picture Placeholder 2"/>
           <p:cNvSpPr>
             <a:spLocks noChangeAspect="1" noGrp="1"/>
           </p:cNvSpPr>
@@ -4431,7 +4348,7 @@
       </p:sp>
       <p:sp>
         <p:nvSpPr>
-          <p:cNvPr id="1298821157" name="Text Placeholder 3"/>
+          <p:cNvPr id="1726314240" name="Text Placeholder 3"/>
           <p:cNvSpPr>
             <a:spLocks noGrp="1"/>
           </p:cNvSpPr>
@@ -4499,7 +4416,7 @@
       </p:sp>
       <p:sp>
         <p:nvSpPr>
-          <p:cNvPr id="669890629" name="Date Placeholder 4"/>
+          <p:cNvPr id="1528227663" name="Date Placeholder 4"/>
           <p:cNvSpPr>
             <a:spLocks noGrp="1"/>
           </p:cNvSpPr>
@@ -4525,7 +4442,7 @@
       </p:sp>
       <p:sp>
         <p:nvSpPr>
-          <p:cNvPr id="1693763202" name="Footer Placeholder 5"/>
+          <p:cNvPr id="2105726737" name="Footer Placeholder 5"/>
           <p:cNvSpPr>
             <a:spLocks noGrp="1"/>
           </p:cNvSpPr>
@@ -4547,7 +4464,7 @@
       </p:sp>
       <p:sp>
         <p:nvSpPr>
-          <p:cNvPr id="110642794" name="Slide Number Placeholder 6"/>
+          <p:cNvPr id="876212988" name="Slide Number Placeholder 6"/>
           <p:cNvSpPr>
             <a:spLocks noGrp="1"/>
           </p:cNvSpPr>
@@ -4603,7 +4520,7 @@
       </p:grpSpPr>
       <p:sp>
         <p:nvSpPr>
-          <p:cNvPr id="2053746562" name="Title Placeholder 1"/>
+          <p:cNvPr id="1909665379" name="Title Placeholder 1"/>
           <p:cNvSpPr>
             <a:spLocks noGrp="1"/>
           </p:cNvSpPr>
@@ -4613,7 +4530,7 @@
         </p:nvSpPr>
         <p:spPr bwMode="auto">
           <a:xfrm>
-            <a:off x="838199" y="365124"/>
+            <a:off x="838198" y="365124"/>
             <a:ext cx="10515600" cy="1325562"/>
           </a:xfrm>
           <a:prstGeom prst="rect">
@@ -4639,7 +4556,7 @@
       </p:sp>
       <p:sp>
         <p:nvSpPr>
-          <p:cNvPr id="390426044" name="Text Placeholder 2"/>
+          <p:cNvPr id="2136948211" name="Text Placeholder 2"/>
           <p:cNvSpPr>
             <a:spLocks noGrp="1"/>
           </p:cNvSpPr>
@@ -4649,7 +4566,7 @@
         </p:nvSpPr>
         <p:spPr bwMode="auto">
           <a:xfrm>
-            <a:off x="838199" y="1825624"/>
+            <a:off x="838198" y="1825624"/>
             <a:ext cx="10515600" cy="4351338"/>
           </a:xfrm>
           <a:prstGeom prst="rect">
@@ -4715,7 +4632,7 @@
       </p:sp>
       <p:sp>
         <p:nvSpPr>
-          <p:cNvPr id="644408466" name="Date Placeholder 3"/>
+          <p:cNvPr id="1992800536" name="Date Placeholder 3"/>
           <p:cNvSpPr>
             <a:spLocks noGrp="1"/>
           </p:cNvSpPr>
@@ -4725,7 +4642,7 @@
         </p:nvSpPr>
         <p:spPr bwMode="auto">
           <a:xfrm>
-            <a:off x="838199" y="6356349"/>
+            <a:off x="838198" y="6356349"/>
             <a:ext cx="2743200" cy="365124"/>
           </a:xfrm>
           <a:prstGeom prst="rect">
@@ -4759,7 +4676,7 @@
       </p:sp>
       <p:sp>
         <p:nvSpPr>
-          <p:cNvPr id="1697462306" name="Footer Placeholder 4"/>
+          <p:cNvPr id="891970507" name="Footer Placeholder 4"/>
           <p:cNvSpPr>
             <a:spLocks noGrp="1"/>
           </p:cNvSpPr>
@@ -4769,7 +4686,7 @@
         </p:nvSpPr>
         <p:spPr bwMode="auto">
           <a:xfrm>
-            <a:off x="4038599" y="6356349"/>
+            <a:off x="4038598" y="6356349"/>
             <a:ext cx="4114800" cy="365124"/>
           </a:xfrm>
           <a:prstGeom prst="rect">
@@ -4799,7 +4716,7 @@
       </p:sp>
       <p:sp>
         <p:nvSpPr>
-          <p:cNvPr id="1462531297" name="Slide Number Placeholder 5"/>
+          <p:cNvPr id="751085251" name="Slide Number Placeholder 5"/>
           <p:cNvSpPr>
             <a:spLocks noGrp="1"/>
           </p:cNvSpPr>
@@ -5159,7 +5076,7 @@
       </p:grpSpPr>
       <p:sp>
         <p:nvSpPr>
-          <p:cNvPr id="2028686672" name="Title 1"/>
+          <p:cNvPr id="1809793011" name="Title 1"/>
           <p:cNvSpPr>
             <a:spLocks noGrp="1"/>
           </p:cNvSpPr>
@@ -5185,7 +5102,7 @@
       </p:sp>
       <p:sp>
         <p:nvSpPr>
-          <p:cNvPr id="1810456194" name="Subtitle 2"/>
+          <p:cNvPr id="2035598677" name="Subtitle 2"/>
           <p:cNvSpPr>
             <a:spLocks noGrp="1"/>
           </p:cNvSpPr>
@@ -5286,7 +5203,7 @@
       </p:grpSpPr>
       <p:sp>
         <p:nvSpPr>
-          <p:cNvPr id="422052454" name="Title 1"/>
+          <p:cNvPr id="306957741" name="Title 1"/>
           <p:cNvSpPr>
             <a:spLocks noGrp="1"/>
           </p:cNvSpPr>
@@ -5304,15 +5221,15 @@
             </a:pPr>
             <a:r>
               <a:rPr/>
-              <a:t>Create or Add Habits</a:t>
-            </a:r>
-            <a:endParaRPr/>
-          </a:p>
-        </p:txBody>
-      </p:sp>
-      <p:sp>
-        <p:nvSpPr>
-          <p:cNvPr id="1028001317" name="Content Placeholder 2"/>
+              <a:t>Complete Habits &amp; Edit Habits</a:t>
+            </a:r>
+            <a:endParaRPr/>
+          </a:p>
+        </p:txBody>
+      </p:sp>
+      <p:sp>
+        <p:nvSpPr>
+          <p:cNvPr id="753212576" name="Content Placeholder 2"/>
           <p:cNvSpPr>
             <a:spLocks noGrp="1"/>
           </p:cNvSpPr>
@@ -5320,23 +5237,20 @@
             <p:ph idx="1"/>
           </p:nvPr>
         </p:nvSpPr>
-        <p:spPr bwMode="auto">
-          <a:xfrm flipH="0" flipV="0">
-            <a:off x="838199" y="1825624"/>
-            <a:ext cx="5869350" cy="4351338"/>
-          </a:xfrm>
-        </p:spPr>
+        <p:spPr bwMode="auto"/>
         <p:txBody>
           <a:bodyPr vertOverflow="overflow" horzOverflow="overflow" vert="horz" wrap="square" lIns="91440" tIns="45720" rIns="91440" bIns="45720" numCol="1" spcCol="0" rtlCol="0" fromWordArt="0" anchor="t" anchorCtr="0" forceAA="0" upright="0" compatLnSpc="0">
-            <a:normAutofit/>
+            <a:normAutofit fontScale="55000" lnSpcReduction="9000"/>
           </a:bodyPr>
           <a:lstStyle/>
           <a:p>
-            <a:pPr>
-              <a:defRPr/>
-            </a:pPr>
-            <a:r>
-              <a:rPr lang="en-US" sz="1400" b="0" i="0" u="none" strike="noStrike" cap="none" spc="0">
+            <a:pPr marL="0" indent="0">
+              <a:buFont typeface="Arial"/>
+              <a:buNone/>
+              <a:defRPr/>
+            </a:pPr>
+            <a:r>
+              <a:rPr lang="en-US" sz="2800" b="1" i="0" u="none" strike="noStrike" cap="none" spc="0">
                 <a:solidFill>
                   <a:srgbClr val="000000"/>
                 </a:solidFill>
@@ -5344,9 +5258,9 @@
                 <a:ea typeface="Arial"/>
                 <a:cs typeface="Arial"/>
               </a:rPr>
-              <a:t>On the Home screen you can view habits that are due today.</a:t>
-            </a:r>
-            <a:endParaRPr sz="1400">
+              <a:t>Mark habits as completed</a:t>
+            </a:r>
+            <a:endParaRPr sz="2800">
               <a:latin typeface="Arial"/>
               <a:cs typeface="Arial"/>
             </a:endParaRPr>
@@ -5356,7 +5270,7 @@
               <a:defRPr/>
             </a:pPr>
             <a:r>
-              <a:rPr lang="en-US" sz="1400" b="0" i="0" u="none" strike="noStrike" cap="none" spc="0">
+              <a:rPr lang="en-US" sz="2800" b="0" i="0" u="none" strike="noStrike" cap="none" spc="0">
                 <a:solidFill>
                   <a:srgbClr val="000000"/>
                 </a:solidFill>
@@ -5364,19 +5278,10 @@
                 <a:ea typeface="Arial"/>
                 <a:cs typeface="Arial"/>
               </a:rPr>
-              <a:t>Here you can also 'Create' or 'Add' new habits by clicking one of the buttons.</a:t>
-            </a:r>
-            <a:endParaRPr sz="1400">
-              <a:latin typeface="Arial"/>
-              <a:cs typeface="Arial"/>
-            </a:endParaRPr>
-          </a:p>
-          <a:p>
-            <a:pPr>
-              <a:defRPr/>
-            </a:pPr>
-            <a:r>
-              <a:rPr lang="en-US" sz="1400" b="0" i="0" u="none" strike="noStrike" cap="none" spc="0">
+              <a:t>On the Home screen (see above for image) you can mark your habits as done, by clicking the </a:t>
+            </a:r>
+            <a:r>
+              <a:rPr lang="en-US" sz="2800" b="0" i="0" u="none" strike="noStrike" cap="none" spc="0">
                 <a:solidFill>
                   <a:srgbClr val="000000"/>
                 </a:solidFill>
@@ -5384,19 +5289,10 @@
                 <a:ea typeface="Arial"/>
                 <a:cs typeface="Arial"/>
               </a:rPr>
-              <a:t>Creating a new Habit will open a popup, selecting a  periodicity and providing the required input will let you click the  'Create' button in the popup and the habit will be created and  automatically subscribed to.</a:t>
-            </a:r>
-            <a:endParaRPr sz="1400">
-              <a:latin typeface="Arial"/>
-              <a:cs typeface="Arial"/>
-            </a:endParaRPr>
-          </a:p>
-          <a:p>
-            <a:pPr>
-              <a:defRPr/>
-            </a:pPr>
-            <a:r>
-              <a:rPr lang="en-US" sz="1400" b="0" i="0" u="none" strike="noStrike" cap="none" spc="0">
+              <a:t>[✓]</a:t>
+            </a:r>
+            <a:r>
+              <a:rPr lang="en-US" sz="2800" b="0" i="0" u="none" strike="noStrike" cap="none" spc="0">
                 <a:solidFill>
                   <a:srgbClr val="000000"/>
                 </a:solidFill>
@@ -5404,10 +5300,19 @@
                 <a:ea typeface="Arial"/>
                 <a:cs typeface="Arial"/>
               </a:rPr>
-              <a:t>Adding a new habit will lead you to the public habits  screen from which you can subscribe to a habit by selecting a  periodicity and clicking the </a:t>
-            </a:r>
-            <a:r>
-              <a:rPr lang="en-US" sz="1400" b="0" i="0" u="none" strike="noStrike" cap="none" spc="0">
+              <a:t> button on one of your listed subscribed habits.</a:t>
+            </a:r>
+            <a:endParaRPr sz="2800">
+              <a:latin typeface="Arial"/>
+              <a:cs typeface="Arial"/>
+            </a:endParaRPr>
+          </a:p>
+          <a:p>
+            <a:pPr>
+              <a:defRPr/>
+            </a:pPr>
+            <a:r>
+              <a:rPr lang="en-US" sz="2800" b="0" i="0" u="none" strike="noStrike" cap="none" spc="0">
                 <a:solidFill>
                   <a:srgbClr val="000000"/>
                 </a:solidFill>
@@ -5415,10 +5320,10 @@
                 <a:ea typeface="Arial"/>
                 <a:cs typeface="Arial"/>
               </a:rPr>
-              <a:t>[+]</a:t>
-            </a:r>
-            <a:r>
-              <a:rPr lang="en-US" sz="1400" b="0" i="0" u="none" strike="noStrike" cap="none" spc="0">
+              <a:t>Can be undone via the </a:t>
+            </a:r>
+            <a:r>
+              <a:rPr lang="en-US" sz="2800" b="0" i="0" u="none" strike="noStrike" cap="none" spc="0">
                 <a:solidFill>
                   <a:srgbClr val="000000"/>
                 </a:solidFill>
@@ -5426,21 +5331,10 @@
                 <a:ea typeface="Arial"/>
                 <a:cs typeface="Arial"/>
               </a:rPr>
-              <a:t> button on the listed habit widget.</a:t>
-            </a:r>
-            <a:endParaRPr sz="1400">
-              <a:latin typeface="Arial"/>
-              <a:cs typeface="Arial"/>
-            </a:endParaRPr>
-          </a:p>
-          <a:p>
-            <a:pPr marL="0" indent="0">
-              <a:buFont typeface="Arial"/>
-              <a:buNone/>
-              <a:defRPr/>
-            </a:pPr>
-            <a:r>
-              <a:rPr lang="en-US" sz="1400" b="1" i="0" u="none" strike="noStrike" cap="none" spc="0">
+              <a:t>[✗]</a:t>
+            </a:r>
+            <a:r>
+              <a:rPr lang="en-US" sz="2800" b="0" i="0" u="none" strike="noStrike" cap="none" spc="0">
                 <a:solidFill>
                   <a:srgbClr val="000000"/>
                 </a:solidFill>
@@ -5448,29 +5342,254 @@
                 <a:ea typeface="Arial"/>
                 <a:cs typeface="Arial"/>
               </a:rPr>
-              <a:t>Image: Home Screen</a:t>
-            </a:r>
-            <a:endParaRPr sz="1400">
-              <a:latin typeface="Arial"/>
-              <a:cs typeface="Arial"/>
-            </a:endParaRPr>
-          </a:p>
-          <a:p>
-            <a:pPr marL="0" indent="0">
-              <a:buFont typeface="Arial"/>
-              <a:buNone/>
-              <a:defRPr/>
-            </a:pPr>
+              <a:t> button that's shown on completed habits.</a:t>
+            </a:r>
             <a:endParaRPr sz="2800">
               <a:latin typeface="Arial"/>
               <a:cs typeface="Arial"/>
             </a:endParaRPr>
           </a:p>
+          <a:p>
+            <a:pPr>
+              <a:defRPr/>
+            </a:pPr>
+            <a:r>
+              <a:rPr lang="en-US" sz="2800" b="0" i="0" u="none" strike="noStrike" cap="none" spc="0">
+                <a:solidFill>
+                  <a:srgbClr val="000000"/>
+                </a:solidFill>
+                <a:latin typeface="Arial"/>
+                <a:ea typeface="Arial"/>
+                <a:cs typeface="Arial"/>
+              </a:rPr>
+              <a:t>This will create/destroy a completion for the Habit Subscription.</a:t>
+            </a:r>
+            <a:endParaRPr sz="2800">
+              <a:latin typeface="Arial"/>
+              <a:cs typeface="Arial"/>
+            </a:endParaRPr>
+          </a:p>
+          <a:p>
+            <a:pPr marL="0" indent="0">
+              <a:buFont typeface="Arial"/>
+              <a:buNone/>
+              <a:defRPr/>
+            </a:pPr>
+            <a:r>
+              <a:rPr lang="en-US" sz="2800" b="1" i="0" u="none" strike="noStrike" cap="none" spc="0">
+                <a:solidFill>
+                  <a:srgbClr val="000000"/>
+                </a:solidFill>
+                <a:latin typeface="Arial"/>
+                <a:ea typeface="Arial"/>
+                <a:cs typeface="Arial"/>
+              </a:rPr>
+              <a:t>Edit habits as necessary</a:t>
+            </a:r>
+            <a:endParaRPr sz="2800">
+              <a:latin typeface="Arial"/>
+              <a:cs typeface="Arial"/>
+            </a:endParaRPr>
+          </a:p>
+          <a:p>
+            <a:pPr>
+              <a:defRPr/>
+            </a:pPr>
+            <a:r>
+              <a:rPr lang="en-US" sz="2800" b="0" i="0" u="none" strike="noStrike" cap="none" spc="0">
+                <a:solidFill>
+                  <a:srgbClr val="000000"/>
+                </a:solidFill>
+                <a:latin typeface="Arial"/>
+                <a:ea typeface="Arial"/>
+                <a:cs typeface="Arial"/>
+              </a:rPr>
+              <a:t>Clicking the </a:t>
+            </a:r>
+            <a:r>
+              <a:rPr lang="en-US" sz="2800" b="0" i="0" u="none" strike="noStrike" cap="none" spc="0">
+                <a:solidFill>
+                  <a:srgbClr val="000000"/>
+                </a:solidFill>
+                <a:latin typeface="Arial"/>
+                <a:ea typeface="Arial"/>
+                <a:cs typeface="Arial"/>
+              </a:rPr>
+              <a:t></a:t>
+            </a:r>
+            <a:r>
+              <a:rPr lang="en-US" sz="2800" b="0" i="0" u="none" strike="noStrike" cap="none" spc="0">
+                <a:solidFill>
+                  <a:srgbClr val="000000"/>
+                </a:solidFill>
+                <a:latin typeface="Arial"/>
+                <a:ea typeface="Arial"/>
+                <a:cs typeface="Arial"/>
+              </a:rPr>
+              <a:t> button on a subscribed habit enables the user to edit the habit.</a:t>
+            </a:r>
+            <a:endParaRPr sz="2800">
+              <a:latin typeface="Arial"/>
+              <a:cs typeface="Arial"/>
+            </a:endParaRPr>
+          </a:p>
+          <a:p>
+            <a:pPr>
+              <a:defRPr/>
+            </a:pPr>
+            <a:r>
+              <a:rPr lang="en-US" sz="2800" b="0" i="0" u="none" strike="noStrike" cap="none" spc="0">
+                <a:solidFill>
+                  <a:srgbClr val="000000"/>
+                </a:solidFill>
+                <a:latin typeface="Arial"/>
+                <a:ea typeface="Arial"/>
+                <a:cs typeface="Arial"/>
+              </a:rPr>
+              <a:t>The habit data entry is then modified with the newly input data.</a:t>
+            </a:r>
+            <a:endParaRPr sz="2800">
+              <a:latin typeface="Arial"/>
+              <a:cs typeface="Arial"/>
+            </a:endParaRPr>
+          </a:p>
+          <a:p>
+            <a:pPr>
+              <a:defRPr/>
+            </a:pPr>
+            <a:r>
+              <a:rPr lang="en-US" sz="2800" b="0" i="0" u="none" strike="noStrike" cap="none" spc="0">
+                <a:solidFill>
+                  <a:srgbClr val="000000"/>
+                </a:solidFill>
+                <a:latin typeface="Arial"/>
+                <a:ea typeface="Arial"/>
+                <a:cs typeface="Arial"/>
+              </a:rPr>
+              <a:t>This propagates to all other users as well.</a:t>
+            </a:r>
+            <a:endParaRPr sz="2800">
+              <a:latin typeface="Arial"/>
+              <a:cs typeface="Arial"/>
+            </a:endParaRPr>
+          </a:p>
+          <a:p>
+            <a:pPr>
+              <a:defRPr/>
+            </a:pPr>
+            <a:r>
+              <a:rPr lang="en-US" sz="2800" b="0" i="0" u="none" strike="noStrike" cap="none" spc="0">
+                <a:solidFill>
+                  <a:srgbClr val="000000"/>
+                </a:solidFill>
+                <a:latin typeface="Arial"/>
+                <a:ea typeface="Arial"/>
+                <a:cs typeface="Arial"/>
+              </a:rPr>
+              <a:t>As of now, only the author user can edit the habit, and the habit data</a:t>
+            </a:r>
+            <a:br>
+              <a:rPr lang="en-US" sz="2800" b="0" i="0" u="none" strike="noStrike" cap="none" spc="0">
+                <a:solidFill>
+                  <a:srgbClr val="000000"/>
+                </a:solidFill>
+                <a:latin typeface="Arial"/>
+                <a:ea typeface="Arial"/>
+                <a:cs typeface="Arial"/>
+              </a:rPr>
+            </a:br>
+            <a:r>
+              <a:rPr lang="en-US" sz="2800" b="0" i="0" u="none" strike="noStrike" cap="none" spc="0">
+                <a:solidFill>
+                  <a:srgbClr val="000000"/>
+                </a:solidFill>
+                <a:latin typeface="Arial"/>
+                <a:ea typeface="Arial"/>
+                <a:cs typeface="Arial"/>
+              </a:rPr>
+              <a:t>database entry is then modified accordingly.</a:t>
+            </a:r>
+            <a:endParaRPr sz="2800">
+              <a:latin typeface="Arial"/>
+              <a:cs typeface="Arial"/>
+            </a:endParaRPr>
+          </a:p>
+          <a:p>
+            <a:pPr>
+              <a:defRPr/>
+            </a:pPr>
+            <a:r>
+              <a:rPr lang="en-US" sz="2800" b="0" i="0" u="none" strike="noStrike" cap="none" spc="0">
+                <a:solidFill>
+                  <a:srgbClr val="000000"/>
+                </a:solidFill>
+                <a:latin typeface="Arial"/>
+                <a:ea typeface="Arial"/>
+                <a:cs typeface="Arial"/>
+              </a:rPr>
+              <a:t>There is currently no support for the periodicity setting.</a:t>
+            </a:r>
+            <a:endParaRPr sz="2800">
+              <a:latin typeface="Arial"/>
+              <a:cs typeface="Arial"/>
+            </a:endParaRPr>
+          </a:p>
+          <a:p>
+            <a:pPr>
+              <a:defRPr/>
+            </a:pPr>
+            <a:endParaRPr sz="2800"/>
+          </a:p>
+          <a:p>
+            <a:pPr>
+              <a:defRPr/>
+            </a:pPr>
+            <a:endParaRPr/>
+          </a:p>
+        </p:txBody>
+      </p:sp>
+      <p:sp>
+        <p:nvSpPr>
+          <p:cNvPr id="1056934389" name=""/>
+          <p:cNvSpPr txBox="1"/>
+          <p:nvPr/>
+        </p:nvSpPr>
+        <p:spPr bwMode="auto">
+          <a:xfrm flipH="0" flipV="0">
+            <a:off x="8457839" y="2891429"/>
+            <a:ext cx="2895959" cy="366119"/>
+          </a:xfrm>
+          <a:prstGeom prst="rect">
+            <a:avLst/>
+          </a:prstGeom>
+          <a:noFill/>
+        </p:spPr>
+        <p:txBody>
+          <a:bodyPr vertOverflow="overflow" horzOverflow="overflow" vert="horz" wrap="square" lIns="91440" tIns="45720" rIns="91440" bIns="45720" numCol="1" spcCol="0" rtlCol="0" fromWordArt="0" anchor="t" anchorCtr="0" forceAA="0" upright="0" compatLnSpc="0">
+            <a:spAutoFit/>
+          </a:bodyPr>
+          <a:p>
+            <a:pPr>
+              <a:defRPr/>
+            </a:pPr>
+            <a:r>
+              <a:rPr lang="en-US" sz="1800" b="1" i="0" u="none" strike="noStrike" cap="none" spc="0">
+                <a:solidFill>
+                  <a:srgbClr val="000000"/>
+                </a:solidFill>
+                <a:latin typeface="Arial"/>
+                <a:ea typeface="Arial"/>
+                <a:cs typeface="Arial"/>
+              </a:rPr>
+              <a:t>Image: Edit Habit</a:t>
+            </a:r>
+            <a:endParaRPr/>
+          </a:p>
         </p:txBody>
       </p:sp>
       <p:pic>
         <p:nvPicPr>
-          <p:cNvPr id="1542157016" name=""/>
+          <p:cNvPr id="1986850285" name=""/>
           <p:cNvPicPr>
             <a:picLocks noChangeAspect="1"/>
           </p:cNvPicPr>
@@ -5482,141 +5601,8 @@
         </p:blipFill>
         <p:spPr bwMode="auto">
           <a:xfrm flipH="0" flipV="0">
-            <a:off x="7109310" y="4130820"/>
-            <a:ext cx="4339738" cy="2438131"/>
-          </a:xfrm>
-          <a:prstGeom prst="rect">
-            <a:avLst/>
-          </a:prstGeom>
-        </p:spPr>
-      </p:pic>
-      <p:pic>
-        <p:nvPicPr>
-          <p:cNvPr id="1888195359" name=""/>
-          <p:cNvPicPr>
-            <a:picLocks noChangeAspect="1"/>
-          </p:cNvPicPr>
-          <p:nvPr/>
-        </p:nvPicPr>
-        <p:blipFill>
-          <a:blip r:embed="rId4"/>
-          <a:stretch/>
-        </p:blipFill>
-        <p:spPr bwMode="auto">
-          <a:xfrm flipH="0" flipV="0">
-            <a:off x="933449" y="4380793"/>
-            <a:ext cx="4071996" cy="2286704"/>
-          </a:xfrm>
-          <a:prstGeom prst="rect">
-            <a:avLst/>
-          </a:prstGeom>
-        </p:spPr>
-      </p:pic>
-      <p:sp>
-        <p:nvSpPr>
-          <p:cNvPr id="1911040407" name=""/>
-          <p:cNvSpPr txBox="1"/>
-          <p:nvPr/>
-        </p:nvSpPr>
-        <p:spPr bwMode="auto">
-          <a:xfrm flipH="0" flipV="0">
-            <a:off x="7014060" y="3752849"/>
-            <a:ext cx="4763219" cy="305159"/>
-          </a:xfrm>
-          <a:prstGeom prst="rect">
-            <a:avLst/>
-          </a:prstGeom>
-          <a:noFill/>
-        </p:spPr>
-        <p:txBody>
-          <a:bodyPr vertOverflow="overflow" horzOverflow="overflow" vert="horz" wrap="square" lIns="91440" tIns="45720" rIns="91440" bIns="45720" numCol="1" spcCol="0" rtlCol="0" fromWordArt="0" anchor="t" anchorCtr="0" forceAA="0" upright="0" compatLnSpc="0">
-            <a:spAutoFit/>
-          </a:bodyPr>
-          <a:p>
-            <a:pPr>
-              <a:defRPr/>
-            </a:pPr>
-            <a:r>
-              <a:rPr lang="en-US" sz="1400" b="1" i="0" u="none" strike="noStrike" cap="none" spc="0">
-                <a:solidFill>
-                  <a:srgbClr val="000000"/>
-                </a:solidFill>
-                <a:latin typeface="Arial"/>
-                <a:ea typeface="Arial"/>
-                <a:cs typeface="Arial"/>
-              </a:rPr>
-              <a:t>Image: Public Habits Screen</a:t>
-            </a:r>
-            <a:endParaRPr sz="1400"/>
-          </a:p>
-        </p:txBody>
-      </p:sp>
-      <p:sp>
-        <p:nvSpPr>
-          <p:cNvPr id="1096379307" name=""/>
-          <p:cNvSpPr txBox="1"/>
-          <p:nvPr/>
-        </p:nvSpPr>
-        <p:spPr bwMode="auto">
-          <a:xfrm flipH="0" flipV="0">
-            <a:off x="7164749" y="1109133"/>
-            <a:ext cx="2362919" cy="518519"/>
-          </a:xfrm>
-          <a:prstGeom prst="rect">
-            <a:avLst/>
-          </a:prstGeom>
-          <a:noFill/>
-        </p:spPr>
-        <p:txBody>
-          <a:bodyPr vertOverflow="overflow" horzOverflow="overflow" vert="horz" wrap="square" lIns="91440" tIns="45720" rIns="91440" bIns="45720" numCol="1" spcCol="0" rtlCol="0" fromWordArt="0" anchor="t" anchorCtr="0" forceAA="0" upright="0" compatLnSpc="0">
-            <a:spAutoFit/>
-          </a:bodyPr>
-          <a:p>
-            <a:pPr>
-              <a:defRPr/>
-            </a:pPr>
-            <a:r>
-              <a:rPr lang="en-US" sz="1400" b="1" i="0" u="none" strike="noStrike" cap="none" spc="0">
-                <a:solidFill>
-                  <a:srgbClr val="000000"/>
-                </a:solidFill>
-                <a:latin typeface="Arial"/>
-                <a:ea typeface="Arial"/>
-                <a:cs typeface="Arial"/>
-              </a:rPr>
-              <a:t>Image: </a:t>
-            </a:r>
-            <a:r>
-              <a:rPr lang="en-US" sz="1400" b="1" i="0" u="none" strike="noStrike" cap="none" spc="0">
-                <a:solidFill>
-                  <a:srgbClr val="000000"/>
-                </a:solidFill>
-                <a:latin typeface="Arial"/>
-                <a:ea typeface="Arial"/>
-                <a:cs typeface="Arial"/>
-              </a:rPr>
-              <a:t>Create Habit Popup</a:t>
-            </a:r>
-            <a:endParaRPr sz="1400"/>
-          </a:p>
-        </p:txBody>
-      </p:sp>
-      <p:pic>
-        <p:nvPicPr>
-          <p:cNvPr id="364388000" name=""/>
-          <p:cNvPicPr>
-            <a:picLocks noChangeAspect="1"/>
-          </p:cNvPicPr>
-          <p:nvPr/>
-        </p:nvPicPr>
-        <p:blipFill>
-          <a:blip r:embed="rId5"/>
-          <a:stretch/>
-        </p:blipFill>
-        <p:spPr bwMode="auto">
-          <a:xfrm flipH="0" flipV="0">
-            <a:off x="9061245" y="742156"/>
-            <a:ext cx="2716035" cy="2716035"/>
+            <a:off x="8505990" y="3337919"/>
+            <a:ext cx="3249808" cy="3242981"/>
           </a:xfrm>
           <a:prstGeom prst="rect">
             <a:avLst/>
@@ -5658,7 +5644,7 @@
       </p:grpSpPr>
       <p:sp>
         <p:nvSpPr>
-          <p:cNvPr id="629532497" name="Title 1"/>
+          <p:cNvPr id="7003561" name="Title 1"/>
           <p:cNvSpPr>
             <a:spLocks noGrp="1"/>
           </p:cNvSpPr>
@@ -5675,37 +5661,7 @@
               <a:defRPr/>
             </a:pPr>
             <a:r>
-              <a:rPr/>
-              <a:t>Complete Habits &amp; Edit Habits</a:t>
-            </a:r>
-            <a:endParaRPr/>
-          </a:p>
-        </p:txBody>
-      </p:sp>
-      <p:sp>
-        <p:nvSpPr>
-          <p:cNvPr id="549707768" name="Content Placeholder 2"/>
-          <p:cNvSpPr>
-            <a:spLocks noGrp="1"/>
-          </p:cNvSpPr>
-          <p:nvPr>
-            <p:ph idx="1"/>
-          </p:nvPr>
-        </p:nvSpPr>
-        <p:spPr bwMode="auto"/>
-        <p:txBody>
-          <a:bodyPr vertOverflow="overflow" horzOverflow="overflow" vert="horz" wrap="square" lIns="91440" tIns="45720" rIns="91440" bIns="45720" numCol="1" spcCol="0" rtlCol="0" fromWordArt="0" anchor="t" anchorCtr="0" forceAA="0" upright="0" compatLnSpc="0">
-            <a:normAutofit fontScale="55000" lnSpcReduction="9000"/>
-          </a:bodyPr>
-          <a:lstStyle/>
-          <a:p>
-            <a:pPr marL="0" indent="0">
-              <a:buFont typeface="Arial"/>
-              <a:buNone/>
-              <a:defRPr/>
-            </a:pPr>
-            <a:r>
-              <a:rPr lang="en-US" sz="2800" b="1" i="0" u="none" strike="noStrike" cap="none" spc="0">
+              <a:rPr lang="en-US" sz="4400" b="0" i="0" u="none" strike="noStrike" cap="none" spc="0">
                 <a:solidFill>
                   <a:srgbClr val="000000"/>
                 </a:solidFill>
@@ -5713,19 +5669,34 @@
                 <a:ea typeface="Arial"/>
                 <a:cs typeface="Arial"/>
               </a:rPr>
-              <a:t>Mark habits as completed</a:t>
-            </a:r>
-            <a:endParaRPr sz="2800">
-              <a:latin typeface="Arial"/>
-              <a:cs typeface="Arial"/>
-            </a:endParaRPr>
-          </a:p>
-          <a:p>
-            <a:pPr>
-              <a:defRPr/>
-            </a:pPr>
-            <a:r>
-              <a:rPr lang="en-US" sz="2800" b="0" i="0" u="none" strike="noStrike" cap="none" spc="0">
+              <a:t>View statistics and track streaks &amp; progress over time</a:t>
+            </a:r>
+            <a:endParaRPr b="0"/>
+          </a:p>
+        </p:txBody>
+      </p:sp>
+      <p:sp>
+        <p:nvSpPr>
+          <p:cNvPr id="598539206" name="Content Placeholder 2"/>
+          <p:cNvSpPr>
+            <a:spLocks noGrp="1"/>
+          </p:cNvSpPr>
+          <p:nvPr>
+            <p:ph idx="1"/>
+          </p:nvPr>
+        </p:nvSpPr>
+        <p:spPr bwMode="auto"/>
+        <p:txBody>
+          <a:bodyPr vertOverflow="overflow" horzOverflow="overflow" vert="horz" wrap="square" lIns="91440" tIns="45720" rIns="91440" bIns="45720" numCol="1" spcCol="0" rtlCol="0" fromWordArt="0" anchor="t" anchorCtr="0" forceAA="0" upright="0" compatLnSpc="0">
+            <a:normAutofit/>
+          </a:bodyPr>
+          <a:lstStyle/>
+          <a:p>
+            <a:pPr>
+              <a:defRPr/>
+            </a:pPr>
+            <a:r>
+              <a:rPr lang="en-US" sz="1400" b="0" i="0" u="none" strike="noStrike" cap="none" spc="0">
                 <a:solidFill>
                   <a:srgbClr val="000000"/>
                 </a:solidFill>
@@ -5733,10 +5704,10 @@
                 <a:ea typeface="Arial"/>
                 <a:cs typeface="Arial"/>
               </a:rPr>
-              <a:t>On the Home screen (see above for image) you can mark your habits as done, by clicking the </a:t>
-            </a:r>
-            <a:r>
-              <a:rPr lang="en-US" sz="2800" b="0" i="0" u="none" strike="noStrike" cap="none" spc="0">
+              <a:t>On the Statistics screen, the user can view their overall  Statistics, as well as view a list of all their subscribed habits  ordered by periodicity via the </a:t>
+            </a:r>
+            <a:r>
+              <a:rPr lang="en-US" sz="1400" b="0" i="0" u="none" strike="noStrike" cap="none" spc="0">
                 <a:solidFill>
                   <a:srgbClr val="000000"/>
                 </a:solidFill>
@@ -5744,10 +5715,10 @@
                 <a:ea typeface="Arial"/>
                 <a:cs typeface="Arial"/>
               </a:rPr>
-              <a:t>[✓]</a:t>
-            </a:r>
-            <a:r>
-              <a:rPr lang="en-US" sz="2800" b="0" i="0" u="none" strike="noStrike" cap="none" spc="0">
+              <a:t>List Habits by Periodicity</a:t>
+            </a:r>
+            <a:r>
+              <a:rPr lang="en-US" sz="1400" b="0" i="0" u="none" strike="noStrike" cap="none" spc="0">
                 <a:solidFill>
                   <a:srgbClr val="000000"/>
                 </a:solidFill>
@@ -5755,9 +5726,9 @@
                 <a:ea typeface="Arial"/>
                 <a:cs typeface="Arial"/>
               </a:rPr>
-              <a:t> button on one of your listed subscribed habits.</a:t>
-            </a:r>
-            <a:endParaRPr sz="2800">
+              <a:t> button (Opens popup window).</a:t>
+            </a:r>
+            <a:endParaRPr sz="1400">
               <a:latin typeface="Arial"/>
               <a:cs typeface="Arial"/>
             </a:endParaRPr>
@@ -5767,7 +5738,7 @@
               <a:defRPr/>
             </a:pPr>
             <a:r>
-              <a:rPr lang="en-US" sz="2800" b="0" i="0" u="none" strike="noStrike" cap="none" spc="0">
+              <a:rPr lang="en-US" sz="1400" b="0" i="0" u="none" strike="noStrike" cap="none" spc="0">
                 <a:solidFill>
                   <a:srgbClr val="000000"/>
                 </a:solidFill>
@@ -5775,10 +5746,10 @@
                 <a:ea typeface="Arial"/>
                 <a:cs typeface="Arial"/>
               </a:rPr>
-              <a:t>Can be undone via the </a:t>
-            </a:r>
-            <a:r>
-              <a:rPr lang="en-US" sz="2800" b="0" i="0" u="none" strike="noStrike" cap="none" spc="0">
+              <a:t>Habit specific stats can be viewed by selecting a habit in the drop-down and clicking the </a:t>
+            </a:r>
+            <a:r>
+              <a:rPr lang="en-US" sz="1400" b="0" i="0" u="none" strike="noStrike" cap="none" spc="0">
                 <a:solidFill>
                   <a:srgbClr val="000000"/>
                 </a:solidFill>
@@ -5786,10 +5757,10 @@
                 <a:ea typeface="Arial"/>
                 <a:cs typeface="Arial"/>
               </a:rPr>
-              <a:t>[✗]</a:t>
-            </a:r>
-            <a:r>
-              <a:rPr lang="en-US" sz="2800" b="0" i="0" u="none" strike="noStrike" cap="none" spc="0">
+              <a:t>Show Habit Stats</a:t>
+            </a:r>
+            <a:r>
+              <a:rPr lang="en-US" sz="1400" b="0" i="0" u="none" strike="noStrike" cap="none" spc="0">
                 <a:solidFill>
                   <a:srgbClr val="000000"/>
                 </a:solidFill>
@@ -5797,9 +5768,9 @@
                 <a:ea typeface="Arial"/>
                 <a:cs typeface="Arial"/>
               </a:rPr>
-              <a:t> button that's shown on completed habits.</a:t>
-            </a:r>
-            <a:endParaRPr sz="2800">
+              <a:t> button. This will update the screen to reflect the selected habits stats.</a:t>
+            </a:r>
+            <a:endParaRPr sz="1400">
               <a:latin typeface="Arial"/>
               <a:cs typeface="Arial"/>
             </a:endParaRPr>
@@ -5809,7 +5780,7 @@
               <a:defRPr/>
             </a:pPr>
             <a:r>
-              <a:rPr lang="en-US" sz="2800" b="0" i="0" u="none" strike="noStrike" cap="none" spc="0">
+              <a:rPr lang="en-US" sz="1400" b="0" i="0" u="none" strike="noStrike" cap="none" spc="0">
                 <a:solidFill>
                   <a:srgbClr val="000000"/>
                 </a:solidFill>
@@ -5817,21 +5788,10 @@
                 <a:ea typeface="Arial"/>
                 <a:cs typeface="Arial"/>
               </a:rPr>
-              <a:t>This will create/destroy a completion for the Habit Subscription.</a:t>
-            </a:r>
-            <a:endParaRPr sz="2800">
-              <a:latin typeface="Arial"/>
-              <a:cs typeface="Arial"/>
-            </a:endParaRPr>
-          </a:p>
-          <a:p>
-            <a:pPr marL="0" indent="0">
-              <a:buFont typeface="Arial"/>
-              <a:buNone/>
-              <a:defRPr/>
-            </a:pPr>
-            <a:r>
-              <a:rPr lang="en-US" sz="2800" b="1" i="0" u="none" strike="noStrike" cap="none" spc="0">
+              <a:t>The </a:t>
+            </a:r>
+            <a:r>
+              <a:rPr lang="en-US" sz="1400" b="0" i="0" u="none" strike="noStrike" cap="none" spc="0">
                 <a:solidFill>
                   <a:srgbClr val="000000"/>
                 </a:solidFill>
@@ -5839,19 +5799,10 @@
                 <a:ea typeface="Arial"/>
                 <a:cs typeface="Arial"/>
               </a:rPr>
-              <a:t>Edit habits as necessary</a:t>
-            </a:r>
-            <a:endParaRPr sz="2800">
-              <a:latin typeface="Arial"/>
-              <a:cs typeface="Arial"/>
-            </a:endParaRPr>
-          </a:p>
-          <a:p>
-            <a:pPr>
-              <a:defRPr/>
-            </a:pPr>
-            <a:r>
-              <a:rPr lang="en-US" sz="2800" b="0" i="0" u="none" strike="noStrike" cap="none" spc="0">
+              <a:t>Show Default Stats</a:t>
+            </a:r>
+            <a:r>
+              <a:rPr lang="en-US" sz="1400" b="0" i="0" u="none" strike="noStrike" cap="none" spc="0">
                 <a:solidFill>
                   <a:srgbClr val="000000"/>
                 </a:solidFill>
@@ -5859,10 +5810,21 @@
                 <a:ea typeface="Arial"/>
                 <a:cs typeface="Arial"/>
               </a:rPr>
-              <a:t>Clicking the </a:t>
-            </a:r>
-            <a:r>
-              <a:rPr lang="en-US" sz="2800" b="0" i="0" u="none" strike="noStrike" cap="none" spc="0">
+              <a:t> button can be used to view the general user stats again, this will also be shown when re-opening the screen.</a:t>
+            </a:r>
+            <a:endParaRPr sz="1400">
+              <a:latin typeface="Arial"/>
+              <a:cs typeface="Arial"/>
+            </a:endParaRPr>
+          </a:p>
+          <a:p>
+            <a:pPr marL="0" indent="0">
+              <a:buFont typeface="Arial"/>
+              <a:buNone/>
+              <a:defRPr/>
+            </a:pPr>
+            <a:r>
+              <a:rPr lang="en-US" sz="1400" b="1" i="0" u="none" strike="noStrike" cap="none" spc="0">
                 <a:solidFill>
                   <a:srgbClr val="000000"/>
                 </a:solidFill>
@@ -5870,10 +5832,10 @@
                 <a:ea typeface="Arial"/>
                 <a:cs typeface="Arial"/>
               </a:rPr>
-              <a:t></a:t>
-            </a:r>
-            <a:r>
-              <a:rPr lang="en-US" sz="2800" b="0" i="0" u="none" strike="noStrike" cap="none" spc="0">
+              <a:t>Image: Default Statistics                                                                     </a:t>
+            </a:r>
+            <a:r>
+              <a:rPr lang="en-US" sz="1400" b="1" i="0" u="none" strike="noStrike" cap="none" spc="0">
                 <a:solidFill>
                   <a:srgbClr val="000000"/>
                 </a:solidFill>
@@ -5881,170 +5843,18 @@
                 <a:ea typeface="Arial"/>
                 <a:cs typeface="Arial"/>
               </a:rPr>
-              <a:t> button on a subscribed habit enables the user to edit the habit.</a:t>
-            </a:r>
-            <a:endParaRPr sz="2800">
+              <a:t>Image: Habit Statistics</a:t>
+            </a:r>
+            <a:endParaRPr sz="1400">
               <a:latin typeface="Arial"/>
               <a:cs typeface="Arial"/>
             </a:endParaRPr>
           </a:p>
-          <a:p>
-            <a:pPr>
-              <a:defRPr/>
-            </a:pPr>
-            <a:r>
-              <a:rPr lang="en-US" sz="2800" b="0" i="0" u="none" strike="noStrike" cap="none" spc="0">
-                <a:solidFill>
-                  <a:srgbClr val="000000"/>
-                </a:solidFill>
-                <a:latin typeface="Arial"/>
-                <a:ea typeface="Arial"/>
-                <a:cs typeface="Arial"/>
-              </a:rPr>
-              <a:t>The habit data entry is then modified with the newly input data.</a:t>
-            </a:r>
-            <a:endParaRPr sz="2800">
-              <a:latin typeface="Arial"/>
-              <a:cs typeface="Arial"/>
-            </a:endParaRPr>
-          </a:p>
-          <a:p>
-            <a:pPr>
-              <a:defRPr/>
-            </a:pPr>
-            <a:r>
-              <a:rPr lang="en-US" sz="2800" b="0" i="0" u="none" strike="noStrike" cap="none" spc="0">
-                <a:solidFill>
-                  <a:srgbClr val="000000"/>
-                </a:solidFill>
-                <a:latin typeface="Arial"/>
-                <a:ea typeface="Arial"/>
-                <a:cs typeface="Arial"/>
-              </a:rPr>
-              <a:t>This propagates to all other users as well.</a:t>
-            </a:r>
-            <a:endParaRPr sz="2800">
-              <a:latin typeface="Arial"/>
-              <a:cs typeface="Arial"/>
-            </a:endParaRPr>
-          </a:p>
-          <a:p>
-            <a:pPr>
-              <a:defRPr/>
-            </a:pPr>
-            <a:r>
-              <a:rPr lang="en-US" sz="2800" b="0" i="0" u="none" strike="noStrike" cap="none" spc="0">
-                <a:solidFill>
-                  <a:srgbClr val="000000"/>
-                </a:solidFill>
-                <a:latin typeface="Arial"/>
-                <a:ea typeface="Arial"/>
-                <a:cs typeface="Arial"/>
-              </a:rPr>
-              <a:t>As of now, only the author user can edit the habit, and the habit data</a:t>
-            </a:r>
-            <a:br>
-              <a:rPr lang="en-US" sz="2800" b="0" i="0" u="none" strike="noStrike" cap="none" spc="0">
-                <a:solidFill>
-                  <a:srgbClr val="000000"/>
-                </a:solidFill>
-                <a:latin typeface="Arial"/>
-                <a:ea typeface="Arial"/>
-                <a:cs typeface="Arial"/>
-              </a:rPr>
-            </a:br>
-            <a:r>
-              <a:rPr lang="en-US" sz="2800" b="0" i="0" u="none" strike="noStrike" cap="none" spc="0">
-                <a:solidFill>
-                  <a:srgbClr val="000000"/>
-                </a:solidFill>
-                <a:latin typeface="Arial"/>
-                <a:ea typeface="Arial"/>
-                <a:cs typeface="Arial"/>
-              </a:rPr>
-              <a:t>database entry is then modified accordingly.</a:t>
-            </a:r>
-            <a:endParaRPr sz="2800">
-              <a:latin typeface="Arial"/>
-              <a:cs typeface="Arial"/>
-            </a:endParaRPr>
-          </a:p>
-          <a:p>
-            <a:pPr>
-              <a:defRPr/>
-            </a:pPr>
-            <a:r>
-              <a:rPr lang="en-US" sz="2800" b="0" i="0" u="none" strike="noStrike" cap="none" spc="0">
-                <a:solidFill>
-                  <a:srgbClr val="000000"/>
-                </a:solidFill>
-                <a:latin typeface="Arial"/>
-                <a:ea typeface="Arial"/>
-                <a:cs typeface="Arial"/>
-              </a:rPr>
-              <a:t>There is currently no support for the periodicity setting.</a:t>
-            </a:r>
-            <a:endParaRPr sz="2800">
-              <a:latin typeface="Arial"/>
-              <a:cs typeface="Arial"/>
-            </a:endParaRPr>
-          </a:p>
-          <a:p>
-            <a:pPr>
-              <a:defRPr/>
-            </a:pPr>
-            <a:endParaRPr sz="2800"/>
-          </a:p>
-          <a:p>
-            <a:pPr>
-              <a:defRPr/>
-            </a:pPr>
-            <a:endParaRPr/>
-          </a:p>
-        </p:txBody>
-      </p:sp>
-      <p:sp>
-        <p:nvSpPr>
-          <p:cNvPr id="810275135" name=""/>
-          <p:cNvSpPr txBox="1"/>
-          <p:nvPr/>
-        </p:nvSpPr>
-        <p:spPr bwMode="auto">
-          <a:xfrm flipH="0" flipV="0">
-            <a:off x="8457839" y="2891429"/>
-            <a:ext cx="2895959" cy="366119"/>
-          </a:xfrm>
-          <a:prstGeom prst="rect">
-            <a:avLst/>
-          </a:prstGeom>
-          <a:noFill/>
-        </p:spPr>
-        <p:txBody>
-          <a:bodyPr vertOverflow="overflow" horzOverflow="overflow" vert="horz" wrap="square" lIns="91440" tIns="45720" rIns="91440" bIns="45720" numCol="1" spcCol="0" rtlCol="0" fromWordArt="0" anchor="t" anchorCtr="0" forceAA="0" upright="0" compatLnSpc="0">
-            <a:spAutoFit/>
-          </a:bodyPr>
-          <a:p>
-            <a:pPr>
-              <a:defRPr/>
-            </a:pPr>
-            <a:r>
-              <a:rPr lang="en-US" sz="1800" b="1" i="0" u="none" strike="noStrike" cap="none" spc="0">
-                <a:solidFill>
-                  <a:srgbClr val="000000"/>
-                </a:solidFill>
-                <a:latin typeface="Arial"/>
-                <a:ea typeface="Arial"/>
-                <a:cs typeface="Arial"/>
-              </a:rPr>
-              <a:t>Image: Edit Habit</a:t>
-            </a:r>
-            <a:endParaRPr/>
-          </a:p>
         </p:txBody>
       </p:sp>
       <p:pic>
         <p:nvPicPr>
-          <p:cNvPr id="532114502" name=""/>
+          <p:cNvPr id="727177470" name=""/>
           <p:cNvPicPr>
             <a:picLocks noChangeAspect="1"/>
           </p:cNvPicPr>
@@ -6056,8 +5866,30 @@
         </p:blipFill>
         <p:spPr bwMode="auto">
           <a:xfrm flipH="0" flipV="0">
-            <a:off x="8505990" y="3337919"/>
-            <a:ext cx="3249808" cy="3242981"/>
+            <a:off x="892216" y="3673923"/>
+            <a:ext cx="5203782" cy="2923564"/>
+          </a:xfrm>
+          <a:prstGeom prst="rect">
+            <a:avLst/>
+          </a:prstGeom>
+        </p:spPr>
+      </p:pic>
+      <p:pic>
+        <p:nvPicPr>
+          <p:cNvPr id="1217318834" name=""/>
+          <p:cNvPicPr>
+            <a:picLocks noChangeAspect="1"/>
+          </p:cNvPicPr>
+          <p:nvPr/>
+        </p:nvPicPr>
+        <p:blipFill>
+          <a:blip r:embed="rId4"/>
+          <a:stretch/>
+        </p:blipFill>
+        <p:spPr bwMode="auto">
+          <a:xfrm flipH="0" flipV="0">
+            <a:off x="6351097" y="3667566"/>
+            <a:ext cx="5214200" cy="2929922"/>
           </a:xfrm>
           <a:prstGeom prst="rect">
             <a:avLst/>
@@ -6099,7 +5931,7 @@
       </p:grpSpPr>
       <p:sp>
         <p:nvSpPr>
-          <p:cNvPr id="1339704298" name="Title 1"/>
+          <p:cNvPr id="681472267" name="Title 1"/>
           <p:cNvSpPr>
             <a:spLocks noGrp="1"/>
           </p:cNvSpPr>
@@ -6107,250 +5939,208 @@
             <p:ph type="title"/>
           </p:nvPr>
         </p:nvSpPr>
-        <p:spPr bwMode="auto"/>
-        <p:txBody>
-          <a:bodyPr/>
-          <a:lstStyle/>
-          <a:p>
-            <a:pPr>
-              <a:defRPr/>
-            </a:pPr>
-            <a:r>
-              <a:rPr lang="en-US" sz="4400" b="0" i="0" u="none" strike="noStrike" cap="none" spc="0">
-                <a:solidFill>
-                  <a:srgbClr val="000000"/>
+        <p:spPr bwMode="auto">
+          <a:xfrm>
+            <a:off x="831848" y="1709736"/>
+            <a:ext cx="10515600" cy="2852735"/>
+          </a:xfrm>
+        </p:spPr>
+        <p:txBody>
+          <a:bodyPr anchor="b"/>
+          <a:lstStyle>
+            <a:lvl1pPr>
+              <a:defRPr sz="6000"/>
+            </a:lvl1pPr>
+          </a:lstStyle>
+          <a:p>
+            <a:pPr>
+              <a:defRPr/>
+            </a:pPr>
+            <a:r>
+              <a:rPr/>
+              <a:t>Database</a:t>
+            </a:r>
+            <a:endParaRPr/>
+          </a:p>
+        </p:txBody>
+      </p:sp>
+      <p:sp>
+        <p:nvSpPr>
+          <p:cNvPr id="1875055291" name="Text Placeholder 2"/>
+          <p:cNvSpPr>
+            <a:spLocks noGrp="1"/>
+          </p:cNvSpPr>
+          <p:nvPr>
+            <p:ph type="body" idx="1"/>
+          </p:nvPr>
+        </p:nvSpPr>
+        <p:spPr bwMode="auto">
+          <a:xfrm>
+            <a:off x="831848" y="4589461"/>
+            <a:ext cx="10515600" cy="1500185"/>
+          </a:xfrm>
+        </p:spPr>
+        <p:txBody>
+          <a:bodyPr vertOverflow="overflow" horzOverflow="overflow" vert="horz" wrap="square" lIns="91440" tIns="45720" rIns="91440" bIns="45720" numCol="1" spcCol="0" rtlCol="0" fromWordArt="0" anchor="t" anchorCtr="0" forceAA="0" upright="0" compatLnSpc="0">
+            <a:normAutofit/>
+          </a:bodyPr>
+          <a:lstStyle>
+            <a:lvl1pPr marL="0" indent="0">
+              <a:buNone/>
+              <a:defRPr sz="2400">
+                <a:solidFill>
+                  <a:schemeClr val="tx1">
+                    <a:tint val="75000"/>
+                  </a:schemeClr>
+                </a:solidFill>
+              </a:defRPr>
+            </a:lvl1pPr>
+            <a:lvl2pPr marL="457200" indent="0">
+              <a:buNone/>
+              <a:defRPr sz="2000">
+                <a:solidFill>
+                  <a:schemeClr val="tx1">
+                    <a:tint val="75000"/>
+                  </a:schemeClr>
+                </a:solidFill>
+              </a:defRPr>
+            </a:lvl2pPr>
+            <a:lvl3pPr marL="914400" indent="0">
+              <a:buNone/>
+              <a:defRPr sz="1800">
+                <a:solidFill>
+                  <a:schemeClr val="tx1">
+                    <a:tint val="75000"/>
+                  </a:schemeClr>
+                </a:solidFill>
+              </a:defRPr>
+            </a:lvl3pPr>
+            <a:lvl4pPr marL="1371600" indent="0">
+              <a:buNone/>
+              <a:defRPr sz="1600">
+                <a:solidFill>
+                  <a:schemeClr val="tx1">
+                    <a:tint val="75000"/>
+                  </a:schemeClr>
+                </a:solidFill>
+              </a:defRPr>
+            </a:lvl4pPr>
+            <a:lvl5pPr marL="1828800" indent="0">
+              <a:buNone/>
+              <a:defRPr sz="1600">
+                <a:solidFill>
+                  <a:schemeClr val="tx1">
+                    <a:tint val="75000"/>
+                  </a:schemeClr>
+                </a:solidFill>
+              </a:defRPr>
+            </a:lvl5pPr>
+            <a:lvl6pPr marL="2286000" indent="0">
+              <a:buNone/>
+              <a:defRPr sz="1600">
+                <a:solidFill>
+                  <a:schemeClr val="tx1">
+                    <a:tint val="75000"/>
+                  </a:schemeClr>
+                </a:solidFill>
+              </a:defRPr>
+            </a:lvl6pPr>
+            <a:lvl7pPr marL="2743200" indent="0">
+              <a:buNone/>
+              <a:defRPr sz="1600">
+                <a:solidFill>
+                  <a:schemeClr val="tx1">
+                    <a:tint val="75000"/>
+                  </a:schemeClr>
+                </a:solidFill>
+              </a:defRPr>
+            </a:lvl7pPr>
+            <a:lvl8pPr marL="3200400" indent="0">
+              <a:buNone/>
+              <a:defRPr sz="1600">
+                <a:solidFill>
+                  <a:schemeClr val="tx1">
+                    <a:tint val="75000"/>
+                  </a:schemeClr>
+                </a:solidFill>
+              </a:defRPr>
+            </a:lvl8pPr>
+            <a:lvl9pPr marL="3657600" indent="0">
+              <a:buNone/>
+              <a:defRPr sz="1600">
+                <a:solidFill>
+                  <a:schemeClr val="tx1">
+                    <a:tint val="75000"/>
+                  </a:schemeClr>
+                </a:solidFill>
+              </a:defRPr>
+            </a:lvl9pPr>
+          </a:lstStyle>
+          <a:p>
+            <a:pPr marL="349965" indent="-349965">
+              <a:buFont typeface="Arial"/>
+              <a:buChar char="•"/>
+              <a:defRPr/>
+            </a:pPr>
+            <a:r>
+              <a:rPr lang="en-US" sz="2400" b="0" i="0" u="none" strike="noStrike" cap="none" spc="0">
+                <a:solidFill>
+                  <a:schemeClr val="tx1">
+                    <a:tint val="75000"/>
+                  </a:schemeClr>
                 </a:solidFill>
                 <a:latin typeface="Arial"/>
                 <a:ea typeface="Arial"/>
                 <a:cs typeface="Arial"/>
               </a:rPr>
-              <a:t>View statistics and track streaks &amp; progress over time</a:t>
-            </a:r>
-            <a:endParaRPr b="0"/>
-          </a:p>
-        </p:txBody>
-      </p:sp>
-      <p:sp>
-        <p:nvSpPr>
-          <p:cNvPr id="228727081" name="Content Placeholder 2"/>
-          <p:cNvSpPr>
-            <a:spLocks noGrp="1"/>
-          </p:cNvSpPr>
-          <p:nvPr>
-            <p:ph idx="1"/>
-          </p:nvPr>
-        </p:nvSpPr>
-        <p:spPr bwMode="auto"/>
-        <p:txBody>
-          <a:bodyPr vertOverflow="overflow" horzOverflow="overflow" vert="horz" wrap="square" lIns="91440" tIns="45720" rIns="91440" bIns="45720" numCol="1" spcCol="0" rtlCol="0" fromWordArt="0" anchor="t" anchorCtr="0" forceAA="0" upright="0" compatLnSpc="0">
-            <a:normAutofit/>
-          </a:bodyPr>
-          <a:lstStyle/>
-          <a:p>
-            <a:pPr>
-              <a:defRPr/>
-            </a:pPr>
-            <a:r>
-              <a:rPr lang="en-US" sz="1400" b="0" i="0" u="none" strike="noStrike" cap="none" spc="0">
-                <a:solidFill>
-                  <a:srgbClr val="000000"/>
+              <a:t>Table Structure – ER Diagram</a:t>
+            </a:r>
+            <a:endParaRPr sz="2400"/>
+          </a:p>
+          <a:p>
+            <a:pPr marL="349965" indent="-349965">
+              <a:buFont typeface="Arial"/>
+              <a:buChar char="•"/>
+              <a:defRPr/>
+            </a:pPr>
+            <a:r>
+              <a:rPr lang="en-US" sz="2400" b="0" i="0" u="none" strike="noStrike" cap="none" spc="0">
+                <a:solidFill>
+                  <a:schemeClr val="tx1">
+                    <a:tint val="75000"/>
+                  </a:schemeClr>
                 </a:solidFill>
                 <a:latin typeface="Arial"/>
                 <a:ea typeface="Arial"/>
                 <a:cs typeface="Arial"/>
               </a:rPr>
-              <a:t>On the Statistics screen, the user can view their overall  Statistics, as well as view a list of all their subscribed habits  ordered by periodicity via the </a:t>
-            </a:r>
-            <a:r>
-              <a:rPr lang="en-US" sz="1400" b="0" i="0" u="none" strike="noStrike" cap="none" spc="0">
-                <a:solidFill>
-                  <a:srgbClr val="000000"/>
+              <a:t>SQL Query Example</a:t>
+            </a:r>
+            <a:endParaRPr sz="2400"/>
+          </a:p>
+          <a:p>
+            <a:pPr marL="349965" indent="-349965">
+              <a:buFont typeface="Arial"/>
+              <a:buChar char="•"/>
+              <a:defRPr/>
+            </a:pPr>
+            <a:r>
+              <a:rPr lang="en-US" sz="2400" b="0" i="0" u="none" strike="noStrike" cap="none" spc="0">
+                <a:solidFill>
+                  <a:schemeClr val="tx1">
+                    <a:tint val="75000"/>
+                  </a:schemeClr>
                 </a:solidFill>
                 <a:latin typeface="Arial"/>
                 <a:ea typeface="Arial"/>
                 <a:cs typeface="Arial"/>
               </a:rPr>
-              <a:t>List Habits by Periodicity</a:t>
-            </a:r>
-            <a:r>
-              <a:rPr lang="en-US" sz="1400" b="0" i="0" u="none" strike="noStrike" cap="none" spc="0">
-                <a:solidFill>
-                  <a:srgbClr val="000000"/>
-                </a:solidFill>
-                <a:latin typeface="Arial"/>
-                <a:ea typeface="Arial"/>
-                <a:cs typeface="Arial"/>
-              </a:rPr>
-              <a:t> button (Opens popup window).</a:t>
-            </a:r>
-            <a:endParaRPr sz="1400">
-              <a:latin typeface="Arial"/>
-              <a:cs typeface="Arial"/>
-            </a:endParaRPr>
-          </a:p>
-          <a:p>
-            <a:pPr>
-              <a:defRPr/>
-            </a:pPr>
-            <a:r>
-              <a:rPr lang="en-US" sz="1400" b="0" i="0" u="none" strike="noStrike" cap="none" spc="0">
-                <a:solidFill>
-                  <a:srgbClr val="000000"/>
-                </a:solidFill>
-                <a:latin typeface="Arial"/>
-                <a:ea typeface="Arial"/>
-                <a:cs typeface="Arial"/>
-              </a:rPr>
-              <a:t>Habit specific stats can be viewed by selecting a habit in the drop-down and clicking the </a:t>
-            </a:r>
-            <a:r>
-              <a:rPr lang="en-US" sz="1400" b="0" i="0" u="none" strike="noStrike" cap="none" spc="0">
-                <a:solidFill>
-                  <a:srgbClr val="000000"/>
-                </a:solidFill>
-                <a:latin typeface="Arial"/>
-                <a:ea typeface="Arial"/>
-                <a:cs typeface="Arial"/>
-              </a:rPr>
-              <a:t>Show Habit Stats</a:t>
-            </a:r>
-            <a:r>
-              <a:rPr lang="en-US" sz="1400" b="0" i="0" u="none" strike="noStrike" cap="none" spc="0">
-                <a:solidFill>
-                  <a:srgbClr val="000000"/>
-                </a:solidFill>
-                <a:latin typeface="Arial"/>
-                <a:ea typeface="Arial"/>
-                <a:cs typeface="Arial"/>
-              </a:rPr>
-              <a:t> button. This will update the screen to reflect the selected habits stats.</a:t>
-            </a:r>
-            <a:endParaRPr sz="1400">
-              <a:latin typeface="Arial"/>
-              <a:cs typeface="Arial"/>
-            </a:endParaRPr>
-          </a:p>
-          <a:p>
-            <a:pPr>
-              <a:defRPr/>
-            </a:pPr>
-            <a:r>
-              <a:rPr lang="en-US" sz="1400" b="0" i="0" u="none" strike="noStrike" cap="none" spc="0">
-                <a:solidFill>
-                  <a:srgbClr val="000000"/>
-                </a:solidFill>
-                <a:latin typeface="Arial"/>
-                <a:ea typeface="Arial"/>
-                <a:cs typeface="Arial"/>
-              </a:rPr>
-              <a:t>The </a:t>
-            </a:r>
-            <a:r>
-              <a:rPr lang="en-US" sz="1400" b="0" i="0" u="none" strike="noStrike" cap="none" spc="0">
-                <a:solidFill>
-                  <a:srgbClr val="000000"/>
-                </a:solidFill>
-                <a:latin typeface="Arial"/>
-                <a:ea typeface="Arial"/>
-                <a:cs typeface="Arial"/>
-              </a:rPr>
-              <a:t>Show Default Stats</a:t>
-            </a:r>
-            <a:r>
-              <a:rPr lang="en-US" sz="1400" b="0" i="0" u="none" strike="noStrike" cap="none" spc="0">
-                <a:solidFill>
-                  <a:srgbClr val="000000"/>
-                </a:solidFill>
-                <a:latin typeface="Arial"/>
-                <a:ea typeface="Arial"/>
-                <a:cs typeface="Arial"/>
-              </a:rPr>
-              <a:t> button can be used to view the general user stats again, this will also be shown when re-opening the screen.</a:t>
-            </a:r>
-            <a:endParaRPr sz="1400">
-              <a:latin typeface="Arial"/>
-              <a:cs typeface="Arial"/>
-            </a:endParaRPr>
-          </a:p>
-          <a:p>
-            <a:pPr marL="0" indent="0">
-              <a:buFont typeface="Arial"/>
-              <a:buNone/>
-              <a:defRPr/>
-            </a:pPr>
-            <a:r>
-              <a:rPr lang="en-US" sz="1400" b="1" i="0" u="none" strike="noStrike" cap="none" spc="0">
-                <a:solidFill>
-                  <a:srgbClr val="000000"/>
-                </a:solidFill>
-                <a:latin typeface="Arial"/>
-                <a:ea typeface="Arial"/>
-                <a:cs typeface="Arial"/>
-              </a:rPr>
-              <a:t>Image: Default Statistics                                                                     </a:t>
-            </a:r>
-            <a:r>
-              <a:rPr lang="en-US" sz="1400" b="1" i="0" u="none" strike="noStrike" cap="none" spc="0">
-                <a:solidFill>
-                  <a:srgbClr val="000000"/>
-                </a:solidFill>
-                <a:latin typeface="Arial"/>
-                <a:ea typeface="Arial"/>
-                <a:cs typeface="Arial"/>
-              </a:rPr>
-              <a:t>Image: Habit Statistics</a:t>
-            </a:r>
-            <a:endParaRPr sz="1400">
-              <a:latin typeface="Arial"/>
-              <a:cs typeface="Arial"/>
-            </a:endParaRPr>
-          </a:p>
-        </p:txBody>
-      </p:sp>
-      <p:pic>
-        <p:nvPicPr>
-          <p:cNvPr id="1357330306" name=""/>
-          <p:cNvPicPr>
-            <a:picLocks noChangeAspect="1"/>
-          </p:cNvPicPr>
-          <p:nvPr/>
-        </p:nvPicPr>
-        <p:blipFill>
-          <a:blip r:embed="rId3"/>
-          <a:stretch/>
-        </p:blipFill>
-        <p:spPr bwMode="auto">
-          <a:xfrm flipH="0" flipV="0">
-            <a:off x="892216" y="3673924"/>
-            <a:ext cx="5203782" cy="2923564"/>
-          </a:xfrm>
-          <a:prstGeom prst="rect">
-            <a:avLst/>
-          </a:prstGeom>
-        </p:spPr>
-      </p:pic>
-      <p:pic>
-        <p:nvPicPr>
-          <p:cNvPr id="846100385" name=""/>
-          <p:cNvPicPr>
-            <a:picLocks noChangeAspect="1"/>
-          </p:cNvPicPr>
-          <p:nvPr/>
-        </p:nvPicPr>
-        <p:blipFill>
-          <a:blip r:embed="rId4"/>
-          <a:stretch/>
-        </p:blipFill>
-        <p:spPr bwMode="auto">
-          <a:xfrm flipH="0" flipV="0">
-            <a:off x="6351098" y="3667566"/>
-            <a:ext cx="5214200" cy="2929922"/>
-          </a:xfrm>
-          <a:prstGeom prst="rect">
-            <a:avLst/>
-          </a:prstGeom>
-        </p:spPr>
-      </p:pic>
+              <a:t>Request to Controller Example</a:t>
+            </a:r>
+            <a:endParaRPr sz="2400"/>
+          </a:p>
+        </p:txBody>
+      </p:sp>
     </p:spTree>
   </p:cSld>
   <p:clrMapOvr>
@@ -6386,216 +6176,136 @@
       </p:grpSpPr>
       <p:sp>
         <p:nvSpPr>
-          <p:cNvPr id="1718461082" name="Title 1"/>
+          <p:cNvPr id="1620600962" name="Title 1"/>
           <p:cNvSpPr>
             <a:spLocks noGrp="1"/>
           </p:cNvSpPr>
           <p:nvPr>
             <p:ph type="title"/>
+          </p:nvPr>
+        </p:nvSpPr>
+        <p:spPr bwMode="auto"/>
+        <p:txBody>
+          <a:bodyPr/>
+          <a:lstStyle/>
+          <a:p>
+            <a:pPr>
+              <a:defRPr/>
+            </a:pPr>
+            <a:r>
+              <a:rPr/>
+              <a:t>Table Structure </a:t>
+            </a:r>
+            <a:r>
+              <a:rPr lang="en-US" sz="4400" b="0" i="0" u="none" strike="noStrike" cap="none" spc="0">
+                <a:solidFill>
+                  <a:schemeClr val="tx1"/>
+                </a:solidFill>
+                <a:latin typeface="+mj-lt"/>
+                <a:ea typeface="+mj-ea"/>
+                <a:cs typeface="+mj-cs"/>
+              </a:rPr>
+              <a:t>-</a:t>
+            </a:r>
+            <a:r>
+              <a:rPr/>
+              <a:t> ER diagram</a:t>
+            </a:r>
+            <a:endParaRPr/>
+          </a:p>
+        </p:txBody>
+      </p:sp>
+      <p:sp>
+        <p:nvSpPr>
+          <p:cNvPr id="1820497187" name="Content Placeholder 2"/>
+          <p:cNvSpPr>
+            <a:spLocks noGrp="1"/>
+          </p:cNvSpPr>
+          <p:nvPr>
+            <p:ph sz="half" idx="1"/>
           </p:nvPr>
         </p:nvSpPr>
         <p:spPr bwMode="auto">
           <a:xfrm>
-            <a:off x="831848" y="1709736"/>
-            <a:ext cx="10515600" cy="2852735"/>
+            <a:off x="838198" y="1825624"/>
+            <a:ext cx="5181599" cy="4351338"/>
           </a:xfrm>
         </p:spPr>
         <p:txBody>
-          <a:bodyPr anchor="b"/>
-          <a:lstStyle>
-            <a:lvl1pPr>
-              <a:defRPr sz="6000"/>
-            </a:lvl1pPr>
-          </a:lstStyle>
+          <a:bodyPr vertOverflow="overflow" horzOverflow="overflow" vert="horz" wrap="square" lIns="91440" tIns="45720" rIns="91440" bIns="45720" numCol="1" spcCol="0" rtlCol="0" fromWordArt="0" anchor="t" anchorCtr="0" forceAA="0" upright="0" compatLnSpc="0">
+            <a:normAutofit fontScale="85000" lnSpcReduction="3000"/>
+          </a:bodyPr>
+          <a:lstStyle/>
           <a:p>
             <a:pPr>
               <a:defRPr/>
             </a:pPr>
             <a:r>
               <a:rPr/>
-              <a:t>Database</a:t>
-            </a:r>
-            <a:endParaRPr/>
-          </a:p>
-        </p:txBody>
-      </p:sp>
-      <p:sp>
-        <p:nvSpPr>
-          <p:cNvPr id="270201644" name="Text Placeholder 2"/>
-          <p:cNvSpPr>
-            <a:spLocks noGrp="1"/>
-          </p:cNvSpPr>
-          <p:nvPr>
-            <p:ph type="body" idx="1"/>
-          </p:nvPr>
-        </p:nvSpPr>
+              <a:t>Subscriptions serve to </a:t>
+            </a:r>
+            <a:r>
+              <a:rPr/>
+              <a:t>‘connect’ habit data with users</a:t>
+            </a:r>
+            <a:endParaRPr/>
+          </a:p>
+          <a:p>
+            <a:pPr>
+              <a:defRPr/>
+            </a:pPr>
+            <a:r>
+              <a:rPr/>
+              <a:t>When a user ‘checks off’, i.e. completes a habit (via GUI), a new completion entry will be created.</a:t>
+            </a:r>
+            <a:endParaRPr/>
+          </a:p>
+          <a:p>
+            <a:pPr>
+              <a:defRPr/>
+            </a:pPr>
+            <a:r>
+              <a:rPr/>
+              <a:t>Completions entries can be used to calculate stats for a given subscription and user.</a:t>
+            </a:r>
+            <a:endParaRPr/>
+          </a:p>
+          <a:p>
+            <a:pPr lvl="1">
+              <a:defRPr/>
+            </a:pPr>
+            <a:r>
+              <a:rPr/>
+              <a:t>There are no ‘failed completions’ the success rate is derived by calculating expected completions and the actual completions retrieved via a query.</a:t>
+            </a:r>
+            <a:endParaRPr/>
+          </a:p>
+        </p:txBody>
+      </p:sp>
+      <p:pic>
+        <p:nvPicPr>
+          <p:cNvPr id="853403671" name=""/>
+          <p:cNvPicPr>
+            <a:picLocks noChangeAspect="1"/>
+          </p:cNvPicPr>
+          <p:nvPr>
+            <p:ph sz="half" idx="2"/>
+          </p:nvPr>
+        </p:nvPicPr>
+        <p:blipFill>
+          <a:blip r:embed="rId3"/>
+          <a:stretch/>
+        </p:blipFill>
         <p:spPr bwMode="auto">
-          <a:xfrm>
-            <a:off x="831848" y="4589461"/>
-            <a:ext cx="10515600" cy="1500185"/>
+          <a:xfrm rot="0">
+            <a:off x="6291262" y="1910556"/>
+            <a:ext cx="4943475" cy="4181473"/>
           </a:xfrm>
+          <a:prstGeom prst="rect">
+            <a:avLst/>
+          </a:prstGeom>
         </p:spPr>
-        <p:txBody>
-          <a:bodyPr vertOverflow="overflow" horzOverflow="overflow" vert="horz" wrap="square" lIns="91440" tIns="45720" rIns="91440" bIns="45720" numCol="1" spcCol="0" rtlCol="0" fromWordArt="0" anchor="t" anchorCtr="0" forceAA="0" upright="0" compatLnSpc="0">
-            <a:normAutofit/>
-          </a:bodyPr>
-          <a:lstStyle>
-            <a:lvl1pPr marL="0" indent="0">
-              <a:buNone/>
-              <a:defRPr sz="2400">
-                <a:solidFill>
-                  <a:schemeClr val="tx1">
-                    <a:tint val="75000"/>
-                  </a:schemeClr>
-                </a:solidFill>
-              </a:defRPr>
-            </a:lvl1pPr>
-            <a:lvl2pPr marL="457200" indent="0">
-              <a:buNone/>
-              <a:defRPr sz="2000">
-                <a:solidFill>
-                  <a:schemeClr val="tx1">
-                    <a:tint val="75000"/>
-                  </a:schemeClr>
-                </a:solidFill>
-              </a:defRPr>
-            </a:lvl2pPr>
-            <a:lvl3pPr marL="914400" indent="0">
-              <a:buNone/>
-              <a:defRPr sz="1800">
-                <a:solidFill>
-                  <a:schemeClr val="tx1">
-                    <a:tint val="75000"/>
-                  </a:schemeClr>
-                </a:solidFill>
-              </a:defRPr>
-            </a:lvl3pPr>
-            <a:lvl4pPr marL="1371600" indent="0">
-              <a:buNone/>
-              <a:defRPr sz="1600">
-                <a:solidFill>
-                  <a:schemeClr val="tx1">
-                    <a:tint val="75000"/>
-                  </a:schemeClr>
-                </a:solidFill>
-              </a:defRPr>
-            </a:lvl4pPr>
-            <a:lvl5pPr marL="1828800" indent="0">
-              <a:buNone/>
-              <a:defRPr sz="1600">
-                <a:solidFill>
-                  <a:schemeClr val="tx1">
-                    <a:tint val="75000"/>
-                  </a:schemeClr>
-                </a:solidFill>
-              </a:defRPr>
-            </a:lvl5pPr>
-            <a:lvl6pPr marL="2286000" indent="0">
-              <a:buNone/>
-              <a:defRPr sz="1600">
-                <a:solidFill>
-                  <a:schemeClr val="tx1">
-                    <a:tint val="75000"/>
-                  </a:schemeClr>
-                </a:solidFill>
-              </a:defRPr>
-            </a:lvl6pPr>
-            <a:lvl7pPr marL="2743200" indent="0">
-              <a:buNone/>
-              <a:defRPr sz="1600">
-                <a:solidFill>
-                  <a:schemeClr val="tx1">
-                    <a:tint val="75000"/>
-                  </a:schemeClr>
-                </a:solidFill>
-              </a:defRPr>
-            </a:lvl7pPr>
-            <a:lvl8pPr marL="3200400" indent="0">
-              <a:buNone/>
-              <a:defRPr sz="1600">
-                <a:solidFill>
-                  <a:schemeClr val="tx1">
-                    <a:tint val="75000"/>
-                  </a:schemeClr>
-                </a:solidFill>
-              </a:defRPr>
-            </a:lvl8pPr>
-            <a:lvl9pPr marL="3657600" indent="0">
-              <a:buNone/>
-              <a:defRPr sz="1600">
-                <a:solidFill>
-                  <a:schemeClr val="tx1">
-                    <a:tint val="75000"/>
-                  </a:schemeClr>
-                </a:solidFill>
-              </a:defRPr>
-            </a:lvl9pPr>
-          </a:lstStyle>
-          <a:p>
-            <a:pPr marL="349965" indent="-349965">
-              <a:buFont typeface="Arial"/>
-              <a:buChar char="•"/>
-              <a:defRPr/>
-            </a:pPr>
-            <a:r>
-              <a:rPr lang="en-US" sz="2400" b="0" i="0" u="none" strike="noStrike" cap="none" spc="0">
-                <a:solidFill>
-                  <a:schemeClr val="tx1">
-                    <a:tint val="75000"/>
-                  </a:schemeClr>
-                </a:solidFill>
-                <a:latin typeface="Arial"/>
-                <a:ea typeface="Arial"/>
-                <a:cs typeface="Arial"/>
-              </a:rPr>
-              <a:t>Table Structure – ER Diagram</a:t>
-            </a:r>
-            <a:endParaRPr sz="2400"/>
-          </a:p>
-          <a:p>
-            <a:pPr marL="349965" indent="-349965">
-              <a:buFont typeface="Arial"/>
-              <a:buChar char="•"/>
-              <a:defRPr/>
-            </a:pPr>
-            <a:r>
-              <a:rPr lang="en-US" sz="2400" b="0" i="0" u="none" strike="noStrike" cap="none" spc="0">
-                <a:solidFill>
-                  <a:schemeClr val="tx1">
-                    <a:tint val="75000"/>
-                  </a:schemeClr>
-                </a:solidFill>
-                <a:latin typeface="Arial"/>
-                <a:ea typeface="Arial"/>
-                <a:cs typeface="Arial"/>
-              </a:rPr>
-              <a:t>SQL Query Example</a:t>
-            </a:r>
-            <a:endParaRPr sz="2400"/>
-          </a:p>
-          <a:p>
-            <a:pPr marL="349965" indent="-349965">
-              <a:buFont typeface="Arial"/>
-              <a:buChar char="•"/>
-              <a:defRPr/>
-            </a:pPr>
-            <a:r>
-              <a:rPr lang="en-US" sz="2400" b="0" i="0" u="none" strike="noStrike" cap="none" spc="0">
-                <a:solidFill>
-                  <a:schemeClr val="tx1">
-                    <a:tint val="75000"/>
-                  </a:schemeClr>
-                </a:solidFill>
-                <a:latin typeface="Arial"/>
-                <a:ea typeface="Arial"/>
-                <a:cs typeface="Arial"/>
-              </a:rPr>
-              <a:t>Request to Controller Example</a:t>
-            </a:r>
-            <a:endParaRPr sz="2400"/>
-          </a:p>
-        </p:txBody>
-      </p:sp>
+      </p:pic>
     </p:spTree>
   </p:cSld>
   <p:clrMapOvr>
@@ -6631,7 +6341,7 @@
       </p:grpSpPr>
       <p:sp>
         <p:nvSpPr>
-          <p:cNvPr id="339723803" name="Title 1"/>
+          <p:cNvPr id="1173484331" name="Title 1"/>
           <p:cNvSpPr>
             <a:spLocks noGrp="1"/>
           </p:cNvSpPr>
@@ -6648,8 +6358,8 @@
               <a:defRPr/>
             </a:pPr>
             <a:r>
-              <a:rPr/>
-              <a:t>Table Structure </a:t>
+              <a:rPr sz="4400"/>
+              <a:t>Request to Controller </a:t>
             </a:r>
             <a:r>
               <a:rPr lang="en-US" sz="4400" b="0" i="0" u="none" strike="noStrike" cap="none" spc="0">
@@ -6663,185 +6373,20 @@
               <a:t>-</a:t>
             </a:r>
             <a:r>
-              <a:rPr/>
-              <a:t> ER diagram</a:t>
-            </a:r>
-            <a:endParaRPr/>
-          </a:p>
-        </p:txBody>
-      </p:sp>
-      <p:sp>
-        <p:nvSpPr>
-          <p:cNvPr id="642605302" name="Content Placeholder 2"/>
-          <p:cNvSpPr>
-            <a:spLocks noGrp="1"/>
-          </p:cNvSpPr>
-          <p:nvPr>
-            <p:ph sz="half" idx="1"/>
-          </p:nvPr>
-        </p:nvSpPr>
-        <p:spPr bwMode="auto">
-          <a:xfrm>
-            <a:off x="838199" y="1825624"/>
-            <a:ext cx="5181599" cy="4351338"/>
-          </a:xfrm>
-        </p:spPr>
-        <p:txBody>
-          <a:bodyPr vertOverflow="overflow" horzOverflow="overflow" vert="horz" wrap="square" lIns="91440" tIns="45720" rIns="91440" bIns="45720" numCol="1" spcCol="0" rtlCol="0" fromWordArt="0" anchor="t" anchorCtr="0" forceAA="0" upright="0" compatLnSpc="0">
-            <a:normAutofit fontScale="85000" lnSpcReduction="3000"/>
-          </a:bodyPr>
-          <a:lstStyle/>
-          <a:p>
-            <a:pPr>
-              <a:defRPr/>
-            </a:pPr>
-            <a:r>
-              <a:rPr/>
-              <a:t>Subscriptions serve to </a:t>
-            </a:r>
-            <a:r>
-              <a:rPr/>
-              <a:t>‘connect’ habit data with users</a:t>
-            </a:r>
-            <a:endParaRPr/>
-          </a:p>
-          <a:p>
-            <a:pPr>
-              <a:defRPr/>
-            </a:pPr>
-            <a:r>
-              <a:rPr/>
-              <a:t>When a user ‘checks off’, i.e. completes a habit (via GUI), a new completion entry will be created.</a:t>
-            </a:r>
-            <a:endParaRPr/>
-          </a:p>
-          <a:p>
-            <a:pPr>
-              <a:defRPr/>
-            </a:pPr>
-            <a:r>
-              <a:rPr/>
-              <a:t>Completions entries can be used to calculate stats for a given subscription and user.</a:t>
-            </a:r>
-            <a:endParaRPr/>
-          </a:p>
-          <a:p>
-            <a:pPr lvl="1">
-              <a:defRPr/>
-            </a:pPr>
-            <a:r>
-              <a:rPr/>
-              <a:t>There are no ‘failed completions’ the success rate is derived by calculating expected completions and the actual completions retrieved via a query.</a:t>
-            </a:r>
-            <a:endParaRPr/>
+              <a:rPr sz="4400"/>
+              <a:t> </a:t>
+            </a:r>
+            <a:r>
+              <a:rPr sz="4400"/>
+              <a:t>Example</a:t>
+            </a:r>
+            <a:endParaRPr sz="4400"/>
           </a:p>
         </p:txBody>
       </p:sp>
       <p:pic>
         <p:nvPicPr>
-          <p:cNvPr id="1527151063" name=""/>
-          <p:cNvPicPr>
-            <a:picLocks noChangeAspect="1"/>
-          </p:cNvPicPr>
-          <p:nvPr>
-            <p:ph sz="half" idx="2"/>
-          </p:nvPr>
-        </p:nvPicPr>
-        <p:blipFill>
-          <a:blip r:embed="rId3"/>
-          <a:stretch/>
-        </p:blipFill>
-        <p:spPr bwMode="auto">
-          <a:xfrm rot="0">
-            <a:off x="6291262" y="1910556"/>
-            <a:ext cx="4943475" cy="4181474"/>
-          </a:xfrm>
-          <a:prstGeom prst="rect">
-            <a:avLst/>
-          </a:prstGeom>
-        </p:spPr>
-      </p:pic>
-    </p:spTree>
-  </p:cSld>
-  <p:clrMapOvr>
-    <a:masterClrMapping/>
-  </p:clrMapOvr>
-  <mc:AlternateContent xmlns:mc="http://schemas.openxmlformats.org/markup-compatibility/2006">
-    <mc:Choice xmlns:p159="http://schemas.microsoft.com/office/powerpoint/2015/09/main" xmlns:p14="http://schemas.microsoft.com/office/powerpoint/2010/main" Requires="p159">
-      <p:transition p14:dur="2000" advClick="1"/>
-    </mc:Choice>
-    <mc:Fallback>
-      <p:transition advClick="1"/>
-    </mc:Fallback>
-  </mc:AlternateContent>
-</p:sld>
-</file>
-
-<file path=ppt/slides/slide15.xml><?xml version="1.0" encoding="utf-8"?>
-<p:sld xmlns:a="http://schemas.openxmlformats.org/drawingml/2006/main" xmlns:r="http://schemas.openxmlformats.org/officeDocument/2006/relationships" xmlns:p="http://schemas.openxmlformats.org/presentationml/2006/main" xmlns:m="http://schemas.openxmlformats.org/officeDocument/2006/math" xmlns:w="http://schemas.openxmlformats.org/wordprocessingml/2006/main" xmlns:mc="http://schemas.openxmlformats.org/markup-compatibility/2006" showMasterPhAnim="0" showMasterSp="1" show="1">
-  <p:cSld name="">
-    <p:spTree>
-      <p:nvGrpSpPr>
-        <p:cNvPr id="1" name=""/>
-        <p:cNvGrpSpPr/>
-        <p:nvPr/>
-      </p:nvGrpSpPr>
-      <p:grpSpPr bwMode="auto">
-        <a:xfrm>
-          <a:off x="0" y="0"/>
-          <a:ext cx="0" cy="0"/>
-          <a:chOff x="0" y="0"/>
-          <a:chExt cx="0" cy="0"/>
-        </a:xfrm>
-      </p:grpSpPr>
-      <p:sp>
-        <p:nvSpPr>
-          <p:cNvPr id="1080926557" name="Title 1"/>
-          <p:cNvSpPr>
-            <a:spLocks noGrp="1"/>
-          </p:cNvSpPr>
-          <p:nvPr>
-            <p:ph type="title"/>
-          </p:nvPr>
-        </p:nvSpPr>
-        <p:spPr bwMode="auto"/>
-        <p:txBody>
-          <a:bodyPr/>
-          <a:lstStyle/>
-          <a:p>
-            <a:pPr>
-              <a:defRPr/>
-            </a:pPr>
-            <a:r>
-              <a:rPr sz="4400"/>
-              <a:t>Request to Controller </a:t>
-            </a:r>
-            <a:r>
-              <a:rPr lang="en-US" sz="4400" b="0" i="0" u="none" strike="noStrike" cap="none" spc="0">
-                <a:solidFill>
-                  <a:schemeClr val="tx1"/>
-                </a:solidFill>
-                <a:latin typeface="+mj-lt"/>
-                <a:ea typeface="+mj-ea"/>
-                <a:cs typeface="+mj-cs"/>
-              </a:rPr>
-              <a:t>-</a:t>
-            </a:r>
-            <a:r>
-              <a:rPr sz="4400"/>
-              <a:t> </a:t>
-            </a:r>
-            <a:r>
-              <a:rPr sz="4400"/>
-              <a:t>Example</a:t>
-            </a:r>
-            <a:endParaRPr sz="4400"/>
-          </a:p>
-        </p:txBody>
-      </p:sp>
-      <p:pic>
-        <p:nvPicPr>
-          <p:cNvPr id="1210900044" name=""/>
+          <p:cNvPr id="1956908681" name=""/>
           <p:cNvPicPr>
             <a:picLocks noChangeAspect="1"/>
           </p:cNvPicPr>
@@ -6853,7 +6398,7 @@
         </p:blipFill>
         <p:spPr bwMode="auto">
           <a:xfrm flipH="0" flipV="0">
-            <a:off x="838199" y="2226781"/>
+            <a:off x="838198" y="2226781"/>
             <a:ext cx="4931521" cy="1413702"/>
           </a:xfrm>
           <a:prstGeom prst="rect">
@@ -6863,7 +6408,7 @@
       </p:pic>
       <p:pic>
         <p:nvPicPr>
-          <p:cNvPr id="1661637807" name=""/>
+          <p:cNvPr id="1284564227" name=""/>
           <p:cNvPicPr>
             <a:picLocks noChangeAspect="1"/>
           </p:cNvPicPr>
@@ -6885,7 +6430,7 @@
       </p:pic>
       <p:pic>
         <p:nvPicPr>
-          <p:cNvPr id="365334675" name=""/>
+          <p:cNvPr id="1629453186" name=""/>
           <p:cNvPicPr>
             <a:picLocks noChangeAspect="1"/>
           </p:cNvPicPr>
@@ -6897,8 +6442,8 @@
         </p:blipFill>
         <p:spPr bwMode="auto">
           <a:xfrm flipH="0" flipV="0">
-            <a:off x="838199" y="4286249"/>
-            <a:ext cx="4952544" cy="1923177"/>
+            <a:off x="838198" y="4286249"/>
+            <a:ext cx="4952543" cy="1923177"/>
           </a:xfrm>
           <a:prstGeom prst="rect">
             <a:avLst/>
@@ -6907,7 +6452,7 @@
       </p:pic>
       <p:sp>
         <p:nvSpPr>
-          <p:cNvPr id="1073708843" name=""/>
+          <p:cNvPr id="331189469" name=""/>
           <p:cNvSpPr/>
           <p:nvPr/>
         </p:nvSpPr>
@@ -6952,7 +6497,7 @@
       </p:sp>
       <p:sp>
         <p:nvSpPr>
-          <p:cNvPr id="1770173994" name=""/>
+          <p:cNvPr id="1806750349" name=""/>
           <p:cNvSpPr/>
           <p:nvPr/>
         </p:nvSpPr>
@@ -6997,14 +6542,14 @@
       </p:sp>
       <p:sp>
         <p:nvSpPr>
-          <p:cNvPr id="529692010" name=""/>
+          <p:cNvPr id="328730553" name=""/>
           <p:cNvSpPr txBox="1"/>
           <p:nvPr/>
         </p:nvSpPr>
         <p:spPr bwMode="auto">
           <a:xfrm flipH="0" flipV="0">
             <a:off x="848472" y="1816805"/>
-            <a:ext cx="2894217" cy="366119"/>
+            <a:ext cx="2894216" cy="366119"/>
           </a:xfrm>
           <a:prstGeom prst="rect">
             <a:avLst/>
@@ -7029,7 +6574,7 @@
       </p:sp>
       <p:sp>
         <p:nvSpPr>
-          <p:cNvPr id="1536571999" name=""/>
+          <p:cNvPr id="779953311" name=""/>
           <p:cNvSpPr txBox="1"/>
           <p:nvPr/>
         </p:nvSpPr>
@@ -7061,7 +6606,7 @@
       </p:sp>
       <p:sp>
         <p:nvSpPr>
-          <p:cNvPr id="1806345313" name=""/>
+          <p:cNvPr id="1579394109" name=""/>
           <p:cNvSpPr txBox="1"/>
           <p:nvPr/>
         </p:nvSpPr>
@@ -7093,7 +6638,7 @@
       </p:sp>
       <p:sp>
         <p:nvSpPr>
-          <p:cNvPr id="2128787456" name=""/>
+          <p:cNvPr id="426817410" name=""/>
           <p:cNvSpPr txBox="1"/>
           <p:nvPr/>
         </p:nvSpPr>
@@ -7129,7 +6674,7 @@
       </p:sp>
       <p:sp>
         <p:nvSpPr>
-          <p:cNvPr id="1761752408" name="Content Placeholder 2"/>
+          <p:cNvPr id="162410095" name="Content Placeholder 2"/>
           <p:cNvSpPr>
             <a:spLocks noGrp="1"/>
           </p:cNvSpPr>
@@ -7375,7 +6920,7 @@
       </p:sp>
       <p:cxnSp>
         <p:nvCxnSpPr>
-          <p:cNvPr id="939378810" name=""/>
+          <p:cNvPr id="17322485" name=""/>
           <p:cNvCxnSpPr/>
           <p:nvPr/>
         </p:nvCxnSpPr>
@@ -7414,7 +6959,7 @@
       </p:cxnSp>
       <p:cxnSp>
         <p:nvCxnSpPr>
-          <p:cNvPr id="1885337346" name=""/>
+          <p:cNvPr id="429734265" name=""/>
           <p:cNvCxnSpPr/>
           <p:nvPr/>
         </p:nvCxnSpPr>
@@ -7467,6 +7012,211 @@
 </p:sld>
 </file>
 
+<file path=ppt/slides/slide15.xml><?xml version="1.0" encoding="utf-8"?>
+<p:sld xmlns:a="http://schemas.openxmlformats.org/drawingml/2006/main" xmlns:r="http://schemas.openxmlformats.org/officeDocument/2006/relationships" xmlns:p="http://schemas.openxmlformats.org/presentationml/2006/main" xmlns:m="http://schemas.openxmlformats.org/officeDocument/2006/math" xmlns:w="http://schemas.openxmlformats.org/wordprocessingml/2006/main" xmlns:mc="http://schemas.openxmlformats.org/markup-compatibility/2006" showMasterPhAnim="0" showMasterSp="1" show="1">
+  <p:cSld name="">
+    <p:spTree>
+      <p:nvGrpSpPr>
+        <p:cNvPr id="1" name=""/>
+        <p:cNvGrpSpPr/>
+        <p:nvPr/>
+      </p:nvGrpSpPr>
+      <p:grpSpPr bwMode="auto">
+        <a:xfrm>
+          <a:off x="0" y="0"/>
+          <a:ext cx="0" cy="0"/>
+          <a:chOff x="0" y="0"/>
+          <a:chExt cx="0" cy="0"/>
+        </a:xfrm>
+      </p:grpSpPr>
+      <p:sp>
+        <p:nvSpPr>
+          <p:cNvPr id="1352144933" name="Title 1"/>
+          <p:cNvSpPr>
+            <a:spLocks noGrp="1"/>
+          </p:cNvSpPr>
+          <p:nvPr>
+            <p:ph type="title"/>
+          </p:nvPr>
+        </p:nvSpPr>
+        <p:spPr bwMode="auto">
+          <a:xfrm>
+            <a:off x="831849" y="1709737"/>
+            <a:ext cx="10515600" cy="2852736"/>
+          </a:xfrm>
+        </p:spPr>
+        <p:txBody>
+          <a:bodyPr anchor="b"/>
+          <a:lstStyle>
+            <a:lvl1pPr>
+              <a:defRPr sz="6000"/>
+            </a:lvl1pPr>
+          </a:lstStyle>
+          <a:p>
+            <a:pPr>
+              <a:defRPr/>
+            </a:pPr>
+            <a:r>
+              <a:rPr/>
+              <a:t>Back-end</a:t>
+            </a:r>
+            <a:endParaRPr/>
+          </a:p>
+        </p:txBody>
+      </p:sp>
+      <p:sp>
+        <p:nvSpPr>
+          <p:cNvPr id="1543992273" name="Text Placeholder 2"/>
+          <p:cNvSpPr>
+            <a:spLocks noGrp="1"/>
+          </p:cNvSpPr>
+          <p:nvPr>
+            <p:ph type="body" idx="1"/>
+          </p:nvPr>
+        </p:nvSpPr>
+        <p:spPr bwMode="auto">
+          <a:xfrm>
+            <a:off x="831849" y="4589462"/>
+            <a:ext cx="10515600" cy="1500186"/>
+          </a:xfrm>
+        </p:spPr>
+        <p:txBody>
+          <a:bodyPr/>
+          <a:lstStyle>
+            <a:lvl1pPr marL="0" indent="0">
+              <a:buNone/>
+              <a:defRPr sz="2400">
+                <a:solidFill>
+                  <a:schemeClr val="tx1">
+                    <a:tint val="75000"/>
+                  </a:schemeClr>
+                </a:solidFill>
+              </a:defRPr>
+            </a:lvl1pPr>
+            <a:lvl2pPr marL="457200" indent="0">
+              <a:buNone/>
+              <a:defRPr sz="2000">
+                <a:solidFill>
+                  <a:schemeClr val="tx1">
+                    <a:tint val="75000"/>
+                  </a:schemeClr>
+                </a:solidFill>
+              </a:defRPr>
+            </a:lvl2pPr>
+            <a:lvl3pPr marL="914400" indent="0">
+              <a:buNone/>
+              <a:defRPr sz="1800">
+                <a:solidFill>
+                  <a:schemeClr val="tx1">
+                    <a:tint val="75000"/>
+                  </a:schemeClr>
+                </a:solidFill>
+              </a:defRPr>
+            </a:lvl3pPr>
+            <a:lvl4pPr marL="1371600" indent="0">
+              <a:buNone/>
+              <a:defRPr sz="1600">
+                <a:solidFill>
+                  <a:schemeClr val="tx1">
+                    <a:tint val="75000"/>
+                  </a:schemeClr>
+                </a:solidFill>
+              </a:defRPr>
+            </a:lvl4pPr>
+            <a:lvl5pPr marL="1828800" indent="0">
+              <a:buNone/>
+              <a:defRPr sz="1600">
+                <a:solidFill>
+                  <a:schemeClr val="tx1">
+                    <a:tint val="75000"/>
+                  </a:schemeClr>
+                </a:solidFill>
+              </a:defRPr>
+            </a:lvl5pPr>
+            <a:lvl6pPr marL="2286000" indent="0">
+              <a:buNone/>
+              <a:defRPr sz="1600">
+                <a:solidFill>
+                  <a:schemeClr val="tx1">
+                    <a:tint val="75000"/>
+                  </a:schemeClr>
+                </a:solidFill>
+              </a:defRPr>
+            </a:lvl6pPr>
+            <a:lvl7pPr marL="2743200" indent="0">
+              <a:buNone/>
+              <a:defRPr sz="1600">
+                <a:solidFill>
+                  <a:schemeClr val="tx1">
+                    <a:tint val="75000"/>
+                  </a:schemeClr>
+                </a:solidFill>
+              </a:defRPr>
+            </a:lvl7pPr>
+            <a:lvl8pPr marL="3200400" indent="0">
+              <a:buNone/>
+              <a:defRPr sz="1600">
+                <a:solidFill>
+                  <a:schemeClr val="tx1">
+                    <a:tint val="75000"/>
+                  </a:schemeClr>
+                </a:solidFill>
+              </a:defRPr>
+            </a:lvl8pPr>
+            <a:lvl9pPr marL="3657600" indent="0">
+              <a:buNone/>
+              <a:defRPr sz="1600">
+                <a:solidFill>
+                  <a:schemeClr val="tx1">
+                    <a:tint val="75000"/>
+                  </a:schemeClr>
+                </a:solidFill>
+              </a:defRPr>
+            </a:lvl9pPr>
+          </a:lstStyle>
+          <a:p>
+            <a:pPr marL="349965" indent="-349965">
+              <a:buFont typeface="Arial"/>
+              <a:buChar char="•"/>
+              <a:defRPr/>
+            </a:pPr>
+            <a:r>
+              <a:rPr/>
+              <a:t>Object Classes &amp; </a:t>
+            </a:r>
+            <a:r>
+              <a:rPr lang="en-US" sz="2400" b="0" i="0" u="none" strike="noStrike" cap="none" spc="0">
+                <a:solidFill>
+                  <a:schemeClr val="tx1">
+                    <a:tint val="75000"/>
+                  </a:schemeClr>
+                </a:solidFill>
+                <a:latin typeface="+mn-lt"/>
+                <a:ea typeface="+mn-ea"/>
+                <a:cs typeface="+mn-cs"/>
+              </a:rPr>
+              <a:t>Request Handler</a:t>
+            </a:r>
+            <a:endParaRPr/>
+          </a:p>
+        </p:txBody>
+      </p:sp>
+    </p:spTree>
+  </p:cSld>
+  <p:clrMapOvr>
+    <a:masterClrMapping/>
+  </p:clrMapOvr>
+  <mc:AlternateContent xmlns:mc="http://schemas.openxmlformats.org/markup-compatibility/2006">
+    <mc:Choice xmlns:p159="http://schemas.microsoft.com/office/powerpoint/2015/09/main" xmlns:p14="http://schemas.microsoft.com/office/powerpoint/2010/main" Requires="p159">
+      <p:transition p14:dur="2000" advClick="1"/>
+    </mc:Choice>
+    <mc:Fallback>
+      <p:transition advClick="1"/>
+    </mc:Fallback>
+  </mc:AlternateContent>
+</p:sld>
+</file>
+
 <file path=ppt/slides/slide16.xml><?xml version="1.0" encoding="utf-8"?>
 <p:sld xmlns:a="http://schemas.openxmlformats.org/drawingml/2006/main" xmlns:r="http://schemas.openxmlformats.org/officeDocument/2006/relationships" xmlns:p="http://schemas.openxmlformats.org/presentationml/2006/main" xmlns:m="http://schemas.openxmlformats.org/officeDocument/2006/math" xmlns:w="http://schemas.openxmlformats.org/wordprocessingml/2006/main" xmlns:mc="http://schemas.openxmlformats.org/markup-compatibility/2006" showMasterPhAnim="0" showMasterSp="1" show="1">
   <p:cSld name="">
@@ -7486,7 +7236,7 @@
       </p:grpSpPr>
       <p:sp>
         <p:nvSpPr>
-          <p:cNvPr id="642609236" name="Title 1"/>
+          <p:cNvPr id="381241502" name="Title 1"/>
           <p:cNvSpPr>
             <a:spLocks noGrp="1"/>
           </p:cNvSpPr>
@@ -7494,163 +7244,53 @@
             <p:ph type="title"/>
           </p:nvPr>
         </p:nvSpPr>
-        <p:spPr bwMode="auto">
-          <a:xfrm>
-            <a:off x="831849" y="1709737"/>
-            <a:ext cx="10515600" cy="2852736"/>
-          </a:xfrm>
-        </p:spPr>
-        <p:txBody>
-          <a:bodyPr anchor="b"/>
-          <a:lstStyle>
-            <a:lvl1pPr>
-              <a:defRPr sz="6000"/>
-            </a:lvl1pPr>
-          </a:lstStyle>
+        <p:spPr bwMode="auto"/>
+        <p:txBody>
+          <a:bodyPr/>
+          <a:lstStyle/>
           <a:p>
             <a:pPr>
               <a:defRPr/>
             </a:pPr>
             <a:r>
               <a:rPr/>
-              <a:t>Back-end</a:t>
-            </a:r>
-            <a:endParaRPr/>
-          </a:p>
-        </p:txBody>
-      </p:sp>
-      <p:sp>
-        <p:nvSpPr>
-          <p:cNvPr id="1178472565" name="Text Placeholder 2"/>
-          <p:cNvSpPr>
-            <a:spLocks noGrp="1"/>
-          </p:cNvSpPr>
-          <p:nvPr>
-            <p:ph type="body" idx="1"/>
-          </p:nvPr>
-        </p:nvSpPr>
-        <p:spPr bwMode="auto">
-          <a:xfrm>
-            <a:off x="831849" y="4589462"/>
-            <a:ext cx="10515600" cy="1500186"/>
-          </a:xfrm>
-        </p:spPr>
+              <a:t>Object Classes</a:t>
+            </a:r>
+            <a:endParaRPr/>
+          </a:p>
+        </p:txBody>
+      </p:sp>
+      <p:sp>
+        <p:nvSpPr>
+          <p:cNvPr id="1655110199" name="Content Placeholder 2"/>
+          <p:cNvSpPr>
+            <a:spLocks noGrp="1"/>
+          </p:cNvSpPr>
+          <p:nvPr>
+            <p:ph idx="1"/>
+          </p:nvPr>
+        </p:nvSpPr>
+        <p:spPr bwMode="auto"/>
         <p:txBody>
           <a:bodyPr/>
-          <a:lstStyle>
-            <a:lvl1pPr marL="0" indent="0">
-              <a:buNone/>
-              <a:defRPr sz="2400">
-                <a:solidFill>
-                  <a:schemeClr val="tx1">
-                    <a:tint val="75000"/>
-                  </a:schemeClr>
-                </a:solidFill>
-              </a:defRPr>
-            </a:lvl1pPr>
-            <a:lvl2pPr marL="457200" indent="0">
-              <a:buNone/>
-              <a:defRPr sz="2000">
-                <a:solidFill>
-                  <a:schemeClr val="tx1">
-                    <a:tint val="75000"/>
-                  </a:schemeClr>
-                </a:solidFill>
-              </a:defRPr>
-            </a:lvl2pPr>
-            <a:lvl3pPr marL="914400" indent="0">
-              <a:buNone/>
-              <a:defRPr sz="1800">
-                <a:solidFill>
-                  <a:schemeClr val="tx1">
-                    <a:tint val="75000"/>
-                  </a:schemeClr>
-                </a:solidFill>
-              </a:defRPr>
-            </a:lvl3pPr>
-            <a:lvl4pPr marL="1371600" indent="0">
-              <a:buNone/>
-              <a:defRPr sz="1600">
-                <a:solidFill>
-                  <a:schemeClr val="tx1">
-                    <a:tint val="75000"/>
-                  </a:schemeClr>
-                </a:solidFill>
-              </a:defRPr>
-            </a:lvl4pPr>
-            <a:lvl5pPr marL="1828800" indent="0">
-              <a:buNone/>
-              <a:defRPr sz="1600">
-                <a:solidFill>
-                  <a:schemeClr val="tx1">
-                    <a:tint val="75000"/>
-                  </a:schemeClr>
-                </a:solidFill>
-              </a:defRPr>
-            </a:lvl5pPr>
-            <a:lvl6pPr marL="2286000" indent="0">
-              <a:buNone/>
-              <a:defRPr sz="1600">
-                <a:solidFill>
-                  <a:schemeClr val="tx1">
-                    <a:tint val="75000"/>
-                  </a:schemeClr>
-                </a:solidFill>
-              </a:defRPr>
-            </a:lvl6pPr>
-            <a:lvl7pPr marL="2743200" indent="0">
-              <a:buNone/>
-              <a:defRPr sz="1600">
-                <a:solidFill>
-                  <a:schemeClr val="tx1">
-                    <a:tint val="75000"/>
-                  </a:schemeClr>
-                </a:solidFill>
-              </a:defRPr>
-            </a:lvl7pPr>
-            <a:lvl8pPr marL="3200400" indent="0">
-              <a:buNone/>
-              <a:defRPr sz="1600">
-                <a:solidFill>
-                  <a:schemeClr val="tx1">
-                    <a:tint val="75000"/>
-                  </a:schemeClr>
-                </a:solidFill>
-              </a:defRPr>
-            </a:lvl8pPr>
-            <a:lvl9pPr marL="3657600" indent="0">
-              <a:buNone/>
-              <a:defRPr sz="1600">
-                <a:solidFill>
-                  <a:schemeClr val="tx1">
-                    <a:tint val="75000"/>
-                  </a:schemeClr>
-                </a:solidFill>
-              </a:defRPr>
-            </a:lvl9pPr>
-          </a:lstStyle>
-          <a:p>
-            <a:pPr marL="349965" indent="-349965">
-              <a:buFont typeface="Arial"/>
-              <a:buChar char="•"/>
+          <a:lstStyle/>
+          <a:p>
+            <a:pPr>
               <a:defRPr/>
             </a:pPr>
             <a:r>
               <a:rPr/>
-              <a:t>Object Classes &amp; </a:t>
-            </a:r>
-            <a:r>
-              <a:rPr lang="en-US" sz="2400" b="0" i="0" u="none" strike="noStrike" cap="none" spc="0">
-                <a:solidFill>
-                  <a:schemeClr val="tx1">
-                    <a:tint val="75000"/>
-                  </a:schemeClr>
-                </a:solidFill>
-                <a:latin typeface="+mn-lt"/>
-                <a:ea typeface="+mn-ea"/>
-                <a:cs typeface="+mn-cs"/>
-              </a:rPr>
-              <a:t>Request Handler</a:t>
+              <a:t>Object classes, as mentioned, consist of Users, HabitData, HabitSubscription (also contains Completion and Periodicity Enum)</a:t>
+            </a:r>
+            <a:endParaRPr/>
+          </a:p>
+          <a:p>
+            <a:pPr>
+              <a:defRPr/>
+            </a:pPr>
+            <a:r>
+              <a:rPr/>
+              <a:t>The “request_handler.py” file is also in the obj folder but follows a functional programming paradigm allowing the aforementioned classes to use it’s functions as necessary.</a:t>
             </a:r>
             <a:endParaRPr/>
           </a:p>
@@ -7691,7 +7331,7 @@
       </p:grpSpPr>
       <p:sp>
         <p:nvSpPr>
-          <p:cNvPr id="766652940" name="Title 1"/>
+          <p:cNvPr id="23644161" name="Title 1"/>
           <p:cNvSpPr>
             <a:spLocks noGrp="1"/>
           </p:cNvSpPr>
@@ -7699,53 +7339,150 @@
             <p:ph type="title"/>
           </p:nvPr>
         </p:nvSpPr>
-        <p:spPr bwMode="auto"/>
+        <p:spPr bwMode="auto">
+          <a:xfrm>
+            <a:off x="831848" y="1709736"/>
+            <a:ext cx="10515600" cy="2852735"/>
+          </a:xfrm>
+        </p:spPr>
+        <p:txBody>
+          <a:bodyPr anchor="b"/>
+          <a:lstStyle>
+            <a:lvl1pPr>
+              <a:defRPr sz="6000"/>
+            </a:lvl1pPr>
+          </a:lstStyle>
+          <a:p>
+            <a:pPr>
+              <a:defRPr/>
+            </a:pPr>
+            <a:r>
+              <a:rPr/>
+              <a:t>Front-end</a:t>
+            </a:r>
+            <a:endParaRPr/>
+          </a:p>
+        </p:txBody>
+      </p:sp>
+      <p:sp>
+        <p:nvSpPr>
+          <p:cNvPr id="840353420" name="Text Placeholder 2"/>
+          <p:cNvSpPr>
+            <a:spLocks noGrp="1"/>
+          </p:cNvSpPr>
+          <p:nvPr>
+            <p:ph type="body" idx="1"/>
+          </p:nvPr>
+        </p:nvSpPr>
+        <p:spPr bwMode="auto">
+          <a:xfrm>
+            <a:off x="831848" y="4589461"/>
+            <a:ext cx="10515600" cy="1500185"/>
+          </a:xfrm>
+        </p:spPr>
         <p:txBody>
           <a:bodyPr/>
-          <a:lstStyle/>
-          <a:p>
-            <a:pPr>
+          <a:lstStyle>
+            <a:lvl1pPr marL="0" indent="0">
+              <a:buNone/>
+              <a:defRPr sz="2400">
+                <a:solidFill>
+                  <a:schemeClr val="tx1">
+                    <a:tint val="75000"/>
+                  </a:schemeClr>
+                </a:solidFill>
+              </a:defRPr>
+            </a:lvl1pPr>
+            <a:lvl2pPr marL="457200" indent="0">
+              <a:buNone/>
+              <a:defRPr sz="2000">
+                <a:solidFill>
+                  <a:schemeClr val="tx1">
+                    <a:tint val="75000"/>
+                  </a:schemeClr>
+                </a:solidFill>
+              </a:defRPr>
+            </a:lvl2pPr>
+            <a:lvl3pPr marL="914400" indent="0">
+              <a:buNone/>
+              <a:defRPr sz="1800">
+                <a:solidFill>
+                  <a:schemeClr val="tx1">
+                    <a:tint val="75000"/>
+                  </a:schemeClr>
+                </a:solidFill>
+              </a:defRPr>
+            </a:lvl3pPr>
+            <a:lvl4pPr marL="1371600" indent="0">
+              <a:buNone/>
+              <a:defRPr sz="1600">
+                <a:solidFill>
+                  <a:schemeClr val="tx1">
+                    <a:tint val="75000"/>
+                  </a:schemeClr>
+                </a:solidFill>
+              </a:defRPr>
+            </a:lvl4pPr>
+            <a:lvl5pPr marL="1828800" indent="0">
+              <a:buNone/>
+              <a:defRPr sz="1600">
+                <a:solidFill>
+                  <a:schemeClr val="tx1">
+                    <a:tint val="75000"/>
+                  </a:schemeClr>
+                </a:solidFill>
+              </a:defRPr>
+            </a:lvl5pPr>
+            <a:lvl6pPr marL="2286000" indent="0">
+              <a:buNone/>
+              <a:defRPr sz="1600">
+                <a:solidFill>
+                  <a:schemeClr val="tx1">
+                    <a:tint val="75000"/>
+                  </a:schemeClr>
+                </a:solidFill>
+              </a:defRPr>
+            </a:lvl6pPr>
+            <a:lvl7pPr marL="2743200" indent="0">
+              <a:buNone/>
+              <a:defRPr sz="1600">
+                <a:solidFill>
+                  <a:schemeClr val="tx1">
+                    <a:tint val="75000"/>
+                  </a:schemeClr>
+                </a:solidFill>
+              </a:defRPr>
+            </a:lvl7pPr>
+            <a:lvl8pPr marL="3200400" indent="0">
+              <a:buNone/>
+              <a:defRPr sz="1600">
+                <a:solidFill>
+                  <a:schemeClr val="tx1">
+                    <a:tint val="75000"/>
+                  </a:schemeClr>
+                </a:solidFill>
+              </a:defRPr>
+            </a:lvl8pPr>
+            <a:lvl9pPr marL="3657600" indent="0">
+              <a:buNone/>
+              <a:defRPr sz="1600">
+                <a:solidFill>
+                  <a:schemeClr val="tx1">
+                    <a:tint val="75000"/>
+                  </a:schemeClr>
+                </a:solidFill>
+              </a:defRPr>
+            </a:lvl9pPr>
+          </a:lstStyle>
+          <a:p>
+            <a:pPr marL="349965" indent="-349965">
+              <a:buFont typeface="Arial"/>
+              <a:buChar char="•"/>
               <a:defRPr/>
             </a:pPr>
             <a:r>
               <a:rPr/>
-              <a:t>Object Classes</a:t>
-            </a:r>
-            <a:endParaRPr/>
-          </a:p>
-        </p:txBody>
-      </p:sp>
-      <p:sp>
-        <p:nvSpPr>
-          <p:cNvPr id="2034619089" name="Content Placeholder 2"/>
-          <p:cNvSpPr>
-            <a:spLocks noGrp="1"/>
-          </p:cNvSpPr>
-          <p:nvPr>
-            <p:ph idx="1"/>
-          </p:nvPr>
-        </p:nvSpPr>
-        <p:spPr bwMode="auto"/>
-        <p:txBody>
-          <a:bodyPr/>
-          <a:lstStyle/>
-          <a:p>
-            <a:pPr>
-              <a:defRPr/>
-            </a:pPr>
-            <a:r>
-              <a:rPr/>
-              <a:t>Object classes, as mentioned, consist of Users, HabitData, HabitSubscription (also contains Completion and Periodicity Enum)</a:t>
-            </a:r>
-            <a:endParaRPr/>
-          </a:p>
-          <a:p>
-            <a:pPr>
-              <a:defRPr/>
-            </a:pPr>
-            <a:r>
-              <a:rPr/>
-              <a:t>The “request_handler.py” file is also in the obj folder but follows a functional programming paradigm allowing the aforementioned classes to use it’s functions as necessary.</a:t>
+              <a:t>GUI Class Setup</a:t>
             </a:r>
             <a:endParaRPr/>
           </a:p>
@@ -7786,7 +7523,7 @@
       </p:grpSpPr>
       <p:sp>
         <p:nvSpPr>
-          <p:cNvPr id="532459110" name="Title 1"/>
+          <p:cNvPr id="1785131203" name="Title 1"/>
           <p:cNvSpPr>
             <a:spLocks noGrp="1"/>
           </p:cNvSpPr>
@@ -7794,145 +7531,12 @@
             <p:ph type="title"/>
           </p:nvPr>
         </p:nvSpPr>
-        <p:spPr bwMode="auto">
-          <a:xfrm>
-            <a:off x="831848" y="1709736"/>
-            <a:ext cx="10515600" cy="2852735"/>
-          </a:xfrm>
-        </p:spPr>
-        <p:txBody>
-          <a:bodyPr anchor="b"/>
-          <a:lstStyle>
-            <a:lvl1pPr>
-              <a:defRPr sz="6000"/>
-            </a:lvl1pPr>
-          </a:lstStyle>
-          <a:p>
-            <a:pPr>
-              <a:defRPr/>
-            </a:pPr>
-            <a:r>
-              <a:rPr/>
-              <a:t>Front-end</a:t>
-            </a:r>
-            <a:endParaRPr/>
-          </a:p>
-        </p:txBody>
-      </p:sp>
-      <p:sp>
-        <p:nvSpPr>
-          <p:cNvPr id="1945576113" name="Text Placeholder 2"/>
-          <p:cNvSpPr>
-            <a:spLocks noGrp="1"/>
-          </p:cNvSpPr>
-          <p:nvPr>
-            <p:ph type="body" idx="1"/>
-          </p:nvPr>
-        </p:nvSpPr>
-        <p:spPr bwMode="auto">
-          <a:xfrm>
-            <a:off x="831848" y="4589461"/>
-            <a:ext cx="10515600" cy="1500185"/>
-          </a:xfrm>
-        </p:spPr>
+        <p:spPr bwMode="auto"/>
         <p:txBody>
           <a:bodyPr/>
-          <a:lstStyle>
-            <a:lvl1pPr marL="0" indent="0">
-              <a:buNone/>
-              <a:defRPr sz="2400">
-                <a:solidFill>
-                  <a:schemeClr val="tx1">
-                    <a:tint val="75000"/>
-                  </a:schemeClr>
-                </a:solidFill>
-              </a:defRPr>
-            </a:lvl1pPr>
-            <a:lvl2pPr marL="457200" indent="0">
-              <a:buNone/>
-              <a:defRPr sz="2000">
-                <a:solidFill>
-                  <a:schemeClr val="tx1">
-                    <a:tint val="75000"/>
-                  </a:schemeClr>
-                </a:solidFill>
-              </a:defRPr>
-            </a:lvl2pPr>
-            <a:lvl3pPr marL="914400" indent="0">
-              <a:buNone/>
-              <a:defRPr sz="1800">
-                <a:solidFill>
-                  <a:schemeClr val="tx1">
-                    <a:tint val="75000"/>
-                  </a:schemeClr>
-                </a:solidFill>
-              </a:defRPr>
-            </a:lvl3pPr>
-            <a:lvl4pPr marL="1371600" indent="0">
-              <a:buNone/>
-              <a:defRPr sz="1600">
-                <a:solidFill>
-                  <a:schemeClr val="tx1">
-                    <a:tint val="75000"/>
-                  </a:schemeClr>
-                </a:solidFill>
-              </a:defRPr>
-            </a:lvl4pPr>
-            <a:lvl5pPr marL="1828800" indent="0">
-              <a:buNone/>
-              <a:defRPr sz="1600">
-                <a:solidFill>
-                  <a:schemeClr val="tx1">
-                    <a:tint val="75000"/>
-                  </a:schemeClr>
-                </a:solidFill>
-              </a:defRPr>
-            </a:lvl5pPr>
-            <a:lvl6pPr marL="2286000" indent="0">
-              <a:buNone/>
-              <a:defRPr sz="1600">
-                <a:solidFill>
-                  <a:schemeClr val="tx1">
-                    <a:tint val="75000"/>
-                  </a:schemeClr>
-                </a:solidFill>
-              </a:defRPr>
-            </a:lvl6pPr>
-            <a:lvl7pPr marL="2743200" indent="0">
-              <a:buNone/>
-              <a:defRPr sz="1600">
-                <a:solidFill>
-                  <a:schemeClr val="tx1">
-                    <a:tint val="75000"/>
-                  </a:schemeClr>
-                </a:solidFill>
-              </a:defRPr>
-            </a:lvl7pPr>
-            <a:lvl8pPr marL="3200400" indent="0">
-              <a:buNone/>
-              <a:defRPr sz="1600">
-                <a:solidFill>
-                  <a:schemeClr val="tx1">
-                    <a:tint val="75000"/>
-                  </a:schemeClr>
-                </a:solidFill>
-              </a:defRPr>
-            </a:lvl8pPr>
-            <a:lvl9pPr marL="3657600" indent="0">
-              <a:buNone/>
-              <a:defRPr sz="1600">
-                <a:solidFill>
-                  <a:schemeClr val="tx1">
-                    <a:tint val="75000"/>
-                  </a:schemeClr>
-                </a:solidFill>
-              </a:defRPr>
-            </a:lvl9pPr>
-          </a:lstStyle>
-          <a:p>
-            <a:pPr marL="349965" indent="-349965">
-              <a:buFont typeface="Arial"/>
-              <a:buChar char="•"/>
+          <a:lstStyle/>
+          <a:p>
+            <a:pPr>
               <a:defRPr/>
             </a:pPr>
             <a:r>
@@ -7943,68 +7547,9 @@
           </a:p>
         </p:txBody>
       </p:sp>
-    </p:spTree>
-  </p:cSld>
-  <p:clrMapOvr>
-    <a:masterClrMapping/>
-  </p:clrMapOvr>
-  <mc:AlternateContent xmlns:mc="http://schemas.openxmlformats.org/markup-compatibility/2006">
-    <mc:Choice xmlns:p159="http://schemas.microsoft.com/office/powerpoint/2015/09/main" xmlns:p14="http://schemas.microsoft.com/office/powerpoint/2010/main" Requires="p159">
-      <p:transition p14:dur="2000" advClick="1"/>
-    </mc:Choice>
-    <mc:Fallback>
-      <p:transition advClick="1"/>
-    </mc:Fallback>
-  </mc:AlternateContent>
-</p:sld>
-</file>
-
-<file path=ppt/slides/slide19.xml><?xml version="1.0" encoding="utf-8"?>
-<p:sld xmlns:a="http://schemas.openxmlformats.org/drawingml/2006/main" xmlns:r="http://schemas.openxmlformats.org/officeDocument/2006/relationships" xmlns:p="http://schemas.openxmlformats.org/presentationml/2006/main" xmlns:m="http://schemas.openxmlformats.org/officeDocument/2006/math" xmlns:w="http://schemas.openxmlformats.org/wordprocessingml/2006/main" xmlns:mc="http://schemas.openxmlformats.org/markup-compatibility/2006" showMasterPhAnim="0" showMasterSp="1" show="1">
-  <p:cSld name="">
-    <p:spTree>
-      <p:nvGrpSpPr>
-        <p:cNvPr id="1" name=""/>
-        <p:cNvGrpSpPr/>
-        <p:nvPr/>
-      </p:nvGrpSpPr>
-      <p:grpSpPr bwMode="auto">
-        <a:xfrm>
-          <a:off x="0" y="0"/>
-          <a:ext cx="0" cy="0"/>
-          <a:chOff x="0" y="0"/>
-          <a:chExt cx="0" cy="0"/>
-        </a:xfrm>
-      </p:grpSpPr>
-      <p:sp>
-        <p:nvSpPr>
-          <p:cNvPr id="1569982475" name="Title 1"/>
-          <p:cNvSpPr>
-            <a:spLocks noGrp="1"/>
-          </p:cNvSpPr>
-          <p:nvPr>
-            <p:ph type="title"/>
-          </p:nvPr>
-        </p:nvSpPr>
-        <p:spPr bwMode="auto"/>
-        <p:txBody>
-          <a:bodyPr/>
-          <a:lstStyle/>
-          <a:p>
-            <a:pPr>
-              <a:defRPr/>
-            </a:pPr>
-            <a:r>
-              <a:rPr/>
-              <a:t>GUI Class Setup</a:t>
-            </a:r>
-            <a:endParaRPr/>
-          </a:p>
-        </p:txBody>
-      </p:sp>
-      <p:sp>
-        <p:nvSpPr>
-          <p:cNvPr id="2122429913" name="Content Placeholder 2"/>
+      <p:sp>
+        <p:nvSpPr>
+          <p:cNvPr id="494716129" name="Content Placeholder 2"/>
           <p:cNvSpPr>
             <a:spLocks noGrp="1"/>
           </p:cNvSpPr>
@@ -8083,7 +7628,7 @@
       </p:grpSpPr>
       <p:sp>
         <p:nvSpPr>
-          <p:cNvPr id="995396701" name="Title 1"/>
+          <p:cNvPr id="715948322" name="Title 1"/>
           <p:cNvSpPr>
             <a:spLocks noGrp="1"/>
           </p:cNvSpPr>
@@ -8109,7 +7654,7 @@
       </p:sp>
       <p:sp>
         <p:nvSpPr>
-          <p:cNvPr id="1595183573" name="Content Placeholder 2"/>
+          <p:cNvPr id="236723347" name="Content Placeholder 2"/>
           <p:cNvSpPr>
             <a:spLocks noGrp="1"/>
           </p:cNvSpPr>
@@ -8119,7 +7664,7 @@
         </p:nvSpPr>
         <p:spPr bwMode="auto">
           <a:xfrm flipH="0" flipV="0">
-            <a:off x="838199" y="1825624"/>
+            <a:off x="838198" y="1825624"/>
             <a:ext cx="10515600" cy="4556124"/>
           </a:xfrm>
         </p:spPr>
@@ -8349,7 +7894,7 @@
       </p:grpSpPr>
       <p:sp>
         <p:nvSpPr>
-          <p:cNvPr id="561479187" name="Title 1"/>
+          <p:cNvPr id="1788965237" name="Title 1"/>
           <p:cNvSpPr>
             <a:spLocks noGrp="1"/>
           </p:cNvSpPr>
@@ -8384,7 +7929,7 @@
       </p:sp>
       <p:sp>
         <p:nvSpPr>
-          <p:cNvPr id="1451689806" name="Text Placeholder 2"/>
+          <p:cNvPr id="801251697" name="Text Placeholder 2"/>
           <p:cNvSpPr>
             <a:spLocks noGrp="1"/>
           </p:cNvSpPr>
@@ -8594,7 +8139,7 @@
       </p:grpSpPr>
       <p:sp>
         <p:nvSpPr>
-          <p:cNvPr id="692755015" name="Title 1"/>
+          <p:cNvPr id="104337095" name="Title 1"/>
           <p:cNvSpPr>
             <a:spLocks noGrp="1"/>
           </p:cNvSpPr>
@@ -8620,7 +8165,7 @@
       </p:sp>
       <p:sp>
         <p:nvSpPr>
-          <p:cNvPr id="117488113" name="Content Placeholder 2"/>
+          <p:cNvPr id="1212944480" name="Content Placeholder 2"/>
           <p:cNvSpPr>
             <a:spLocks noGrp="1"/>
           </p:cNvSpPr>
@@ -8762,7 +8307,7 @@
       </p:sp>
       <p:sp>
         <p:nvSpPr>
-          <p:cNvPr id="351530101" name=""/>
+          <p:cNvPr id="932924735" name=""/>
           <p:cNvSpPr txBox="1"/>
           <p:nvPr/>
         </p:nvSpPr>
@@ -8838,7 +8383,7 @@
       </p:grpSpPr>
       <p:sp>
         <p:nvSpPr>
-          <p:cNvPr id="921299062" name="Title 1"/>
+          <p:cNvPr id="504508605" name="Title 1"/>
           <p:cNvSpPr>
             <a:spLocks noGrp="1"/>
           </p:cNvSpPr>
@@ -8871,7 +8416,7 @@
       </p:sp>
       <p:sp>
         <p:nvSpPr>
-          <p:cNvPr id="1107644567" name="Content Placeholder 2"/>
+          <p:cNvPr id="620070105" name="Content Placeholder 2"/>
           <p:cNvSpPr>
             <a:spLocks noGrp="1"/>
           </p:cNvSpPr>
@@ -8881,7 +8426,7 @@
         </p:nvSpPr>
         <p:spPr bwMode="auto">
           <a:xfrm flipH="0" flipV="0">
-            <a:off x="838199" y="1737430"/>
+            <a:off x="838198" y="1737430"/>
             <a:ext cx="10515600" cy="4594930"/>
           </a:xfrm>
         </p:spPr>
@@ -9083,7 +8628,7 @@
       </p:grpSpPr>
       <p:sp>
         <p:nvSpPr>
-          <p:cNvPr id="399480709" name="Title 1"/>
+          <p:cNvPr id="83833233" name="Title 1"/>
           <p:cNvSpPr>
             <a:spLocks noGrp="1"/>
           </p:cNvSpPr>
@@ -9109,7 +8654,7 @@
       </p:sp>
       <p:sp>
         <p:nvSpPr>
-          <p:cNvPr id="1287544649" name="Content Placeholder 2"/>
+          <p:cNvPr id="588461175" name="Content Placeholder 2"/>
           <p:cNvSpPr>
             <a:spLocks noGrp="1"/>
           </p:cNvSpPr>
@@ -9119,7 +8664,7 @@
         </p:nvSpPr>
         <p:spPr bwMode="auto">
           <a:xfrm flipH="0" flipV="0">
-            <a:off x="838199" y="1690687"/>
+            <a:off x="838198" y="1690687"/>
             <a:ext cx="10515600" cy="1978200"/>
           </a:xfrm>
         </p:spPr>
@@ -9156,7 +8701,7 @@
       </p:sp>
       <p:pic>
         <p:nvPicPr>
-          <p:cNvPr id="1588829265" name=""/>
+          <p:cNvPr id="1188618599" name=""/>
           <p:cNvPicPr>
             <a:picLocks noChangeAspect="1"/>
           </p:cNvPicPr>
@@ -9168,7 +8713,7 @@
         </p:blipFill>
         <p:spPr bwMode="auto">
           <a:xfrm flipH="0" flipV="0">
-            <a:off x="838199" y="3733161"/>
+            <a:off x="838198" y="3733161"/>
             <a:ext cx="10515600" cy="2767295"/>
           </a:xfrm>
           <a:prstGeom prst="rect">
@@ -9211,7 +8756,7 @@
       </p:grpSpPr>
       <p:sp>
         <p:nvSpPr>
-          <p:cNvPr id="778190493" name="Title 1"/>
+          <p:cNvPr id="1685952488" name="Title 1"/>
           <p:cNvSpPr>
             <a:spLocks noGrp="1"/>
           </p:cNvSpPr>
@@ -9246,7 +8791,7 @@
       </p:sp>
       <p:sp>
         <p:nvSpPr>
-          <p:cNvPr id="2068521988" name="Text Placeholder 2"/>
+          <p:cNvPr id="406290232" name="Text Placeholder 2"/>
           <p:cNvSpPr>
             <a:spLocks noGrp="1"/>
           </p:cNvSpPr>
@@ -9369,13 +8914,13 @@
                     <a:tint val="75000"/>
                   </a:schemeClr>
                 </a:solidFill>
-                <a:latin typeface="Arial"/>
-                <a:ea typeface="Arial"/>
-                <a:cs typeface="Arial"/>
+                <a:latin typeface="+mn-lt"/>
+                <a:ea typeface="+mn-ea"/>
+                <a:cs typeface="+mn-cs"/>
               </a:rPr>
-              <a:t>Features</a:t>
-            </a:r>
-            <a:endParaRPr sz="2400"/>
+              <a:t>I recommend reading the usage instructions via the GitHub’s Readme, mirrored here for  content completion.</a:t>
+            </a:r>
+            <a:endParaRPr/>
           </a:p>
           <a:p>
             <a:pPr marL="349965" indent="-349965">
@@ -9390,34 +8935,13 @@
                     <a:tint val="75000"/>
                   </a:schemeClr>
                 </a:solidFill>
-                <a:latin typeface="Arial"/>
-                <a:ea typeface="Arial"/>
-                <a:cs typeface="Arial"/>
+                <a:latin typeface="+mn-lt"/>
+                <a:ea typeface="+mn-ea"/>
+                <a:cs typeface="+mn-cs"/>
               </a:rPr>
-              <a:t>Structure</a:t>
-            </a:r>
-            <a:endParaRPr sz="2400"/>
-          </a:p>
-          <a:p>
-            <a:pPr marL="349965" indent="-349965">
-              <a:buFont typeface="Arial"/>
-              <a:buChar char="•"/>
-              <a:defRPr/>
-            </a:pPr>
-            <a:r>
-              <a:rPr lang="en-US" sz="2400" b="0" i="0" u="none" strike="noStrike" cap="none" spc="0">
-                <a:solidFill>
-                  <a:schemeClr val="tx1">
-                    <a:tint val="75000"/>
-                  </a:schemeClr>
-                </a:solidFill>
-                <a:latin typeface="Arial"/>
-                <a:ea typeface="Arial"/>
-                <a:cs typeface="Arial"/>
-              </a:rPr>
-              <a:t>Data Flow</a:t>
-            </a:r>
-            <a:endParaRPr sz="2400"/>
+              <a:t>The chapters after this one include more detailed information about how the project works.</a:t>
+            </a:r>
+            <a:endParaRPr/>
           </a:p>
         </p:txBody>
       </p:sp>
@@ -9456,7 +8980,7 @@
       </p:grpSpPr>
       <p:sp>
         <p:nvSpPr>
-          <p:cNvPr id="1228792809" name="Title 1"/>
+          <p:cNvPr id="840969598" name="Title 1"/>
           <p:cNvSpPr>
             <a:spLocks noGrp="1"/>
           </p:cNvSpPr>
@@ -9474,58 +8998,427 @@
             </a:pPr>
             <a:r>
               <a:rPr/>
-              <a:t>Usage</a:t>
-            </a:r>
-            <a:endParaRPr/>
-          </a:p>
-        </p:txBody>
-      </p:sp>
-      <p:sp>
-        <p:nvSpPr>
-          <p:cNvPr id="260158337" name="Content Placeholder 2"/>
-          <p:cNvSpPr>
-            <a:spLocks noGrp="1"/>
-          </p:cNvSpPr>
-          <p:nvPr>
-            <p:ph idx="1"/>
-          </p:nvPr>
-        </p:nvSpPr>
-        <p:spPr bwMode="auto"/>
-        <p:txBody>
-          <a:bodyPr/>
-          <a:lstStyle/>
-          <a:p>
-            <a:pPr>
-              <a:defRPr/>
-            </a:pPr>
-            <a:r>
-              <a:rPr/>
-              <a:t>I recommend reading the usage instructions via the GitHub’s Readme, mirrored here for  content completion.</a:t>
-            </a:r>
-            <a:endParaRPr/>
-          </a:p>
-          <a:p>
-            <a:pPr>
-              <a:defRPr/>
-            </a:pPr>
-            <a:r>
-              <a:rPr/>
-              <a:t>The following 4 slides will explain the usage instructions.</a:t>
-            </a:r>
-            <a:endParaRPr/>
-          </a:p>
-          <a:p>
-            <a:pPr>
-              <a:defRPr/>
-            </a:pPr>
-            <a:r>
-              <a:rPr/>
-              <a:t>The chapters after this one include more detailed information about how the project works.</a:t>
-            </a:r>
-            <a:endParaRPr/>
-          </a:p>
-        </p:txBody>
-      </p:sp>
+              <a:t>Launch the App &amp; Register or Login</a:t>
+            </a:r>
+            <a:endParaRPr/>
+          </a:p>
+        </p:txBody>
+      </p:sp>
+      <p:sp>
+        <p:nvSpPr>
+          <p:cNvPr id="769309613" name=""/>
+          <p:cNvSpPr/>
+          <p:nvPr/>
+        </p:nvSpPr>
+        <p:spPr bwMode="auto">
+          <a:xfrm flipH="0" flipV="0">
+            <a:off x="838198" y="1595437"/>
+            <a:ext cx="10301070" cy="2271119"/>
+          </a:xfrm>
+        </p:spPr>
+        <p:txBody>
+          <a:bodyPr rot="0" spcFirstLastPara="0" vertOverflow="overflow" horzOverflow="overflow" vert="horz" wrap="square" lIns="91440" tIns="45720" rIns="91440" bIns="45720" numCol="1" spcCol="0" rtlCol="0" fromWordArt="0" anchor="t" anchorCtr="0" forceAA="0" upright="0" compatLnSpc="1">
+            <a:prstTxWarp prst="textNoShape"/>
+            <a:spAutoFit/>
+          </a:bodyPr>
+          <a:p>
+            <a:pPr>
+              <a:defRPr/>
+            </a:pPr>
+            <a:r>
+              <a:rPr sz="1600" b="1" i="0" u="none">
+                <a:solidFill>
+                  <a:srgbClr val="000000"/>
+                </a:solidFill>
+                <a:latin typeface="Arial"/>
+                <a:ea typeface="Arial"/>
+                <a:cs typeface="Arial"/>
+              </a:rPr>
+              <a:t>Launch the application</a:t>
+            </a:r>
+            <a:endParaRPr sz="1400" b="1" i="0" u="none">
+              <a:solidFill>
+                <a:srgbClr val="000000"/>
+              </a:solidFill>
+              <a:latin typeface="Arial"/>
+              <a:cs typeface="Arial"/>
+            </a:endParaRPr>
+          </a:p>
+          <a:p>
+            <a:pPr marL="217792" indent="-217792">
+              <a:buFont typeface="Arial"/>
+              <a:buChar char="•"/>
+              <a:defRPr/>
+            </a:pPr>
+            <a:r>
+              <a:rPr sz="1400" b="0" i="0" u="none">
+                <a:solidFill>
+                  <a:srgbClr val="000000"/>
+                </a:solidFill>
+                <a:latin typeface="Arial"/>
+                <a:ea typeface="Arial"/>
+                <a:cs typeface="Arial"/>
+              </a:rPr>
+              <a:t>Installation guide in repository’s Readme.</a:t>
+            </a:r>
+            <a:endParaRPr sz="1400" b="0" i="0" u="none">
+              <a:solidFill>
+                <a:srgbClr val="000000"/>
+              </a:solidFill>
+              <a:latin typeface="Arial"/>
+              <a:cs typeface="Arial"/>
+            </a:endParaRPr>
+          </a:p>
+          <a:p>
+            <a:pPr marL="217792" indent="-217792">
+              <a:buFont typeface="Arial"/>
+              <a:buChar char="•"/>
+              <a:defRPr/>
+            </a:pPr>
+            <a:r>
+              <a:rPr sz="1400" b="0" i="0" u="none">
+                <a:solidFill>
+                  <a:srgbClr val="000000"/>
+                </a:solidFill>
+                <a:latin typeface="Arial"/>
+                <a:ea typeface="Arial"/>
+                <a:cs typeface="Arial"/>
+              </a:rPr>
+              <a:t>Use the </a:t>
+            </a:r>
+            <a:r>
+              <a:rPr sz="1400" b="0" i="0" u="none">
+                <a:solidFill>
+                  <a:srgbClr val="000000"/>
+                </a:solidFill>
+                <a:latin typeface="Arial"/>
+                <a:ea typeface="Arial"/>
+                <a:cs typeface="Arial"/>
+              </a:rPr>
+              <a:t>--debug</a:t>
+            </a:r>
+            <a:r>
+              <a:rPr sz="1400" b="0" i="0" u="none">
+                <a:solidFill>
+                  <a:srgbClr val="000000"/>
+                </a:solidFill>
+                <a:latin typeface="Arial"/>
+                <a:ea typeface="Arial"/>
+                <a:cs typeface="Arial"/>
+              </a:rPr>
+              <a:t> argument to utilize test data.</a:t>
+            </a:r>
+            <a:endParaRPr>
+              <a:latin typeface="Arial"/>
+              <a:cs typeface="Arial"/>
+            </a:endParaRPr>
+          </a:p>
+          <a:p>
+            <a:pPr>
+              <a:defRPr/>
+            </a:pPr>
+            <a:r>
+              <a:rPr sz="1600" b="1" i="0" u="none">
+                <a:solidFill>
+                  <a:srgbClr val="000000"/>
+                </a:solidFill>
+                <a:latin typeface="Arial"/>
+                <a:ea typeface="Arial"/>
+                <a:cs typeface="Arial"/>
+              </a:rPr>
+              <a:t>Log </a:t>
+            </a:r>
+            <a:r>
+              <a:rPr sz="1600" b="1" i="0" u="none">
+                <a:solidFill>
+                  <a:srgbClr val="000000"/>
+                </a:solidFill>
+                <a:latin typeface="Arial"/>
+                <a:ea typeface="Arial"/>
+                <a:cs typeface="Arial"/>
+              </a:rPr>
+              <a:t>in or register a user</a:t>
+            </a:r>
+            <a:endParaRPr>
+              <a:latin typeface="Arial"/>
+              <a:cs typeface="Arial"/>
+            </a:endParaRPr>
+          </a:p>
+          <a:p>
+            <a:pPr marL="217793" indent="-217793">
+              <a:buFont typeface="Arial"/>
+              <a:buChar char="•"/>
+              <a:defRPr/>
+            </a:pPr>
+            <a:r>
+              <a:rPr sz="1400" b="0" i="0" u="none">
+                <a:solidFill>
+                  <a:srgbClr val="000000"/>
+                </a:solidFill>
+                <a:latin typeface="Arial"/>
+                <a:ea typeface="Arial"/>
+                <a:cs typeface="Arial"/>
+              </a:rPr>
+              <a:t>Users </a:t>
+            </a:r>
+            <a:r>
+              <a:rPr sz="1400" b="0" i="0" u="none">
+                <a:solidFill>
+                  <a:srgbClr val="000000"/>
+                </a:solidFill>
+                <a:latin typeface="Arial"/>
+                <a:ea typeface="Arial"/>
+                <a:cs typeface="Arial"/>
+              </a:rPr>
+              <a:t>alice</a:t>
+            </a:r>
+            <a:r>
+              <a:rPr sz="1400" b="0" i="0" u="none">
+                <a:solidFill>
+                  <a:srgbClr val="000000"/>
+                </a:solidFill>
+                <a:latin typeface="Arial"/>
+                <a:ea typeface="Arial"/>
+                <a:cs typeface="Arial"/>
+              </a:rPr>
+              <a:t> &amp; </a:t>
+            </a:r>
+            <a:r>
+              <a:rPr sz="1400" b="0" i="0" u="none">
+                <a:solidFill>
+                  <a:srgbClr val="000000"/>
+                </a:solidFill>
+                <a:latin typeface="Arial"/>
+                <a:ea typeface="Arial"/>
+                <a:cs typeface="Arial"/>
+              </a:rPr>
+              <a:t>bob</a:t>
+            </a:r>
+            <a:r>
+              <a:rPr sz="1400" b="0" i="0" u="none">
+                <a:solidFill>
+                  <a:srgbClr val="000000"/>
+                </a:solidFill>
+                <a:latin typeface="Arial"/>
+                <a:ea typeface="Arial"/>
+                <a:cs typeface="Arial"/>
+              </a:rPr>
+              <a:t> are provided when using the test data.</a:t>
+            </a:r>
+            <a:endParaRPr sz="1400">
+              <a:latin typeface="Arial"/>
+              <a:cs typeface="Arial"/>
+            </a:endParaRPr>
+          </a:p>
+          <a:p>
+            <a:pPr marL="217793" indent="-217793">
+              <a:buFont typeface="Arial"/>
+              <a:buChar char="•"/>
+              <a:defRPr/>
+            </a:pPr>
+            <a:r>
+              <a:rPr sz="1400" b="0" i="0" u="none">
+                <a:solidFill>
+                  <a:srgbClr val="000000"/>
+                </a:solidFill>
+                <a:latin typeface="Arial"/>
+                <a:ea typeface="Arial"/>
+                <a:cs typeface="Arial"/>
+              </a:rPr>
+              <a:t>Password for both is simply 'password123'.</a:t>
+            </a:r>
+            <a:endParaRPr sz="1400">
+              <a:latin typeface="Arial"/>
+              <a:cs typeface="Arial"/>
+            </a:endParaRPr>
+          </a:p>
+          <a:p>
+            <a:pPr marL="217793" indent="-217793">
+              <a:buFont typeface="Arial"/>
+              <a:buChar char="•"/>
+              <a:defRPr/>
+            </a:pPr>
+            <a:r>
+              <a:rPr sz="1400" b="0" i="0" u="none">
+                <a:solidFill>
+                  <a:srgbClr val="000000"/>
+                </a:solidFill>
+                <a:latin typeface="Arial"/>
+                <a:ea typeface="Arial"/>
+                <a:cs typeface="Arial"/>
+              </a:rPr>
+              <a:t>The login information is also shown in the Terminal log when using the </a:t>
+            </a:r>
+            <a:r>
+              <a:rPr sz="1400" b="0" i="0" u="none">
+                <a:solidFill>
+                  <a:srgbClr val="000000"/>
+                </a:solidFill>
+                <a:latin typeface="Arial"/>
+                <a:ea typeface="Arial"/>
+                <a:cs typeface="Arial"/>
+              </a:rPr>
+              <a:t>--debug</a:t>
+            </a:r>
+            <a:r>
+              <a:rPr sz="1400" b="0" i="0" u="none">
+                <a:solidFill>
+                  <a:srgbClr val="000000"/>
+                </a:solidFill>
+                <a:latin typeface="Arial"/>
+                <a:ea typeface="Arial"/>
+                <a:cs typeface="Arial"/>
+              </a:rPr>
+              <a:t> argument.</a:t>
+            </a:r>
+            <a:endParaRPr sz="1400">
+              <a:latin typeface="Arial"/>
+              <a:cs typeface="Arial"/>
+            </a:endParaRPr>
+          </a:p>
+          <a:p>
+            <a:pPr marL="217793" indent="-217793">
+              <a:buFont typeface="Arial"/>
+              <a:buChar char="•"/>
+              <a:defRPr/>
+            </a:pPr>
+            <a:r>
+              <a:rPr sz="1400" b="0" i="0" u="none">
+                <a:solidFill>
+                  <a:srgbClr val="000000"/>
+                </a:solidFill>
+                <a:latin typeface="Arial"/>
+                <a:ea typeface="Arial"/>
+                <a:cs typeface="Arial"/>
+              </a:rPr>
+              <a:t>The </a:t>
+            </a:r>
+            <a:r>
+              <a:rPr sz="1400" b="0" i="0" u="none">
+                <a:solidFill>
+                  <a:srgbClr val="000000"/>
+                </a:solidFill>
+                <a:latin typeface="Arial"/>
+                <a:ea typeface="Arial"/>
+                <a:cs typeface="Arial"/>
+              </a:rPr>
+              <a:t>Login</a:t>
+            </a:r>
+            <a:r>
+              <a:rPr sz="1400" b="0" i="0" u="none">
+                <a:solidFill>
+                  <a:srgbClr val="000000"/>
+                </a:solidFill>
+                <a:latin typeface="Arial"/>
+                <a:ea typeface="Arial"/>
+                <a:cs typeface="Arial"/>
+              </a:rPr>
+              <a:t>/</a:t>
+            </a:r>
+            <a:r>
+              <a:rPr sz="1400" b="0" i="0" u="none">
+                <a:solidFill>
+                  <a:srgbClr val="000000"/>
+                </a:solidFill>
+                <a:latin typeface="Arial"/>
+                <a:ea typeface="Arial"/>
+                <a:cs typeface="Arial"/>
+              </a:rPr>
+              <a:t>Register</a:t>
+            </a:r>
+            <a:r>
+              <a:rPr sz="1400" b="0" i="0" u="none">
+                <a:solidFill>
+                  <a:srgbClr val="000000"/>
+                </a:solidFill>
+                <a:latin typeface="Arial"/>
+                <a:ea typeface="Arial"/>
+                <a:cs typeface="Arial"/>
+              </a:rPr>
+              <a:t> buttons swap the screen when on the 'wrong' screen or fulfill the action when already on the 'correct' screen.</a:t>
+            </a:r>
+            <a:endParaRPr sz="1300">
+              <a:latin typeface="Arial"/>
+              <a:cs typeface="Arial"/>
+            </a:endParaRPr>
+          </a:p>
+          <a:p>
+            <a:pPr>
+              <a:defRPr/>
+            </a:pPr>
+            <a:r>
+              <a:rPr sz="1300" b="1" i="0" u="none">
+                <a:solidFill>
+                  <a:srgbClr val="000000"/>
+                </a:solidFill>
+                <a:latin typeface="Arial"/>
+                <a:ea typeface="Arial"/>
+                <a:cs typeface="Arial"/>
+              </a:rPr>
+              <a:t>Image: Register Screen                                                                           </a:t>
+            </a:r>
+            <a:r>
+              <a:rPr sz="1300" b="1" i="0" u="none">
+                <a:solidFill>
+                  <a:srgbClr val="000000"/>
+                </a:solidFill>
+                <a:latin typeface="Arial"/>
+                <a:ea typeface="Arial"/>
+                <a:cs typeface="Arial"/>
+              </a:rPr>
+              <a:t>Image: Login Screen</a:t>
+            </a:r>
+            <a:endParaRPr>
+              <a:latin typeface="Arial"/>
+              <a:cs typeface="Arial"/>
+            </a:endParaRPr>
+          </a:p>
+        </p:txBody>
+      </p:sp>
+      <p:pic>
+        <p:nvPicPr>
+          <p:cNvPr id="368225013" name=""/>
+          <p:cNvPicPr>
+            <a:picLocks noChangeAspect="1"/>
+          </p:cNvPicPr>
+          <p:nvPr/>
+        </p:nvPicPr>
+        <p:blipFill>
+          <a:blip r:embed="rId3"/>
+          <a:stretch/>
+        </p:blipFill>
+        <p:spPr bwMode="auto">
+          <a:xfrm flipH="0" flipV="0">
+            <a:off x="6177180" y="3876850"/>
+            <a:ext cx="4953089" cy="2773264"/>
+          </a:xfrm>
+          <a:prstGeom prst="rect">
+            <a:avLst/>
+          </a:prstGeom>
+        </p:spPr>
+      </p:pic>
+      <p:pic>
+        <p:nvPicPr>
+          <p:cNvPr id="1689935991" name=""/>
+          <p:cNvPicPr>
+            <a:picLocks noChangeAspect="1"/>
+          </p:cNvPicPr>
+          <p:nvPr/>
+        </p:nvPicPr>
+        <p:blipFill>
+          <a:blip r:embed="rId4"/>
+          <a:stretch/>
+        </p:blipFill>
+        <p:spPr bwMode="auto">
+          <a:xfrm flipH="0" flipV="0">
+            <a:off x="929230" y="3876850"/>
+            <a:ext cx="4940118" cy="2773264"/>
+          </a:xfrm>
+          <a:prstGeom prst="rect">
+            <a:avLst/>
+          </a:prstGeom>
+        </p:spPr>
+      </p:pic>
     </p:spTree>
   </p:cSld>
   <p:clrMapOvr>
@@ -9561,7 +9454,7 @@
       </p:grpSpPr>
       <p:sp>
         <p:nvSpPr>
-          <p:cNvPr id="1264354262" name="Title 1"/>
+          <p:cNvPr id="955132546" name="Title 1"/>
           <p:cNvSpPr>
             <a:spLocks noGrp="1"/>
           </p:cNvSpPr>
@@ -9579,35 +9472,39 @@
             </a:pPr>
             <a:r>
               <a:rPr/>
-              <a:t>Launch the App &amp; Register or Login</a:t>
-            </a:r>
-            <a:endParaRPr/>
-          </a:p>
-        </p:txBody>
-      </p:sp>
-      <p:sp>
-        <p:nvSpPr>
-          <p:cNvPr id="1537454349" name=""/>
-          <p:cNvSpPr/>
-          <p:nvPr/>
+              <a:t>Create or Add Habits</a:t>
+            </a:r>
+            <a:endParaRPr/>
+          </a:p>
+        </p:txBody>
+      </p:sp>
+      <p:sp>
+        <p:nvSpPr>
+          <p:cNvPr id="1654395059" name="Content Placeholder 2"/>
+          <p:cNvSpPr>
+            <a:spLocks noGrp="1"/>
+          </p:cNvSpPr>
+          <p:nvPr>
+            <p:ph idx="1"/>
+          </p:nvPr>
         </p:nvSpPr>
         <p:spPr bwMode="auto">
           <a:xfrm flipH="0" flipV="0">
-            <a:off x="838199" y="1595437"/>
-            <a:ext cx="10301070" cy="2271119"/>
+            <a:off x="838198" y="1825624"/>
+            <a:ext cx="5869350" cy="4351338"/>
           </a:xfrm>
         </p:spPr>
         <p:txBody>
-          <a:bodyPr rot="0" spcFirstLastPara="0" vertOverflow="overflow" horzOverflow="overflow" vert="horz" wrap="square" lIns="91440" tIns="45720" rIns="91440" bIns="45720" numCol="1" spcCol="0" rtlCol="0" fromWordArt="0" anchor="t" anchorCtr="0" forceAA="0" upright="0" compatLnSpc="1">
-            <a:prstTxWarp prst="textNoShape"/>
-            <a:spAutoFit/>
+          <a:bodyPr vertOverflow="overflow" horzOverflow="overflow" vert="horz" wrap="square" lIns="91440" tIns="45720" rIns="91440" bIns="45720" numCol="1" spcCol="0" rtlCol="0" fromWordArt="0" anchor="t" anchorCtr="0" forceAA="0" upright="0" compatLnSpc="0">
+            <a:normAutofit/>
           </a:bodyPr>
-          <a:p>
-            <a:pPr>
-              <a:defRPr/>
-            </a:pPr>
-            <a:r>
-              <a:rPr sz="1600" b="1" i="0" u="none">
+          <a:lstStyle/>
+          <a:p>
+            <a:pPr>
+              <a:defRPr/>
+            </a:pPr>
+            <a:r>
+              <a:rPr lang="en-US" sz="1400" b="0" i="0" u="none" strike="noStrike" cap="none" spc="0">
                 <a:solidFill>
                   <a:srgbClr val="000000"/>
                 </a:solidFill>
@@ -9615,24 +9512,19 @@
                 <a:ea typeface="Arial"/>
                 <a:cs typeface="Arial"/>
               </a:rPr>
-              <a:t>Launch the application</a:t>
-            </a:r>
-            <a:endParaRPr sz="1400" b="1" i="0" u="none">
-              <a:solidFill>
-                <a:srgbClr val="000000"/>
-              </a:solidFill>
+              <a:t>On the Home screen you can view habits that are due today.</a:t>
+            </a:r>
+            <a:endParaRPr sz="1400">
               <a:latin typeface="Arial"/>
               <a:cs typeface="Arial"/>
             </a:endParaRPr>
           </a:p>
           <a:p>
-            <a:pPr marL="217792" indent="-217792">
-              <a:buFont typeface="Arial"/>
-              <a:buChar char="•"/>
-              <a:defRPr/>
-            </a:pPr>
-            <a:r>
-              <a:rPr sz="1400" b="0" i="0" u="none">
+            <a:pPr>
+              <a:defRPr/>
+            </a:pPr>
+            <a:r>
+              <a:rPr lang="en-US" sz="1400" b="0" i="0" u="none" strike="noStrike" cap="none" spc="0">
                 <a:solidFill>
                   <a:srgbClr val="000000"/>
                 </a:solidFill>
@@ -9640,24 +9532,19 @@
                 <a:ea typeface="Arial"/>
                 <a:cs typeface="Arial"/>
               </a:rPr>
-              <a:t>Installation guide in repository’s Readme.</a:t>
-            </a:r>
-            <a:endParaRPr sz="1400" b="0" i="0" u="none">
-              <a:solidFill>
-                <a:srgbClr val="000000"/>
-              </a:solidFill>
+              <a:t>Here you can also 'Create' or 'Add' new habits by clicking one of the buttons.</a:t>
+            </a:r>
+            <a:endParaRPr sz="1400">
               <a:latin typeface="Arial"/>
               <a:cs typeface="Arial"/>
             </a:endParaRPr>
           </a:p>
           <a:p>
-            <a:pPr marL="217792" indent="-217792">
-              <a:buFont typeface="Arial"/>
-              <a:buChar char="•"/>
-              <a:defRPr/>
-            </a:pPr>
-            <a:r>
-              <a:rPr sz="1400" b="0" i="0" u="none">
+            <a:pPr>
+              <a:defRPr/>
+            </a:pPr>
+            <a:r>
+              <a:rPr lang="en-US" sz="1400" b="0" i="0" u="none" strike="noStrike" cap="none" spc="0">
                 <a:solidFill>
                   <a:srgbClr val="000000"/>
                 </a:solidFill>
@@ -9665,10 +9552,19 @@
                 <a:ea typeface="Arial"/>
                 <a:cs typeface="Arial"/>
               </a:rPr>
-              <a:t>Use the </a:t>
-            </a:r>
-            <a:r>
-              <a:rPr sz="1400" b="0" i="0" u="none">
+              <a:t>Creating a new Habit will open a popup, selecting a  periodicity and providing the required input will let you click the  'Create' button in the popup and the habit will be created and  automatically subscribed to.</a:t>
+            </a:r>
+            <a:endParaRPr sz="1400">
+              <a:latin typeface="Arial"/>
+              <a:cs typeface="Arial"/>
+            </a:endParaRPr>
+          </a:p>
+          <a:p>
+            <a:pPr>
+              <a:defRPr/>
+            </a:pPr>
+            <a:r>
+              <a:rPr lang="en-US" sz="1400" b="0" i="0" u="none" strike="noStrike" cap="none" spc="0">
                 <a:solidFill>
                   <a:srgbClr val="000000"/>
                 </a:solidFill>
@@ -9676,10 +9572,10 @@
                 <a:ea typeface="Arial"/>
                 <a:cs typeface="Arial"/>
               </a:rPr>
-              <a:t>--debug</a:t>
-            </a:r>
-            <a:r>
-              <a:rPr sz="1400" b="0" i="0" u="none">
+              <a:t>Adding a new habit will lead you to the public habits  screen from which you can subscribe to a habit by selecting a  periodicity and clicking the </a:t>
+            </a:r>
+            <a:r>
+              <a:rPr lang="en-US" sz="1400" b="0" i="0" u="none" strike="noStrike" cap="none" spc="0">
                 <a:solidFill>
                   <a:srgbClr val="000000"/>
                 </a:solidFill>
@@ -9687,19 +9583,10 @@
                 <a:ea typeface="Arial"/>
                 <a:cs typeface="Arial"/>
               </a:rPr>
-              <a:t> argument to utilize test data.</a:t>
-            </a:r>
-            <a:endParaRPr>
-              <a:latin typeface="Arial"/>
-              <a:cs typeface="Arial"/>
-            </a:endParaRPr>
-          </a:p>
-          <a:p>
-            <a:pPr>
-              <a:defRPr/>
-            </a:pPr>
-            <a:r>
-              <a:rPr sz="1600" b="1" i="0" u="none">
+              <a:t>[+]</a:t>
+            </a:r>
+            <a:r>
+              <a:rPr lang="en-US" sz="1400" b="0" i="0" u="none" strike="noStrike" cap="none" spc="0">
                 <a:solidFill>
                   <a:srgbClr val="000000"/>
                 </a:solidFill>
@@ -9707,10 +9594,21 @@
                 <a:ea typeface="Arial"/>
                 <a:cs typeface="Arial"/>
               </a:rPr>
-              <a:t>Log </a:t>
-            </a:r>
-            <a:r>
-              <a:rPr sz="1600" b="1" i="0" u="none">
+              <a:t> button on the listed habit widget.</a:t>
+            </a:r>
+            <a:endParaRPr sz="1400">
+              <a:latin typeface="Arial"/>
+              <a:cs typeface="Arial"/>
+            </a:endParaRPr>
+          </a:p>
+          <a:p>
+            <a:pPr marL="0" indent="0">
+              <a:buFont typeface="Arial"/>
+              <a:buNone/>
+              <a:defRPr/>
+            </a:pPr>
+            <a:r>
+              <a:rPr lang="en-US" sz="1400" b="1" i="0" u="none" strike="noStrike" cap="none" spc="0">
                 <a:solidFill>
                   <a:srgbClr val="000000"/>
                 </a:solidFill>
@@ -9718,73 +9616,7 @@
                 <a:ea typeface="Arial"/>
                 <a:cs typeface="Arial"/>
               </a:rPr>
-              <a:t>in or register a user</a:t>
-            </a:r>
-            <a:endParaRPr>
-              <a:latin typeface="Arial"/>
-              <a:cs typeface="Arial"/>
-            </a:endParaRPr>
-          </a:p>
-          <a:p>
-            <a:pPr marL="217793" indent="-217793">
-              <a:buFont typeface="Arial"/>
-              <a:buChar char="•"/>
-              <a:defRPr/>
-            </a:pPr>
-            <a:r>
-              <a:rPr sz="1400" b="0" i="0" u="none">
-                <a:solidFill>
-                  <a:srgbClr val="000000"/>
-                </a:solidFill>
-                <a:latin typeface="Arial"/>
-                <a:ea typeface="Arial"/>
-                <a:cs typeface="Arial"/>
-              </a:rPr>
-              <a:t>Users </a:t>
-            </a:r>
-            <a:r>
-              <a:rPr sz="1400" b="0" i="0" u="none">
-                <a:solidFill>
-                  <a:srgbClr val="000000"/>
-                </a:solidFill>
-                <a:latin typeface="Arial"/>
-                <a:ea typeface="Arial"/>
-                <a:cs typeface="Arial"/>
-              </a:rPr>
-              <a:t>alice</a:t>
-            </a:r>
-            <a:r>
-              <a:rPr sz="1400" b="0" i="0" u="none">
-                <a:solidFill>
-                  <a:srgbClr val="000000"/>
-                </a:solidFill>
-                <a:latin typeface="Arial"/>
-                <a:ea typeface="Arial"/>
-                <a:cs typeface="Arial"/>
-              </a:rPr>
-              <a:t> &amp; </a:t>
-            </a:r>
-            <a:r>
-              <a:rPr sz="1400" b="0" i="0" u="none">
-                <a:solidFill>
-                  <a:srgbClr val="000000"/>
-                </a:solidFill>
-                <a:latin typeface="Arial"/>
-                <a:ea typeface="Arial"/>
-                <a:cs typeface="Arial"/>
-              </a:rPr>
-              <a:t>bob</a:t>
-            </a:r>
-            <a:r>
-              <a:rPr sz="1400" b="0" i="0" u="none">
-                <a:solidFill>
-                  <a:srgbClr val="000000"/>
-                </a:solidFill>
-                <a:latin typeface="Arial"/>
-                <a:ea typeface="Arial"/>
-                <a:cs typeface="Arial"/>
-              </a:rPr>
-              <a:t> are provided when using the test data.</a:t>
+              <a:t>Image: Home Screen</a:t>
             </a:r>
             <a:endParaRPr sz="1400">
               <a:latin typeface="Arial"/>
@@ -9792,173 +9624,21 @@
             </a:endParaRPr>
           </a:p>
           <a:p>
-            <a:pPr marL="217793" indent="-217793">
+            <a:pPr marL="0" indent="0">
               <a:buFont typeface="Arial"/>
-              <a:buChar char="•"/>
-              <a:defRPr/>
-            </a:pPr>
-            <a:r>
-              <a:rPr sz="1400" b="0" i="0" u="none">
-                <a:solidFill>
-                  <a:srgbClr val="000000"/>
-                </a:solidFill>
-                <a:latin typeface="Arial"/>
-                <a:ea typeface="Arial"/>
-                <a:cs typeface="Arial"/>
-              </a:rPr>
-              <a:t>Password for both is simply 'password123'.</a:t>
-            </a:r>
-            <a:endParaRPr sz="1400">
+              <a:buNone/>
+              <a:defRPr/>
+            </a:pPr>
+            <a:endParaRPr sz="2800">
               <a:latin typeface="Arial"/>
               <a:cs typeface="Arial"/>
             </a:endParaRPr>
           </a:p>
-          <a:p>
-            <a:pPr marL="217793" indent="-217793">
-              <a:buFont typeface="Arial"/>
-              <a:buChar char="•"/>
-              <a:defRPr/>
-            </a:pPr>
-            <a:r>
-              <a:rPr sz="1400" b="0" i="0" u="none">
-                <a:solidFill>
-                  <a:srgbClr val="000000"/>
-                </a:solidFill>
-                <a:latin typeface="Arial"/>
-                <a:ea typeface="Arial"/>
-                <a:cs typeface="Arial"/>
-              </a:rPr>
-              <a:t>The login information is also shown in the Terminal log when using the </a:t>
-            </a:r>
-            <a:r>
-              <a:rPr sz="1400" b="0" i="0" u="none">
-                <a:solidFill>
-                  <a:srgbClr val="000000"/>
-                </a:solidFill>
-                <a:latin typeface="Arial"/>
-                <a:ea typeface="Arial"/>
-                <a:cs typeface="Arial"/>
-              </a:rPr>
-              <a:t>--debug</a:t>
-            </a:r>
-            <a:r>
-              <a:rPr sz="1400" b="0" i="0" u="none">
-                <a:solidFill>
-                  <a:srgbClr val="000000"/>
-                </a:solidFill>
-                <a:latin typeface="Arial"/>
-                <a:ea typeface="Arial"/>
-                <a:cs typeface="Arial"/>
-              </a:rPr>
-              <a:t> argument.</a:t>
-            </a:r>
-            <a:endParaRPr sz="1400">
-              <a:latin typeface="Arial"/>
-              <a:cs typeface="Arial"/>
-            </a:endParaRPr>
-          </a:p>
-          <a:p>
-            <a:pPr marL="217793" indent="-217793">
-              <a:buFont typeface="Arial"/>
-              <a:buChar char="•"/>
-              <a:defRPr/>
-            </a:pPr>
-            <a:r>
-              <a:rPr sz="1400" b="0" i="0" u="none">
-                <a:solidFill>
-                  <a:srgbClr val="000000"/>
-                </a:solidFill>
-                <a:latin typeface="Arial"/>
-                <a:ea typeface="Arial"/>
-                <a:cs typeface="Arial"/>
-              </a:rPr>
-              <a:t>The </a:t>
-            </a:r>
-            <a:r>
-              <a:rPr sz="1400" b="0" i="0" u="none">
-                <a:solidFill>
-                  <a:srgbClr val="000000"/>
-                </a:solidFill>
-                <a:latin typeface="Arial"/>
-                <a:ea typeface="Arial"/>
-                <a:cs typeface="Arial"/>
-              </a:rPr>
-              <a:t>Login</a:t>
-            </a:r>
-            <a:r>
-              <a:rPr sz="1400" b="0" i="0" u="none">
-                <a:solidFill>
-                  <a:srgbClr val="000000"/>
-                </a:solidFill>
-                <a:latin typeface="Arial"/>
-                <a:ea typeface="Arial"/>
-                <a:cs typeface="Arial"/>
-              </a:rPr>
-              <a:t>/</a:t>
-            </a:r>
-            <a:r>
-              <a:rPr sz="1400" b="0" i="0" u="none">
-                <a:solidFill>
-                  <a:srgbClr val="000000"/>
-                </a:solidFill>
-                <a:latin typeface="Arial"/>
-                <a:ea typeface="Arial"/>
-                <a:cs typeface="Arial"/>
-              </a:rPr>
-              <a:t>Register</a:t>
-            </a:r>
-            <a:r>
-              <a:rPr sz="1400" b="0" i="0" u="none">
-                <a:solidFill>
-                  <a:srgbClr val="000000"/>
-                </a:solidFill>
-                <a:latin typeface="Arial"/>
-                <a:ea typeface="Arial"/>
-                <a:cs typeface="Arial"/>
-              </a:rPr>
-              <a:t> buttons swap the screen when on the 'wrong' screen or fulfill the action when already on the 'correct' screen.</a:t>
-            </a:r>
-            <a:endParaRPr sz="1300">
-              <a:latin typeface="Arial"/>
-              <a:cs typeface="Arial"/>
-            </a:endParaRPr>
-          </a:p>
-          <a:p>
-            <a:pPr>
-              <a:defRPr/>
-            </a:pPr>
-            <a:r>
-              <a:rPr sz="1300" b="1" i="0" u="none">
-                <a:solidFill>
-                  <a:srgbClr val="000000"/>
-                </a:solidFill>
-                <a:latin typeface="Arial"/>
-                <a:ea typeface="Arial"/>
-                <a:cs typeface="Arial"/>
-              </a:rPr>
-              <a:t>Image: Register Screen                                                                           </a:t>
-            </a:r>
-            <a:r>
-              <a:rPr sz="1300" b="1" i="0" u="none">
-                <a:solidFill>
-                  <a:srgbClr val="000000"/>
-                </a:solidFill>
-                <a:latin typeface="Arial"/>
-                <a:ea typeface="Arial"/>
-                <a:cs typeface="Arial"/>
-              </a:rPr>
-              <a:t>Image: Login Screen</a:t>
-            </a:r>
-            <a:endParaRPr>
-              <a:latin typeface="Arial"/>
-              <a:cs typeface="Arial"/>
-            </a:endParaRPr>
-          </a:p>
         </p:txBody>
       </p:sp>
       <p:pic>
         <p:nvPicPr>
-          <p:cNvPr id="166818695" name=""/>
+          <p:cNvPr id="1131882620" name=""/>
           <p:cNvPicPr>
             <a:picLocks noChangeAspect="1"/>
           </p:cNvPicPr>
@@ -9970,8 +9650,8 @@
         </p:blipFill>
         <p:spPr bwMode="auto">
           <a:xfrm flipH="0" flipV="0">
-            <a:off x="6177180" y="3876850"/>
-            <a:ext cx="4953089" cy="2773264"/>
+            <a:off x="7109310" y="4130820"/>
+            <a:ext cx="4339738" cy="2438131"/>
           </a:xfrm>
           <a:prstGeom prst="rect">
             <a:avLst/>
@@ -9980,7 +9660,7 @@
       </p:pic>
       <p:pic>
         <p:nvPicPr>
-          <p:cNvPr id="1563327289" name=""/>
+          <p:cNvPr id="1643730341" name=""/>
           <p:cNvPicPr>
             <a:picLocks noChangeAspect="1"/>
           </p:cNvPicPr>
@@ -9992,8 +9672,119 @@
         </p:blipFill>
         <p:spPr bwMode="auto">
           <a:xfrm flipH="0" flipV="0">
-            <a:off x="929230" y="3876850"/>
-            <a:ext cx="4940118" cy="2773264"/>
+            <a:off x="933449" y="4380793"/>
+            <a:ext cx="4071996" cy="2286704"/>
+          </a:xfrm>
+          <a:prstGeom prst="rect">
+            <a:avLst/>
+          </a:prstGeom>
+        </p:spPr>
+      </p:pic>
+      <p:sp>
+        <p:nvSpPr>
+          <p:cNvPr id="1407985428" name=""/>
+          <p:cNvSpPr txBox="1"/>
+          <p:nvPr/>
+        </p:nvSpPr>
+        <p:spPr bwMode="auto">
+          <a:xfrm flipH="0" flipV="0">
+            <a:off x="7014060" y="3752848"/>
+            <a:ext cx="4763219" cy="305159"/>
+          </a:xfrm>
+          <a:prstGeom prst="rect">
+            <a:avLst/>
+          </a:prstGeom>
+          <a:noFill/>
+        </p:spPr>
+        <p:txBody>
+          <a:bodyPr vertOverflow="overflow" horzOverflow="overflow" vert="horz" wrap="square" lIns="91440" tIns="45720" rIns="91440" bIns="45720" numCol="1" spcCol="0" rtlCol="0" fromWordArt="0" anchor="t" anchorCtr="0" forceAA="0" upright="0" compatLnSpc="0">
+            <a:spAutoFit/>
+          </a:bodyPr>
+          <a:p>
+            <a:pPr>
+              <a:defRPr/>
+            </a:pPr>
+            <a:r>
+              <a:rPr lang="en-US" sz="1400" b="1" i="0" u="none" strike="noStrike" cap="none" spc="0">
+                <a:solidFill>
+                  <a:srgbClr val="000000"/>
+                </a:solidFill>
+                <a:latin typeface="Arial"/>
+                <a:ea typeface="Arial"/>
+                <a:cs typeface="Arial"/>
+              </a:rPr>
+              <a:t>Image: Public Habits Screen</a:t>
+            </a:r>
+            <a:endParaRPr sz="1400"/>
+          </a:p>
+        </p:txBody>
+      </p:sp>
+      <p:sp>
+        <p:nvSpPr>
+          <p:cNvPr id="1284115889" name=""/>
+          <p:cNvSpPr txBox="1"/>
+          <p:nvPr/>
+        </p:nvSpPr>
+        <p:spPr bwMode="auto">
+          <a:xfrm flipH="0" flipV="0">
+            <a:off x="7164749" y="1109133"/>
+            <a:ext cx="2362918" cy="518519"/>
+          </a:xfrm>
+          <a:prstGeom prst="rect">
+            <a:avLst/>
+          </a:prstGeom>
+          <a:noFill/>
+        </p:spPr>
+        <p:txBody>
+          <a:bodyPr vertOverflow="overflow" horzOverflow="overflow" vert="horz" wrap="square" lIns="91440" tIns="45720" rIns="91440" bIns="45720" numCol="1" spcCol="0" rtlCol="0" fromWordArt="0" anchor="t" anchorCtr="0" forceAA="0" upright="0" compatLnSpc="0">
+            <a:spAutoFit/>
+          </a:bodyPr>
+          <a:p>
+            <a:pPr>
+              <a:defRPr/>
+            </a:pPr>
+            <a:r>
+              <a:rPr lang="en-US" sz="1400" b="1" i="0" u="none" strike="noStrike" cap="none" spc="0">
+                <a:solidFill>
+                  <a:srgbClr val="000000"/>
+                </a:solidFill>
+                <a:latin typeface="Arial"/>
+                <a:ea typeface="Arial"/>
+                <a:cs typeface="Arial"/>
+              </a:rPr>
+              <a:t>Image: </a:t>
+            </a:r>
+            <a:r>
+              <a:rPr lang="en-US" sz="1400" b="1" i="0" u="none" strike="noStrike" cap="none" spc="0">
+                <a:solidFill>
+                  <a:srgbClr val="000000"/>
+                </a:solidFill>
+                <a:latin typeface="Arial"/>
+                <a:ea typeface="Arial"/>
+                <a:cs typeface="Arial"/>
+              </a:rPr>
+              <a:t>Create Habit Popup</a:t>
+            </a:r>
+            <a:endParaRPr sz="1400"/>
+          </a:p>
+        </p:txBody>
+      </p:sp>
+      <p:pic>
+        <p:nvPicPr>
+          <p:cNvPr id="1499992524" name=""/>
+          <p:cNvPicPr>
+            <a:picLocks noChangeAspect="1"/>
+          </p:cNvPicPr>
+          <p:nvPr/>
+        </p:nvPicPr>
+        <p:blipFill>
+          <a:blip r:embed="rId5"/>
+          <a:stretch/>
+        </p:blipFill>
+        <p:spPr bwMode="auto">
+          <a:xfrm flipH="0" flipV="0">
+            <a:off x="9061245" y="742156"/>
+            <a:ext cx="2716035" cy="2716035"/>
           </a:xfrm>
           <a:prstGeom prst="rect">
             <a:avLst/>
